--- a/0320.pptx
+++ b/0320.pptx
@@ -14,7 +14,8 @@
     <p:sldId id="263" r:id="rId8"/>
     <p:sldId id="265" r:id="rId9"/>
     <p:sldId id="266" r:id="rId10"/>
-    <p:sldId id="262" r:id="rId11"/>
+    <p:sldId id="269" r:id="rId11"/>
+    <p:sldId id="270" r:id="rId12"/>
   </p:sldIdLst>
   <p:sldSz cx="12192000" cy="6858000"/>
   <p:notesSz cx="6858000" cy="9144000"/>
@@ -113,6 +114,11 @@
       </a:defRPr>
     </a:lvl9pPr>
   </p:defaultTextStyle>
+  <p:extLst>
+    <p:ext uri="{EFAFB233-063F-42B5-8137-9DF3F51BA10A}">
+      <p15:sldGuideLst xmlns:p15="http://schemas.microsoft.com/office/powerpoint/2012/main"/>
+    </p:ext>
+  </p:extLst>
 </p:presentation>
 </file>
 
@@ -263,7 +269,7 @@
           <a:p>
             <a:fld id="{D91E7BDC-A097-412A-83CE-16787ADA690F}" type="datetimeFigureOut">
               <a:rPr lang="zh-TW" altLang="en-US" smtClean="0"/>
-              <a:t>2025/3/25</a:t>
+              <a:t>2025/3/26</a:t>
             </a:fld>
             <a:endParaRPr lang="zh-TW" altLang="en-US"/>
           </a:p>
@@ -461,7 +467,7 @@
           <a:p>
             <a:fld id="{D91E7BDC-A097-412A-83CE-16787ADA690F}" type="datetimeFigureOut">
               <a:rPr lang="zh-TW" altLang="en-US" smtClean="0"/>
-              <a:t>2025/3/25</a:t>
+              <a:t>2025/3/26</a:t>
             </a:fld>
             <a:endParaRPr lang="zh-TW" altLang="en-US"/>
           </a:p>
@@ -669,7 +675,7 @@
           <a:p>
             <a:fld id="{D91E7BDC-A097-412A-83CE-16787ADA690F}" type="datetimeFigureOut">
               <a:rPr lang="zh-TW" altLang="en-US" smtClean="0"/>
-              <a:t>2025/3/25</a:t>
+              <a:t>2025/3/26</a:t>
             </a:fld>
             <a:endParaRPr lang="zh-TW" altLang="en-US"/>
           </a:p>
@@ -867,7 +873,7 @@
           <a:p>
             <a:fld id="{D91E7BDC-A097-412A-83CE-16787ADA690F}" type="datetimeFigureOut">
               <a:rPr lang="zh-TW" altLang="en-US" smtClean="0"/>
-              <a:t>2025/3/25</a:t>
+              <a:t>2025/3/26</a:t>
             </a:fld>
             <a:endParaRPr lang="zh-TW" altLang="en-US"/>
           </a:p>
@@ -1142,7 +1148,7 @@
           <a:p>
             <a:fld id="{D91E7BDC-A097-412A-83CE-16787ADA690F}" type="datetimeFigureOut">
               <a:rPr lang="zh-TW" altLang="en-US" smtClean="0"/>
-              <a:t>2025/3/25</a:t>
+              <a:t>2025/3/26</a:t>
             </a:fld>
             <a:endParaRPr lang="zh-TW" altLang="en-US"/>
           </a:p>
@@ -1407,7 +1413,7 @@
           <a:p>
             <a:fld id="{D91E7BDC-A097-412A-83CE-16787ADA690F}" type="datetimeFigureOut">
               <a:rPr lang="zh-TW" altLang="en-US" smtClean="0"/>
-              <a:t>2025/3/25</a:t>
+              <a:t>2025/3/26</a:t>
             </a:fld>
             <a:endParaRPr lang="zh-TW" altLang="en-US"/>
           </a:p>
@@ -1819,7 +1825,7 @@
           <a:p>
             <a:fld id="{D91E7BDC-A097-412A-83CE-16787ADA690F}" type="datetimeFigureOut">
               <a:rPr lang="zh-TW" altLang="en-US" smtClean="0"/>
-              <a:t>2025/3/25</a:t>
+              <a:t>2025/3/26</a:t>
             </a:fld>
             <a:endParaRPr lang="zh-TW" altLang="en-US"/>
           </a:p>
@@ -1960,7 +1966,7 @@
           <a:p>
             <a:fld id="{D91E7BDC-A097-412A-83CE-16787ADA690F}" type="datetimeFigureOut">
               <a:rPr lang="zh-TW" altLang="en-US" smtClean="0"/>
-              <a:t>2025/3/25</a:t>
+              <a:t>2025/3/26</a:t>
             </a:fld>
             <a:endParaRPr lang="zh-TW" altLang="en-US"/>
           </a:p>
@@ -2073,7 +2079,7 @@
           <a:p>
             <a:fld id="{D91E7BDC-A097-412A-83CE-16787ADA690F}" type="datetimeFigureOut">
               <a:rPr lang="zh-TW" altLang="en-US" smtClean="0"/>
-              <a:t>2025/3/25</a:t>
+              <a:t>2025/3/26</a:t>
             </a:fld>
             <a:endParaRPr lang="zh-TW" altLang="en-US"/>
           </a:p>
@@ -2384,7 +2390,7 @@
           <a:p>
             <a:fld id="{D91E7BDC-A097-412A-83CE-16787ADA690F}" type="datetimeFigureOut">
               <a:rPr lang="zh-TW" altLang="en-US" smtClean="0"/>
-              <a:t>2025/3/25</a:t>
+              <a:t>2025/3/26</a:t>
             </a:fld>
             <a:endParaRPr lang="zh-TW" altLang="en-US"/>
           </a:p>
@@ -2672,7 +2678,7 @@
           <a:p>
             <a:fld id="{D91E7BDC-A097-412A-83CE-16787ADA690F}" type="datetimeFigureOut">
               <a:rPr lang="zh-TW" altLang="en-US" smtClean="0"/>
-              <a:t>2025/3/25</a:t>
+              <a:t>2025/3/26</a:t>
             </a:fld>
             <a:endParaRPr lang="zh-TW" altLang="en-US"/>
           </a:p>
@@ -2913,7 +2919,7 @@
           <a:p>
             <a:fld id="{D91E7BDC-A097-412A-83CE-16787ADA690F}" type="datetimeFigureOut">
               <a:rPr lang="zh-TW" altLang="en-US" smtClean="0"/>
-              <a:t>2025/3/25</a:t>
+              <a:t>2025/3/26</a:t>
             </a:fld>
             <a:endParaRPr lang="zh-TW" altLang="en-US"/>
           </a:p>
@@ -3419,7 +3425,7 @@
           <p:cNvPr id="2" name="標題 1">
             <a:extLst>
               <a:ext uri="{FF2B5EF4-FFF2-40B4-BE49-F238E27FC236}">
-                <a16:creationId xmlns:a16="http://schemas.microsoft.com/office/drawing/2014/main" id="{8B44BDE4-AB61-4AB0-A2F3-7402079C08A1}"/>
+                <a16:creationId xmlns:a16="http://schemas.microsoft.com/office/drawing/2014/main" id="{3A0ED645-39A2-4426-8610-B7779E6EA613}"/>
               </a:ext>
             </a:extLst>
           </p:cNvPr>
@@ -3436,34 +3442,528 @@
           <a:lstStyle/>
           <a:p>
             <a:r>
-              <a:rPr lang="zh-TW" altLang="en-US" dirty="0"/>
-              <a:t> 第</a:t>
+              <a:rPr lang="zh-TW" altLang="en-US" dirty="0">
+                <a:latin typeface="微軟正黑體" panose="020B0604030504040204" pitchFamily="34" charset="-120"/>
+                <a:ea typeface="微軟正黑體" panose="020B0604030504040204" pitchFamily="34" charset="-120"/>
+              </a:rPr>
+              <a:t>第</a:t>
             </a:r>
             <a:r>
-              <a:rPr lang="en-US" altLang="zh-TW" dirty="0"/>
-              <a:t>3</a:t>
+              <a:rPr lang="en-US" altLang="zh-TW" dirty="0">
+                <a:latin typeface="微軟正黑體" panose="020B0604030504040204" pitchFamily="34" charset="-120"/>
+                <a:ea typeface="微軟正黑體" panose="020B0604030504040204" pitchFamily="34" charset="-120"/>
+              </a:rPr>
+              <a:t>5</a:t>
             </a:r>
             <a:r>
-              <a:rPr lang="zh-TW" altLang="en-US" dirty="0"/>
-              <a:t>層：標準化層（</a:t>
-            </a:r>
-            <a:r>
-              <a:rPr lang="en-US" altLang="zh-TW" dirty="0"/>
-              <a:t>Normalization</a:t>
-            </a:r>
-            <a:r>
-              <a:rPr lang="zh-TW" altLang="en-US" dirty="0"/>
-              <a:t>）</a:t>
+              <a:rPr lang="zh-TW" altLang="en-US" dirty="0">
+                <a:latin typeface="微軟正黑體" panose="020B0604030504040204" pitchFamily="34" charset="-120"/>
+                <a:ea typeface="微軟正黑體" panose="020B0604030504040204" pitchFamily="34" charset="-120"/>
+              </a:rPr>
+              <a:t>層：輸出層</a:t>
             </a:r>
           </a:p>
         </p:txBody>
       </p:sp>
+      <mc:AlternateContent xmlns:mc="http://schemas.openxmlformats.org/markup-compatibility/2006">
+        <mc:Choice xmlns:a14="http://schemas.microsoft.com/office/drawing/2010/main" Requires="a14">
+          <p:sp>
+            <p:nvSpPr>
+              <p:cNvPr id="3" name="內容版面配置區 2">
+                <a:extLst>
+                  <a:ext uri="{FF2B5EF4-FFF2-40B4-BE49-F238E27FC236}">
+                    <a16:creationId xmlns:a16="http://schemas.microsoft.com/office/drawing/2014/main" id="{2B96C3E3-E4F8-49FE-8E2E-C3F66A142CDD}"/>
+                  </a:ext>
+                </a:extLst>
+              </p:cNvPr>
+              <p:cNvSpPr>
+                <a:spLocks noGrp="1"/>
+              </p:cNvSpPr>
+              <p:nvPr>
+                <p:ph idx="1"/>
+              </p:nvPr>
+            </p:nvSpPr>
+            <p:spPr>
+              <a:xfrm>
+                <a:off x="838200" y="1825625"/>
+                <a:ext cx="11026140" cy="4667250"/>
+              </a:xfrm>
+            </p:spPr>
+            <p:txBody>
+              <a:bodyPr>
+                <a:normAutofit/>
+              </a:bodyPr>
+              <a:lstStyle/>
+              <a:p>
+                <a:pPr marL="514350" indent="-514350">
+                  <a:buFont typeface="+mj-lt"/>
+                  <a:buAutoNum type="arabicPeriod"/>
+                </a:pPr>
+                <a:r>
+                  <a:rPr lang="zh-TW" altLang="en-US" dirty="0">
+                    <a:latin typeface="微軟正黑體" panose="020B0604030504040204" pitchFamily="34" charset="-120"/>
+                    <a:ea typeface="微軟正黑體" panose="020B0604030504040204" pitchFamily="34" charset="-120"/>
+                  </a:rPr>
+                  <a:t>第四層這些</a:t>
+                </a:r>
+                <a14:m>
+                  <m:oMath xmlns:m="http://schemas.openxmlformats.org/officeDocument/2006/math">
+                    <m:sSub>
+                      <m:sSubPr>
+                        <m:ctrlPr>
+                          <a:rPr lang="en-US" altLang="zh-TW" i="1" dirty="0" smtClean="0">
+                            <a:latin typeface="Cambria Math" panose="02040503050406030204" pitchFamily="18" charset="0"/>
+                            <a:ea typeface="微軟正黑體" panose="020B0604030504040204" pitchFamily="34" charset="-120"/>
+                          </a:rPr>
+                        </m:ctrlPr>
+                      </m:sSubPr>
+                      <m:e>
+                        <m:r>
+                          <a:rPr lang="en-US" altLang="zh-TW" b="0" i="1" dirty="0" smtClean="0">
+                            <a:latin typeface="Cambria Math" panose="02040503050406030204" pitchFamily="18" charset="0"/>
+                            <a:ea typeface="微軟正黑體" panose="020B0604030504040204" pitchFamily="34" charset="-120"/>
+                          </a:rPr>
+                          <m:t>𝑧</m:t>
+                        </m:r>
+                      </m:e>
+                      <m:sub>
+                        <m:r>
+                          <a:rPr lang="en-US" altLang="zh-TW" b="0" i="1" dirty="0" smtClean="0">
+                            <a:latin typeface="Cambria Math" panose="02040503050406030204" pitchFamily="18" charset="0"/>
+                            <a:ea typeface="微軟正黑體" panose="020B0604030504040204" pitchFamily="34" charset="-120"/>
+                          </a:rPr>
+                          <m:t>𝑖</m:t>
+                        </m:r>
+                      </m:sub>
+                    </m:sSub>
+                  </m:oMath>
+                </a14:m>
+                <a:r>
+                  <a:rPr lang="zh-TW" altLang="en-US" dirty="0">
+                    <a:latin typeface="微軟正黑體" panose="020B0604030504040204" pitchFamily="34" charset="-120"/>
+                    <a:ea typeface="微軟正黑體" panose="020B0604030504040204" pitchFamily="34" charset="-120"/>
+                  </a:rPr>
+                  <a:t>會傳到第 </a:t>
+                </a:r>
+                <a:r>
+                  <a:rPr lang="en-US" altLang="zh-TW" dirty="0">
+                    <a:latin typeface="微軟正黑體" panose="020B0604030504040204" pitchFamily="34" charset="-120"/>
+                    <a:ea typeface="微軟正黑體" panose="020B0604030504040204" pitchFamily="34" charset="-120"/>
+                  </a:rPr>
+                  <a:t>5 </a:t>
+                </a:r>
+                <a:r>
+                  <a:rPr lang="zh-TW" altLang="en-US" dirty="0">
+                    <a:latin typeface="微軟正黑體" panose="020B0604030504040204" pitchFamily="34" charset="-120"/>
+                    <a:ea typeface="微軟正黑體" panose="020B0604030504040204" pitchFamily="34" charset="-120"/>
+                  </a:rPr>
+                  <a:t>層輸出層，做一個簡單的總和</a:t>
+                </a:r>
+                <a:endParaRPr lang="en-US" altLang="zh-TW" dirty="0">
+                  <a:latin typeface="微軟正黑體" panose="020B0604030504040204" pitchFamily="34" charset="-120"/>
+                  <a:ea typeface="微軟正黑體" panose="020B0604030504040204" pitchFamily="34" charset="-120"/>
+                </a:endParaRPr>
+              </a:p>
+              <a:p>
+                <a:pPr marL="0" indent="0">
+                  <a:buNone/>
+                </a:pPr>
+                <a:endParaRPr lang="en-US" altLang="zh-TW" b="0" i="1" dirty="0">
+                  <a:latin typeface="Cambria Math" panose="02040503050406030204" pitchFamily="18" charset="0"/>
+                  <a:ea typeface="微軟正黑體" panose="020B0604030504040204" pitchFamily="34" charset="-120"/>
+                </a:endParaRPr>
+              </a:p>
+              <a:p>
+                <a:pPr marL="0" indent="0">
+                  <a:buNone/>
+                </a:pPr>
+                <a14:m>
+                  <m:oMathPara xmlns:m="http://schemas.openxmlformats.org/officeDocument/2006/math">
+                    <m:oMathParaPr>
+                      <m:jc m:val="centerGroup"/>
+                    </m:oMathParaPr>
+                    <m:oMath xmlns:m="http://schemas.openxmlformats.org/officeDocument/2006/math">
+                      <m:r>
+                        <a:rPr lang="en-US" altLang="zh-TW" b="0" i="1" smtClean="0">
+                          <a:latin typeface="Cambria Math" panose="02040503050406030204" pitchFamily="18" charset="0"/>
+                          <a:ea typeface="微軟正黑體" panose="020B0604030504040204" pitchFamily="34" charset="-120"/>
+                        </a:rPr>
+                        <m:t>𝑧</m:t>
+                      </m:r>
+                      <m:r>
+                        <a:rPr lang="en-US" altLang="zh-TW" b="0" i="1" smtClean="0">
+                          <a:latin typeface="Cambria Math" panose="02040503050406030204" pitchFamily="18" charset="0"/>
+                          <a:ea typeface="微軟正黑體" panose="020B0604030504040204" pitchFamily="34" charset="-120"/>
+                        </a:rPr>
+                        <m:t>=</m:t>
+                      </m:r>
+                      <m:nary>
+                        <m:naryPr>
+                          <m:chr m:val="∑"/>
+                          <m:supHide m:val="on"/>
+                          <m:ctrlPr>
+                            <a:rPr lang="en-US" altLang="zh-TW" b="0" i="1" smtClean="0">
+                              <a:latin typeface="Cambria Math" panose="02040503050406030204" pitchFamily="18" charset="0"/>
+                              <a:ea typeface="微軟正黑體" panose="020B0604030504040204" pitchFamily="34" charset="-120"/>
+                            </a:rPr>
+                          </m:ctrlPr>
+                        </m:naryPr>
+                        <m:sub>
+                          <m:r>
+                            <m:rPr>
+                              <m:brk m:alnAt="7"/>
+                            </m:rPr>
+                            <a:rPr lang="en-US" altLang="zh-TW" b="0" i="1" smtClean="0">
+                              <a:latin typeface="Cambria Math" panose="02040503050406030204" pitchFamily="18" charset="0"/>
+                              <a:ea typeface="微軟正黑體" panose="020B0604030504040204" pitchFamily="34" charset="-120"/>
+                            </a:rPr>
+                            <m:t>𝑖</m:t>
+                          </m:r>
+                        </m:sub>
+                        <m:sup/>
+                        <m:e>
+                          <m:sSub>
+                            <m:sSubPr>
+                              <m:ctrlPr>
+                                <a:rPr lang="en-US" altLang="zh-TW" b="0" i="1" smtClean="0">
+                                  <a:latin typeface="Cambria Math" panose="02040503050406030204" pitchFamily="18" charset="0"/>
+                                  <a:ea typeface="微軟正黑體" panose="020B0604030504040204" pitchFamily="34" charset="-120"/>
+                                </a:rPr>
+                              </m:ctrlPr>
+                            </m:sSubPr>
+                            <m:e>
+                              <m:r>
+                                <a:rPr lang="en-US" altLang="zh-TW" b="0" i="1" smtClean="0">
+                                  <a:latin typeface="Cambria Math" panose="02040503050406030204" pitchFamily="18" charset="0"/>
+                                  <a:ea typeface="微軟正黑體" panose="020B0604030504040204" pitchFamily="34" charset="-120"/>
+                                </a:rPr>
+                                <m:t>𝑧</m:t>
+                              </m:r>
+                            </m:e>
+                            <m:sub>
+                              <m:r>
+                                <a:rPr lang="en-US" altLang="zh-TW" b="0" i="1" smtClean="0">
+                                  <a:latin typeface="Cambria Math" panose="02040503050406030204" pitchFamily="18" charset="0"/>
+                                  <a:ea typeface="微軟正黑體" panose="020B0604030504040204" pitchFamily="34" charset="-120"/>
+                                </a:rPr>
+                                <m:t>𝑖</m:t>
+                              </m:r>
+                            </m:sub>
+                          </m:sSub>
+                        </m:e>
+                      </m:nary>
+                      <m:r>
+                        <a:rPr lang="en-US" altLang="zh-TW" b="0" i="1" smtClean="0">
+                          <a:latin typeface="Cambria Math" panose="02040503050406030204" pitchFamily="18" charset="0"/>
+                          <a:ea typeface="微軟正黑體" panose="020B0604030504040204" pitchFamily="34" charset="-120"/>
+                        </a:rPr>
+                        <m:t>=</m:t>
+                      </m:r>
+                      <m:nary>
+                        <m:naryPr>
+                          <m:chr m:val="∑"/>
+                          <m:supHide m:val="on"/>
+                          <m:ctrlPr>
+                            <a:rPr lang="en-US" altLang="zh-TW" b="0" i="1" smtClean="0">
+                              <a:latin typeface="Cambria Math" panose="02040503050406030204" pitchFamily="18" charset="0"/>
+                              <a:ea typeface="微軟正黑體" panose="020B0604030504040204" pitchFamily="34" charset="-120"/>
+                            </a:rPr>
+                          </m:ctrlPr>
+                        </m:naryPr>
+                        <m:sub>
+                          <m:r>
+                            <m:rPr>
+                              <m:brk m:alnAt="7"/>
+                            </m:rPr>
+                            <a:rPr lang="en-US" altLang="zh-TW" b="0" i="1" smtClean="0">
+                              <a:latin typeface="Cambria Math" panose="02040503050406030204" pitchFamily="18" charset="0"/>
+                              <a:ea typeface="微軟正黑體" panose="020B0604030504040204" pitchFamily="34" charset="-120"/>
+                            </a:rPr>
+                            <m:t>𝑖</m:t>
+                          </m:r>
+                        </m:sub>
+                        <m:sup/>
+                        <m:e>
+                          <m:acc>
+                            <m:accPr>
+                              <m:chr m:val="̅"/>
+                              <m:ctrlPr>
+                                <a:rPr lang="en-US" altLang="zh-TW" i="1">
+                                  <a:latin typeface="Cambria Math" panose="02040503050406030204" pitchFamily="18" charset="0"/>
+                                  <a:ea typeface="微軟正黑體" panose="020B0604030504040204" pitchFamily="34" charset="-120"/>
+                                </a:rPr>
+                              </m:ctrlPr>
+                            </m:accPr>
+                            <m:e>
+                              <m:sSub>
+                                <m:sSubPr>
+                                  <m:ctrlPr>
+                                    <a:rPr lang="en-US" altLang="zh-TW" i="1">
+                                      <a:latin typeface="Cambria Math" panose="02040503050406030204" pitchFamily="18" charset="0"/>
+                                      <a:ea typeface="微軟正黑體" panose="020B0604030504040204" pitchFamily="34" charset="-120"/>
+                                    </a:rPr>
+                                  </m:ctrlPr>
+                                </m:sSubPr>
+                                <m:e>
+                                  <m:r>
+                                    <a:rPr lang="en-US" altLang="zh-TW" i="1">
+                                      <a:latin typeface="Cambria Math" panose="02040503050406030204" pitchFamily="18" charset="0"/>
+                                      <a:ea typeface="微軟正黑體" panose="020B0604030504040204" pitchFamily="34" charset="-120"/>
+                                    </a:rPr>
+                                    <m:t>𝑤</m:t>
+                                  </m:r>
+                                </m:e>
+                                <m:sub>
+                                  <m:r>
+                                    <a:rPr lang="en-US" altLang="zh-TW" i="1">
+                                      <a:latin typeface="Cambria Math" panose="02040503050406030204" pitchFamily="18" charset="0"/>
+                                      <a:ea typeface="微軟正黑體" panose="020B0604030504040204" pitchFamily="34" charset="-120"/>
+                                    </a:rPr>
+                                    <m:t>𝑖</m:t>
+                                  </m:r>
+                                </m:sub>
+                              </m:sSub>
+                            </m:e>
+                          </m:acc>
+                          <m:r>
+                            <a:rPr lang="en-US" altLang="zh-TW" i="1">
+                              <a:latin typeface="Cambria Math" panose="02040503050406030204" pitchFamily="18" charset="0"/>
+                              <a:ea typeface="微軟正黑體" panose="020B0604030504040204" pitchFamily="34" charset="-120"/>
+                            </a:rPr>
+                            <m:t>∗</m:t>
+                          </m:r>
+                          <m:sSub>
+                            <m:sSubPr>
+                              <m:ctrlPr>
+                                <a:rPr lang="en-US" altLang="zh-TW" i="1">
+                                  <a:latin typeface="Cambria Math" panose="02040503050406030204" pitchFamily="18" charset="0"/>
+                                  <a:ea typeface="微軟正黑體" panose="020B0604030504040204" pitchFamily="34" charset="-120"/>
+                                </a:rPr>
+                              </m:ctrlPr>
+                            </m:sSubPr>
+                            <m:e>
+                              <m:r>
+                                <a:rPr lang="en-US" altLang="zh-TW" i="1">
+                                  <a:latin typeface="Cambria Math" panose="02040503050406030204" pitchFamily="18" charset="0"/>
+                                  <a:ea typeface="微軟正黑體" panose="020B0604030504040204" pitchFamily="34" charset="-120"/>
+                                </a:rPr>
+                                <m:t>𝑓</m:t>
+                              </m:r>
+                            </m:e>
+                            <m:sub>
+                              <m:r>
+                                <a:rPr lang="en-US" altLang="zh-TW" i="1">
+                                  <a:latin typeface="Cambria Math" panose="02040503050406030204" pitchFamily="18" charset="0"/>
+                                  <a:ea typeface="微軟正黑體" panose="020B0604030504040204" pitchFamily="34" charset="-120"/>
+                                </a:rPr>
+                                <m:t>𝑖</m:t>
+                              </m:r>
+                            </m:sub>
+                          </m:sSub>
+                          <m:d>
+                            <m:dPr>
+                              <m:ctrlPr>
+                                <a:rPr lang="en-US" altLang="zh-TW" i="1">
+                                  <a:latin typeface="Cambria Math" panose="02040503050406030204" pitchFamily="18" charset="0"/>
+                                  <a:ea typeface="微軟正黑體" panose="020B0604030504040204" pitchFamily="34" charset="-120"/>
+                                </a:rPr>
+                              </m:ctrlPr>
+                            </m:dPr>
+                            <m:e>
+                              <m:r>
+                                <a:rPr lang="en-US" altLang="zh-TW" i="1">
+                                  <a:latin typeface="Cambria Math" panose="02040503050406030204" pitchFamily="18" charset="0"/>
+                                  <a:ea typeface="微軟正黑體" panose="020B0604030504040204" pitchFamily="34" charset="-120"/>
+                                </a:rPr>
+                                <m:t>𝑥</m:t>
+                              </m:r>
+                              <m:r>
+                                <a:rPr lang="en-US" altLang="zh-TW" i="1">
+                                  <a:latin typeface="Cambria Math" panose="02040503050406030204" pitchFamily="18" charset="0"/>
+                                  <a:ea typeface="微軟正黑體" panose="020B0604030504040204" pitchFamily="34" charset="-120"/>
+                                </a:rPr>
+                                <m:t>, </m:t>
+                              </m:r>
+                              <m:r>
+                                <a:rPr lang="en-US" altLang="zh-TW" i="1">
+                                  <a:latin typeface="Cambria Math" panose="02040503050406030204" pitchFamily="18" charset="0"/>
+                                  <a:ea typeface="微軟正黑體" panose="020B0604030504040204" pitchFamily="34" charset="-120"/>
+                                </a:rPr>
+                                <m:t>𝑦</m:t>
+                              </m:r>
+                            </m:e>
+                          </m:d>
+                        </m:e>
+                      </m:nary>
+                    </m:oMath>
+                  </m:oMathPara>
+                </a14:m>
+                <a:endParaRPr lang="en-US" altLang="zh-TW" dirty="0">
+                  <a:latin typeface="微軟正黑體" panose="020B0604030504040204" pitchFamily="34" charset="-120"/>
+                  <a:ea typeface="微軟正黑體" panose="020B0604030504040204" pitchFamily="34" charset="-120"/>
+                </a:endParaRPr>
+              </a:p>
+              <a:p>
+                <a:pPr marL="0" indent="0">
+                  <a:buNone/>
+                </a:pPr>
+                <a:endParaRPr lang="en-US" altLang="zh-TW" dirty="0">
+                  <a:latin typeface="微軟正黑體" panose="020B0604030504040204" pitchFamily="34" charset="-120"/>
+                  <a:ea typeface="微軟正黑體" panose="020B0604030504040204" pitchFamily="34" charset="-120"/>
+                </a:endParaRPr>
+              </a:p>
+              <a:p>
+                <a:pPr marL="0" indent="0">
+                  <a:buNone/>
+                </a:pPr>
+                <a:r>
+                  <a:rPr lang="zh-TW" altLang="en-US" dirty="0">
+                    <a:latin typeface="微軟正黑體" panose="020B0604030504040204" pitchFamily="34" charset="-120"/>
+                    <a:ea typeface="微軟正黑體" panose="020B0604030504040204" pitchFamily="34" charset="-120"/>
+                  </a:rPr>
+                  <a:t>得到的 </a:t>
+                </a:r>
+                <a14:m>
+                  <m:oMath xmlns:m="http://schemas.openxmlformats.org/officeDocument/2006/math">
+                    <m:r>
+                      <a:rPr lang="en-US" altLang="zh-TW" b="0" i="1" smtClean="0">
+                        <a:latin typeface="Cambria Math" panose="02040503050406030204" pitchFamily="18" charset="0"/>
+                        <a:ea typeface="微軟正黑體" panose="020B0604030504040204" pitchFamily="34" charset="-120"/>
+                      </a:rPr>
+                      <m:t>𝑧</m:t>
+                    </m:r>
+                  </m:oMath>
+                </a14:m>
+                <a:r>
+                  <a:rPr lang="zh-TW" altLang="en-US" dirty="0">
+                    <a:latin typeface="微軟正黑體" panose="020B0604030504040204" pitchFamily="34" charset="-120"/>
+                    <a:ea typeface="微軟正黑體" panose="020B0604030504040204" pitchFamily="34" charset="-120"/>
+                  </a:rPr>
+                  <a:t> 也就是 整個 </a:t>
+                </a:r>
+                <a:r>
+                  <a:rPr lang="en-US" altLang="zh-TW" dirty="0">
+                    <a:latin typeface="微軟正黑體" panose="020B0604030504040204" pitchFamily="34" charset="-120"/>
+                    <a:ea typeface="微軟正黑體" panose="020B0604030504040204" pitchFamily="34" charset="-120"/>
+                  </a:rPr>
+                  <a:t>ANFIS </a:t>
+                </a:r>
+                <a:r>
+                  <a:rPr lang="zh-TW" altLang="en-US" dirty="0">
+                    <a:latin typeface="微軟正黑體" panose="020B0604030504040204" pitchFamily="34" charset="-120"/>
+                    <a:ea typeface="微軟正黑體" panose="020B0604030504040204" pitchFamily="34" charset="-120"/>
+                  </a:rPr>
+                  <a:t>模型的輸出結果！</a:t>
+                </a:r>
+              </a:p>
+              <a:p>
+                <a:pPr lvl="1"/>
+                <a:endParaRPr lang="zh-TW" altLang="en-US" dirty="0">
+                  <a:latin typeface="微軟正黑體" panose="020B0604030504040204" pitchFamily="34" charset="-120"/>
+                  <a:ea typeface="微軟正黑體" panose="020B0604030504040204" pitchFamily="34" charset="-120"/>
+                </a:endParaRPr>
+              </a:p>
+              <a:p>
+                <a:pPr marL="457200" lvl="1" indent="0">
+                  <a:buNone/>
+                </a:pPr>
+                <a:endParaRPr lang="en-US" altLang="zh-TW" dirty="0">
+                  <a:latin typeface="微軟正黑體" panose="020B0604030504040204" pitchFamily="34" charset="-120"/>
+                  <a:ea typeface="微軟正黑體" panose="020B0604030504040204" pitchFamily="34" charset="-120"/>
+                </a:endParaRPr>
+              </a:p>
+              <a:p>
+                <a:pPr marL="457200" lvl="1" indent="0">
+                  <a:buNone/>
+                </a:pPr>
+                <a:endParaRPr lang="en-US" altLang="zh-TW" dirty="0">
+                  <a:latin typeface="微軟正黑體" panose="020B0604030504040204" pitchFamily="34" charset="-120"/>
+                  <a:ea typeface="微軟正黑體" panose="020B0604030504040204" pitchFamily="34" charset="-120"/>
+                </a:endParaRPr>
+              </a:p>
+            </p:txBody>
+          </p:sp>
+        </mc:Choice>
+        <mc:Fallback>
+          <p:sp>
+            <p:nvSpPr>
+              <p:cNvPr id="3" name="內容版面配置區 2">
+                <a:extLst>
+                  <a:ext uri="{FF2B5EF4-FFF2-40B4-BE49-F238E27FC236}">
+                    <a16:creationId xmlns:a16="http://schemas.microsoft.com/office/drawing/2014/main" id="{2B96C3E3-E4F8-49FE-8E2E-C3F66A142CDD}"/>
+                  </a:ext>
+                </a:extLst>
+              </p:cNvPr>
+              <p:cNvSpPr>
+                <a:spLocks noGrp="1" noRot="1" noChangeAspect="1" noMove="1" noResize="1" noEditPoints="1" noAdjustHandles="1" noChangeArrowheads="1" noChangeShapeType="1" noTextEdit="1"/>
+              </p:cNvSpPr>
+              <p:nvPr>
+                <p:ph idx="1"/>
+              </p:nvPr>
+            </p:nvSpPr>
+            <p:spPr>
+              <a:xfrm>
+                <a:off x="838200" y="1825625"/>
+                <a:ext cx="11026140" cy="4667250"/>
+              </a:xfrm>
+              <a:blipFill>
+                <a:blip r:embed="rId2"/>
+                <a:stretch>
+                  <a:fillRect l="-1327" t="-3133"/>
+                </a:stretch>
+              </a:blipFill>
+            </p:spPr>
+            <p:txBody>
+              <a:bodyPr/>
+              <a:lstStyle/>
+              <a:p>
+                <a:r>
+                  <a:rPr lang="zh-TW" altLang="en-US">
+                    <a:noFill/>
+                  </a:rPr>
+                  <a:t> </a:t>
+                </a:r>
+              </a:p>
+            </p:txBody>
+          </p:sp>
+        </mc:Fallback>
+      </mc:AlternateContent>
+    </p:spTree>
+    <p:extLst>
+      <p:ext uri="{BB962C8B-B14F-4D97-AF65-F5344CB8AC3E}">
+        <p14:creationId xmlns:p14="http://schemas.microsoft.com/office/powerpoint/2010/main" val="3055726232"/>
+      </p:ext>
+    </p:extLst>
+  </p:cSld>
+  <p:clrMapOvr>
+    <a:masterClrMapping/>
+  </p:clrMapOvr>
+</p:sld>
+</file>
+
+<file path=ppt/slides/slide11.xml><?xml version="1.0" encoding="utf-8"?>
+<p:sld xmlns:a="http://schemas.openxmlformats.org/drawingml/2006/main" xmlns:r="http://schemas.openxmlformats.org/officeDocument/2006/relationships" xmlns:p="http://schemas.openxmlformats.org/presentationml/2006/main">
+  <p:cSld>
+    <p:spTree>
+      <p:nvGrpSpPr>
+        <p:cNvPr id="1" name=""/>
+        <p:cNvGrpSpPr/>
+        <p:nvPr/>
+      </p:nvGrpSpPr>
+      <p:grpSpPr>
+        <a:xfrm>
+          <a:off x="0" y="0"/>
+          <a:ext cx="0" cy="0"/>
+          <a:chOff x="0" y="0"/>
+          <a:chExt cx="0" cy="0"/>
+        </a:xfrm>
+      </p:grpSpPr>
       <p:sp>
         <p:nvSpPr>
-          <p:cNvPr id="3" name="內容版面配置區 2">
+          <p:cNvPr id="2" name="標題 1">
             <a:extLst>
               <a:ext uri="{FF2B5EF4-FFF2-40B4-BE49-F238E27FC236}">
-                <a16:creationId xmlns:a16="http://schemas.microsoft.com/office/drawing/2014/main" id="{F687A7DD-E96A-48DA-AFDC-BA9CA556ADC8}"/>
+                <a16:creationId xmlns:a16="http://schemas.microsoft.com/office/drawing/2014/main" id="{3A0ED645-39A2-4426-8610-B7779E6EA613}"/>
               </a:ext>
             </a:extLst>
           </p:cNvPr>
@@ -3471,7 +3971,7 @@
             <a:spLocks noGrp="1"/>
           </p:cNvSpPr>
           <p:nvPr>
-            <p:ph idx="1"/>
+            <p:ph type="title"/>
           </p:nvPr>
         </p:nvSpPr>
         <p:spPr/>
@@ -3479,14 +3979,724 @@
           <a:bodyPr/>
           <a:lstStyle/>
           <a:p>
-            <a:endParaRPr lang="zh-TW" altLang="en-US" dirty="0"/>
+            <a:r>
+              <a:rPr lang="zh-TW" altLang="en-US" dirty="0">
+                <a:latin typeface="微軟正黑體" panose="020B0604030504040204" pitchFamily="34" charset="-120"/>
+                <a:ea typeface="微軟正黑體" panose="020B0604030504040204" pitchFamily="34" charset="-120"/>
+              </a:rPr>
+              <a:t>參數量</a:t>
+            </a:r>
+            <a:r>
+              <a:rPr lang="en-US" altLang="zh-TW" dirty="0">
+                <a:latin typeface="微軟正黑體" panose="020B0604030504040204" pitchFamily="34" charset="-120"/>
+                <a:ea typeface="微軟正黑體" panose="020B0604030504040204" pitchFamily="34" charset="-120"/>
+              </a:rPr>
+              <a:t>/ </a:t>
+            </a:r>
+            <a:r>
+              <a:rPr lang="zh-TW" altLang="en-US" dirty="0">
+                <a:latin typeface="微軟正黑體" panose="020B0604030504040204" pitchFamily="34" charset="-120"/>
+                <a:ea typeface="微軟正黑體" panose="020B0604030504040204" pitchFamily="34" charset="-120"/>
+              </a:rPr>
+              <a:t>需要多少樣本訓練</a:t>
+            </a:r>
+            <a:r>
+              <a:rPr lang="en-US" altLang="zh-TW" dirty="0">
+                <a:latin typeface="微軟正黑體" panose="020B0604030504040204" pitchFamily="34" charset="-120"/>
+                <a:ea typeface="微軟正黑體" panose="020B0604030504040204" pitchFamily="34" charset="-120"/>
+              </a:rPr>
+              <a:t>?</a:t>
+            </a:r>
+            <a:endParaRPr lang="zh-TW" altLang="en-US" dirty="0">
+              <a:latin typeface="微軟正黑體" panose="020B0604030504040204" pitchFamily="34" charset="-120"/>
+              <a:ea typeface="微軟正黑體" panose="020B0604030504040204" pitchFamily="34" charset="-120"/>
+            </a:endParaRPr>
           </a:p>
         </p:txBody>
       </p:sp>
+      <mc:AlternateContent xmlns:mc="http://schemas.openxmlformats.org/markup-compatibility/2006">
+        <mc:Choice xmlns:a14="http://schemas.microsoft.com/office/drawing/2010/main" Requires="a14">
+          <p:sp>
+            <p:nvSpPr>
+              <p:cNvPr id="3" name="內容版面配置區 2">
+                <a:extLst>
+                  <a:ext uri="{FF2B5EF4-FFF2-40B4-BE49-F238E27FC236}">
+                    <a16:creationId xmlns:a16="http://schemas.microsoft.com/office/drawing/2014/main" id="{2B96C3E3-E4F8-49FE-8E2E-C3F66A142CDD}"/>
+                  </a:ext>
+                </a:extLst>
+              </p:cNvPr>
+              <p:cNvSpPr>
+                <a:spLocks noGrp="1"/>
+              </p:cNvSpPr>
+              <p:nvPr>
+                <p:ph idx="1"/>
+              </p:nvPr>
+            </p:nvSpPr>
+            <p:spPr>
+              <a:xfrm>
+                <a:off x="838200" y="1825625"/>
+                <a:ext cx="11026140" cy="4667250"/>
+              </a:xfrm>
+            </p:spPr>
+            <p:txBody>
+              <a:bodyPr>
+                <a:normAutofit lnSpcReduction="10000"/>
+              </a:bodyPr>
+              <a:lstStyle/>
+              <a:p>
+                <a:pPr marL="0" indent="0">
+                  <a:buNone/>
+                </a:pPr>
+                <a:r>
+                  <a:rPr lang="en-US" altLang="zh-TW" dirty="0">
+                    <a:latin typeface="微軟正黑體" panose="020B0604030504040204" pitchFamily="34" charset="-120"/>
+                    <a:ea typeface="微軟正黑體" panose="020B0604030504040204" pitchFamily="34" charset="-120"/>
+                  </a:rPr>
+                  <a:t>X</a:t>
+                </a:r>
+                <a:r>
+                  <a:rPr lang="zh-TW" altLang="en-US" dirty="0">
+                    <a:latin typeface="微軟正黑體" panose="020B0604030504040204" pitchFamily="34" charset="-120"/>
+                    <a:ea typeface="微軟正黑體" panose="020B0604030504040204" pitchFamily="34" charset="-120"/>
+                  </a:rPr>
+                  <a:t> 有</a:t>
+                </a:r>
+                <a:r>
+                  <a:rPr lang="en-US" altLang="zh-TW" dirty="0">
+                    <a:latin typeface="微軟正黑體" panose="020B0604030504040204" pitchFamily="34" charset="-120"/>
+                    <a:ea typeface="微軟正黑體" panose="020B0604030504040204" pitchFamily="34" charset="-120"/>
+                  </a:rPr>
+                  <a:t>3</a:t>
+                </a:r>
+                <a:r>
+                  <a:rPr lang="zh-TW" altLang="en-US" dirty="0">
+                    <a:latin typeface="微軟正黑體" panose="020B0604030504040204" pitchFamily="34" charset="-120"/>
+                    <a:ea typeface="微軟正黑體" panose="020B0604030504040204" pitchFamily="34" charset="-120"/>
+                  </a:rPr>
+                  <a:t>個模糊集合</a:t>
+                </a:r>
+                <a:r>
+                  <a:rPr lang="en-US" altLang="zh-TW" dirty="0">
+                    <a:latin typeface="微軟正黑體" panose="020B0604030504040204" pitchFamily="34" charset="-120"/>
+                    <a:ea typeface="微軟正黑體" panose="020B0604030504040204" pitchFamily="34" charset="-120"/>
+                  </a:rPr>
+                  <a:t>,</a:t>
+                </a:r>
+                <a:r>
+                  <a:rPr lang="zh-TW" altLang="en-US" dirty="0">
+                    <a:latin typeface="微軟正黑體" panose="020B0604030504040204" pitchFamily="34" charset="-120"/>
+                    <a:ea typeface="微軟正黑體" panose="020B0604030504040204" pitchFamily="34" charset="-120"/>
+                  </a:rPr>
+                  <a:t> </a:t>
+                </a:r>
+                <a:r>
+                  <a:rPr lang="en-US" altLang="zh-TW" dirty="0">
+                    <a:latin typeface="微軟正黑體" panose="020B0604030504040204" pitchFamily="34" charset="-120"/>
+                    <a:ea typeface="微軟正黑體" panose="020B0604030504040204" pitchFamily="34" charset="-120"/>
+                  </a:rPr>
+                  <a:t>Y </a:t>
+                </a:r>
+                <a:r>
+                  <a:rPr lang="zh-TW" altLang="en-US" dirty="0">
+                    <a:latin typeface="微軟正黑體" panose="020B0604030504040204" pitchFamily="34" charset="-120"/>
+                    <a:ea typeface="微軟正黑體" panose="020B0604030504040204" pitchFamily="34" charset="-120"/>
+                  </a:rPr>
+                  <a:t>有</a:t>
+                </a:r>
+                <a:r>
+                  <a:rPr lang="en-US" altLang="zh-TW" dirty="0">
+                    <a:latin typeface="微軟正黑體" panose="020B0604030504040204" pitchFamily="34" charset="-120"/>
+                    <a:ea typeface="微軟正黑體" panose="020B0604030504040204" pitchFamily="34" charset="-120"/>
+                  </a:rPr>
+                  <a:t>3</a:t>
+                </a:r>
+                <a:r>
+                  <a:rPr lang="zh-TW" altLang="en-US" dirty="0">
+                    <a:latin typeface="微軟正黑體" panose="020B0604030504040204" pitchFamily="34" charset="-120"/>
+                    <a:ea typeface="微軟正黑體" panose="020B0604030504040204" pitchFamily="34" charset="-120"/>
+                  </a:rPr>
+                  <a:t>個模糊集合</a:t>
+                </a:r>
+                <a:r>
+                  <a:rPr lang="en-US" altLang="zh-TW" dirty="0">
+                    <a:latin typeface="微軟正黑體" panose="020B0604030504040204" pitchFamily="34" charset="-120"/>
+                    <a:ea typeface="微軟正黑體" panose="020B0604030504040204" pitchFamily="34" charset="-120"/>
+                  </a:rPr>
+                  <a:t>, </a:t>
+                </a:r>
+                <a:r>
+                  <a:rPr lang="zh-TW" altLang="en-US" dirty="0">
+                    <a:latin typeface="微軟正黑體" panose="020B0604030504040204" pitchFamily="34" charset="-120"/>
+                    <a:ea typeface="微軟正黑體" panose="020B0604030504040204" pitchFamily="34" charset="-120"/>
+                  </a:rPr>
+                  <a:t>規則層有</a:t>
+                </a:r>
+                <a:r>
+                  <a:rPr lang="en-US" altLang="zh-TW" dirty="0">
+                    <a:latin typeface="微軟正黑體" panose="020B0604030504040204" pitchFamily="34" charset="-120"/>
+                    <a:ea typeface="微軟正黑體" panose="020B0604030504040204" pitchFamily="34" charset="-120"/>
+                  </a:rPr>
+                  <a:t>9</a:t>
+                </a:r>
+                <a:r>
+                  <a:rPr lang="zh-TW" altLang="en-US" dirty="0">
+                    <a:latin typeface="微軟正黑體" panose="020B0604030504040204" pitchFamily="34" charset="-120"/>
+                    <a:ea typeface="微軟正黑體" panose="020B0604030504040204" pitchFamily="34" charset="-120"/>
+                  </a:rPr>
+                  <a:t>個規則</a:t>
+                </a:r>
+                <a:endParaRPr lang="en-US" altLang="zh-TW" dirty="0">
+                  <a:latin typeface="微軟正黑體" panose="020B0604030504040204" pitchFamily="34" charset="-120"/>
+                  <a:ea typeface="微軟正黑體" panose="020B0604030504040204" pitchFamily="34" charset="-120"/>
+                </a:endParaRPr>
+              </a:p>
+              <a:p>
+                <a:pPr marL="0" indent="0">
+                  <a:buNone/>
+                </a:pPr>
+                <a:endParaRPr lang="en-US" altLang="zh-TW" dirty="0">
+                  <a:latin typeface="微軟正黑體" panose="020B0604030504040204" pitchFamily="34" charset="-120"/>
+                  <a:ea typeface="微軟正黑體" panose="020B0604030504040204" pitchFamily="34" charset="-120"/>
+                </a:endParaRPr>
+              </a:p>
+              <a:p>
+                <a:pPr marL="0" indent="0">
+                  <a:buNone/>
+                </a:pPr>
+                <a:r>
+                  <a:rPr lang="zh-TW" altLang="en-US" dirty="0">
+                    <a:latin typeface="微軟正黑體" panose="020B0604030504040204" pitchFamily="34" charset="-120"/>
+                    <a:ea typeface="微軟正黑體" panose="020B0604030504040204" pitchFamily="34" charset="-120"/>
+                  </a:rPr>
+                  <a:t>每個模糊函數有</a:t>
+                </a:r>
+                <a:r>
+                  <a:rPr lang="en-US" altLang="zh-TW" dirty="0">
+                    <a:latin typeface="微軟正黑體" panose="020B0604030504040204" pitchFamily="34" charset="-120"/>
+                    <a:ea typeface="微軟正黑體" panose="020B0604030504040204" pitchFamily="34" charset="-120"/>
+                  </a:rPr>
+                  <a:t>2</a:t>
+                </a:r>
+                <a:r>
+                  <a:rPr lang="zh-TW" altLang="en-US" dirty="0">
+                    <a:latin typeface="微軟正黑體" panose="020B0604030504040204" pitchFamily="34" charset="-120"/>
+                    <a:ea typeface="微軟正黑體" panose="020B0604030504040204" pitchFamily="34" charset="-120"/>
+                  </a:rPr>
+                  <a:t>個參數</a:t>
+                </a:r>
+                <a:r>
+                  <a:rPr lang="en-US" altLang="zh-TW" dirty="0">
+                    <a:latin typeface="微軟正黑體" panose="020B0604030504040204" pitchFamily="34" charset="-120"/>
+                    <a:ea typeface="微軟正黑體" panose="020B0604030504040204" pitchFamily="34" charset="-120"/>
+                  </a:rPr>
+                  <a:t>(Gaussian </a:t>
+                </a:r>
+                <a:r>
+                  <a:rPr lang="zh-TW" altLang="en-US" dirty="0">
+                    <a:latin typeface="微軟正黑體" panose="020B0604030504040204" pitchFamily="34" charset="-120"/>
+                    <a:ea typeface="微軟正黑體" panose="020B0604030504040204" pitchFamily="34" charset="-120"/>
+                  </a:rPr>
+                  <a:t>的的</a:t>
+                </a:r>
+                <a:r>
+                  <a:rPr lang="zh-TW" altLang="en-US" sz="2800" dirty="0">
+                    <a:latin typeface="微軟正黑體" panose="020B0604030504040204" pitchFamily="34" charset="-120"/>
+                    <a:ea typeface="微軟正黑體" panose="020B0604030504040204" pitchFamily="34" charset="-120"/>
+                  </a:rPr>
+                  <a:t>𝑐</a:t>
+                </a:r>
+                <a:r>
+                  <a:rPr lang="en-US" altLang="zh-TW" sz="2800" dirty="0">
+                    <a:latin typeface="微軟正黑體" panose="020B0604030504040204" pitchFamily="34" charset="-120"/>
+                    <a:ea typeface="微軟正黑體" panose="020B0604030504040204" pitchFamily="34" charset="-120"/>
+                  </a:rPr>
+                  <a:t>, </a:t>
+                </a:r>
+                <a:r>
+                  <a:rPr lang="zh-TW" altLang="en-US" sz="2800" dirty="0">
+                    <a:latin typeface="微軟正黑體" panose="020B0604030504040204" pitchFamily="34" charset="-120"/>
+                    <a:ea typeface="微軟正黑體" panose="020B0604030504040204" pitchFamily="34" charset="-120"/>
+                  </a:rPr>
+                  <a:t>𝜎</a:t>
+                </a:r>
+                <a:r>
+                  <a:rPr lang="en-US" altLang="zh-TW" dirty="0">
+                    <a:latin typeface="微軟正黑體" panose="020B0604030504040204" pitchFamily="34" charset="-120"/>
+                    <a:ea typeface="微軟正黑體" panose="020B0604030504040204" pitchFamily="34" charset="-120"/>
+                  </a:rPr>
+                  <a:t>)</a:t>
+                </a:r>
+              </a:p>
+              <a:p>
+                <a:pPr marL="0" indent="0">
+                  <a:buNone/>
+                </a:pPr>
+                <a:r>
+                  <a:rPr lang="zh-TW" altLang="en-US" dirty="0">
+                    <a:latin typeface="微軟正黑體" panose="020B0604030504040204" pitchFamily="34" charset="-120"/>
+                    <a:ea typeface="微軟正黑體" panose="020B0604030504040204" pitchFamily="34" charset="-120"/>
+                  </a:rPr>
+                  <a:t>前件函數有</a:t>
+                </a:r>
+                <a:r>
+                  <a:rPr lang="en-US" altLang="zh-TW" dirty="0">
+                    <a:latin typeface="微軟正黑體" panose="020B0604030504040204" pitchFamily="34" charset="-120"/>
+                    <a:ea typeface="微軟正黑體" panose="020B0604030504040204" pitchFamily="34" charset="-120"/>
+                  </a:rPr>
+                  <a:t>3 * 2 + 3 * 2 = 12</a:t>
+                </a:r>
+                <a:r>
+                  <a:rPr lang="zh-TW" altLang="en-US" dirty="0">
+                    <a:latin typeface="微軟正黑體" panose="020B0604030504040204" pitchFamily="34" charset="-120"/>
+                    <a:ea typeface="微軟正黑體" panose="020B0604030504040204" pitchFamily="34" charset="-120"/>
+                  </a:rPr>
+                  <a:t>個參數</a:t>
+                </a:r>
+                <a:endParaRPr lang="en-US" altLang="zh-TW" dirty="0">
+                  <a:latin typeface="微軟正黑體" panose="020B0604030504040204" pitchFamily="34" charset="-120"/>
+                  <a:ea typeface="微軟正黑體" panose="020B0604030504040204" pitchFamily="34" charset="-120"/>
+                </a:endParaRPr>
+              </a:p>
+              <a:p>
+                <a:pPr marL="0" indent="0">
+                  <a:buNone/>
+                </a:pPr>
+                <a:endParaRPr lang="en-US" altLang="zh-TW" dirty="0">
+                  <a:latin typeface="微軟正黑體" panose="020B0604030504040204" pitchFamily="34" charset="-120"/>
+                  <a:ea typeface="微軟正黑體" panose="020B0604030504040204" pitchFamily="34" charset="-120"/>
+                </a:endParaRPr>
+              </a:p>
+              <a:p>
+                <a:pPr marL="0" indent="0">
+                  <a:buNone/>
+                </a:pPr>
+                <a:r>
+                  <a:rPr lang="zh-TW" altLang="en-US" dirty="0">
+                    <a:latin typeface="微軟正黑體" panose="020B0604030504040204" pitchFamily="34" charset="-120"/>
+                    <a:ea typeface="微軟正黑體" panose="020B0604030504040204" pitchFamily="34" charset="-120"/>
+                  </a:rPr>
+                  <a:t>每個規則有</a:t>
+                </a:r>
+                <a:r>
+                  <a:rPr lang="en-US" altLang="zh-TW" dirty="0">
+                    <a:latin typeface="微軟正黑體" panose="020B0604030504040204" pitchFamily="34" charset="-120"/>
+                    <a:ea typeface="微軟正黑體" panose="020B0604030504040204" pitchFamily="34" charset="-120"/>
+                  </a:rPr>
+                  <a:t>3</a:t>
+                </a:r>
+                <a:r>
+                  <a:rPr lang="zh-TW" altLang="en-US" dirty="0">
+                    <a:latin typeface="微軟正黑體" panose="020B0604030504040204" pitchFamily="34" charset="-120"/>
+                    <a:ea typeface="微軟正黑體" panose="020B0604030504040204" pitchFamily="34" charset="-120"/>
+                  </a:rPr>
+                  <a:t>個參數 </a:t>
+                </a:r>
+                <a14:m>
+                  <m:oMath xmlns:m="http://schemas.openxmlformats.org/officeDocument/2006/math">
+                    <m:sSub>
+                      <m:sSubPr>
+                        <m:ctrlPr>
+                          <a:rPr lang="en-US" altLang="zh-TW" i="1" dirty="0" smtClean="0">
+                            <a:latin typeface="Cambria Math" panose="02040503050406030204" pitchFamily="18" charset="0"/>
+                            <a:ea typeface="微軟正黑體" panose="020B0604030504040204" pitchFamily="34" charset="-120"/>
+                          </a:rPr>
+                        </m:ctrlPr>
+                      </m:sSubPr>
+                      <m:e>
+                        <m:r>
+                          <a:rPr lang="zh-TW" altLang="en-US" i="1" dirty="0" smtClean="0">
+                            <a:latin typeface="Cambria Math" panose="02040503050406030204" pitchFamily="18" charset="0"/>
+                            <a:ea typeface="微軟正黑體" panose="020B0604030504040204" pitchFamily="34" charset="-120"/>
+                          </a:rPr>
+                          <m:t>𝑓</m:t>
+                        </m:r>
+                      </m:e>
+                      <m:sub>
+                        <m:r>
+                          <a:rPr lang="zh-TW" altLang="en-US" i="1" dirty="0" smtClean="0">
+                            <a:latin typeface="Cambria Math" panose="02040503050406030204" pitchFamily="18" charset="0"/>
+                            <a:ea typeface="微軟正黑體" panose="020B0604030504040204" pitchFamily="34" charset="-120"/>
+                          </a:rPr>
+                          <m:t>𝑖</m:t>
+                        </m:r>
+                      </m:sub>
+                    </m:sSub>
+                    <m:d>
+                      <m:dPr>
+                        <m:ctrlPr>
+                          <a:rPr lang="en-US" altLang="zh-TW" i="1" dirty="0" smtClean="0">
+                            <a:latin typeface="Cambria Math" panose="02040503050406030204" pitchFamily="18" charset="0"/>
+                            <a:ea typeface="微軟正黑體" panose="020B0604030504040204" pitchFamily="34" charset="-120"/>
+                          </a:rPr>
+                        </m:ctrlPr>
+                      </m:dPr>
+                      <m:e>
+                        <m:r>
+                          <a:rPr lang="zh-TW" altLang="en-US" i="1" dirty="0" smtClean="0">
+                            <a:latin typeface="Cambria Math" panose="02040503050406030204" pitchFamily="18" charset="0"/>
+                            <a:ea typeface="微軟正黑體" panose="020B0604030504040204" pitchFamily="34" charset="-120"/>
+                          </a:rPr>
+                          <m:t>𝑥</m:t>
+                        </m:r>
+                        <m:r>
+                          <a:rPr lang="en-US" altLang="zh-TW" i="1" dirty="0" smtClean="0">
+                            <a:latin typeface="Cambria Math" panose="02040503050406030204" pitchFamily="18" charset="0"/>
+                            <a:ea typeface="微軟正黑體" panose="020B0604030504040204" pitchFamily="34" charset="-120"/>
+                          </a:rPr>
+                          <m:t>, </m:t>
+                        </m:r>
+                        <m:r>
+                          <a:rPr lang="zh-TW" altLang="en-US" i="1" dirty="0" smtClean="0">
+                            <a:latin typeface="Cambria Math" panose="02040503050406030204" pitchFamily="18" charset="0"/>
+                            <a:ea typeface="微軟正黑體" panose="020B0604030504040204" pitchFamily="34" charset="-120"/>
+                          </a:rPr>
+                          <m:t>𝑦</m:t>
+                        </m:r>
+                      </m:e>
+                    </m:d>
+                    <m:r>
+                      <a:rPr lang="en-US" altLang="zh-TW" i="1" dirty="0" smtClean="0">
+                        <a:latin typeface="Cambria Math" panose="02040503050406030204" pitchFamily="18" charset="0"/>
+                        <a:ea typeface="微軟正黑體" panose="020B0604030504040204" pitchFamily="34" charset="-120"/>
+                      </a:rPr>
+                      <m:t>=</m:t>
+                    </m:r>
+                    <m:sSub>
+                      <m:sSubPr>
+                        <m:ctrlPr>
+                          <a:rPr lang="en-US" altLang="zh-TW" i="1" dirty="0" smtClean="0">
+                            <a:latin typeface="Cambria Math" panose="02040503050406030204" pitchFamily="18" charset="0"/>
+                            <a:ea typeface="微軟正黑體" panose="020B0604030504040204" pitchFamily="34" charset="-120"/>
+                          </a:rPr>
+                        </m:ctrlPr>
+                      </m:sSubPr>
+                      <m:e>
+                        <m:r>
+                          <a:rPr lang="zh-TW" altLang="en-US" i="1" dirty="0" smtClean="0">
+                            <a:latin typeface="Cambria Math" panose="02040503050406030204" pitchFamily="18" charset="0"/>
+                            <a:ea typeface="微軟正黑體" panose="020B0604030504040204" pitchFamily="34" charset="-120"/>
+                          </a:rPr>
+                          <m:t>𝑝</m:t>
+                        </m:r>
+                      </m:e>
+                      <m:sub>
+                        <m:r>
+                          <a:rPr lang="zh-TW" altLang="en-US" i="1" dirty="0" smtClean="0">
+                            <a:latin typeface="Cambria Math" panose="02040503050406030204" pitchFamily="18" charset="0"/>
+                            <a:ea typeface="微軟正黑體" panose="020B0604030504040204" pitchFamily="34" charset="-120"/>
+                          </a:rPr>
+                          <m:t>𝑖</m:t>
+                        </m:r>
+                      </m:sub>
+                    </m:sSub>
+                    <m:r>
+                      <a:rPr lang="zh-TW" altLang="en-US" i="1" dirty="0" smtClean="0">
+                        <a:latin typeface="Cambria Math" panose="02040503050406030204" pitchFamily="18" charset="0"/>
+                        <a:ea typeface="微軟正黑體" panose="020B0604030504040204" pitchFamily="34" charset="-120"/>
+                      </a:rPr>
+                      <m:t>∗</m:t>
+                    </m:r>
+                    <m:r>
+                      <a:rPr lang="zh-TW" altLang="en-US" i="1" dirty="0" smtClean="0">
+                        <a:latin typeface="Cambria Math" panose="02040503050406030204" pitchFamily="18" charset="0"/>
+                        <a:ea typeface="微軟正黑體" panose="020B0604030504040204" pitchFamily="34" charset="-120"/>
+                      </a:rPr>
+                      <m:t>𝑥</m:t>
+                    </m:r>
+                    <m:r>
+                      <a:rPr lang="en-US" altLang="zh-TW" i="1" dirty="0" smtClean="0">
+                        <a:latin typeface="Cambria Math" panose="02040503050406030204" pitchFamily="18" charset="0"/>
+                        <a:ea typeface="微軟正黑體" panose="020B0604030504040204" pitchFamily="34" charset="-120"/>
+                      </a:rPr>
+                      <m:t>+</m:t>
+                    </m:r>
+                    <m:sSub>
+                      <m:sSubPr>
+                        <m:ctrlPr>
+                          <a:rPr lang="en-US" altLang="zh-TW" i="1" dirty="0" smtClean="0">
+                            <a:latin typeface="Cambria Math" panose="02040503050406030204" pitchFamily="18" charset="0"/>
+                            <a:ea typeface="微軟正黑體" panose="020B0604030504040204" pitchFamily="34" charset="-120"/>
+                          </a:rPr>
+                        </m:ctrlPr>
+                      </m:sSubPr>
+                      <m:e>
+                        <m:r>
+                          <a:rPr lang="zh-TW" altLang="en-US" i="1" dirty="0" smtClean="0">
+                            <a:latin typeface="Cambria Math" panose="02040503050406030204" pitchFamily="18" charset="0"/>
+                            <a:ea typeface="微軟正黑體" panose="020B0604030504040204" pitchFamily="34" charset="-120"/>
+                          </a:rPr>
+                          <m:t>𝑞</m:t>
+                        </m:r>
+                      </m:e>
+                      <m:sub>
+                        <m:r>
+                          <a:rPr lang="zh-TW" altLang="en-US" i="1" dirty="0" smtClean="0">
+                            <a:latin typeface="Cambria Math" panose="02040503050406030204" pitchFamily="18" charset="0"/>
+                            <a:ea typeface="微軟正黑體" panose="020B0604030504040204" pitchFamily="34" charset="-120"/>
+                          </a:rPr>
+                          <m:t>𝑖</m:t>
+                        </m:r>
+                      </m:sub>
+                    </m:sSub>
+                    <m:r>
+                      <a:rPr lang="zh-TW" altLang="en-US" i="1" dirty="0" smtClean="0">
+                        <a:latin typeface="Cambria Math" panose="02040503050406030204" pitchFamily="18" charset="0"/>
+                        <a:ea typeface="微軟正黑體" panose="020B0604030504040204" pitchFamily="34" charset="-120"/>
+                      </a:rPr>
+                      <m:t>∗</m:t>
+                    </m:r>
+                    <m:r>
+                      <a:rPr lang="zh-TW" altLang="en-US" i="1" dirty="0" smtClean="0">
+                        <a:latin typeface="Cambria Math" panose="02040503050406030204" pitchFamily="18" charset="0"/>
+                        <a:ea typeface="微軟正黑體" panose="020B0604030504040204" pitchFamily="34" charset="-120"/>
+                      </a:rPr>
+                      <m:t>𝑦</m:t>
+                    </m:r>
+                    <m:r>
+                      <a:rPr lang="en-US" altLang="zh-TW" i="1" dirty="0" smtClean="0">
+                        <a:latin typeface="Cambria Math" panose="02040503050406030204" pitchFamily="18" charset="0"/>
+                        <a:ea typeface="微軟正黑體" panose="020B0604030504040204" pitchFamily="34" charset="-120"/>
+                      </a:rPr>
+                      <m:t>+</m:t>
+                    </m:r>
+                    <m:sSub>
+                      <m:sSubPr>
+                        <m:ctrlPr>
+                          <a:rPr lang="en-US" altLang="zh-TW" i="1" dirty="0" smtClean="0">
+                            <a:latin typeface="Cambria Math" panose="02040503050406030204" pitchFamily="18" charset="0"/>
+                            <a:ea typeface="微軟正黑體" panose="020B0604030504040204" pitchFamily="34" charset="-120"/>
+                          </a:rPr>
+                        </m:ctrlPr>
+                      </m:sSubPr>
+                      <m:e>
+                        <m:r>
+                          <a:rPr lang="zh-TW" altLang="en-US" i="1" dirty="0" smtClean="0">
+                            <a:latin typeface="Cambria Math" panose="02040503050406030204" pitchFamily="18" charset="0"/>
+                            <a:ea typeface="微軟正黑體" panose="020B0604030504040204" pitchFamily="34" charset="-120"/>
+                          </a:rPr>
+                          <m:t>𝑟</m:t>
+                        </m:r>
+                      </m:e>
+                      <m:sub>
+                        <m:r>
+                          <a:rPr lang="zh-TW" altLang="en-US" i="1" dirty="0" smtClean="0">
+                            <a:latin typeface="Cambria Math" panose="02040503050406030204" pitchFamily="18" charset="0"/>
+                            <a:ea typeface="微軟正黑體" panose="020B0604030504040204" pitchFamily="34" charset="-120"/>
+                          </a:rPr>
+                          <m:t>𝑖</m:t>
+                        </m:r>
+                      </m:sub>
+                    </m:sSub>
+                  </m:oMath>
+                </a14:m>
+                <a:r>
+                  <a:rPr lang="en-US" altLang="zh-TW" dirty="0">
+                    <a:latin typeface="微軟正黑體" panose="020B0604030504040204" pitchFamily="34" charset="-120"/>
+                    <a:ea typeface="微軟正黑體" panose="020B0604030504040204" pitchFamily="34" charset="-120"/>
+                  </a:rPr>
+                  <a:t>)</a:t>
+                </a:r>
+              </a:p>
+              <a:p>
+                <a:pPr marL="0" indent="0">
+                  <a:buNone/>
+                </a:pPr>
+                <a:r>
+                  <a:rPr lang="zh-TW" altLang="en-US" dirty="0">
+                    <a:latin typeface="微軟正黑體" panose="020B0604030504040204" pitchFamily="34" charset="-120"/>
+                    <a:ea typeface="微軟正黑體" panose="020B0604030504040204" pitchFamily="34" charset="-120"/>
+                  </a:rPr>
+                  <a:t>後件函數有 </a:t>
+                </a:r>
+                <a:r>
+                  <a:rPr lang="en-US" altLang="zh-TW" dirty="0">
+                    <a:latin typeface="微軟正黑體" panose="020B0604030504040204" pitchFamily="34" charset="-120"/>
+                    <a:ea typeface="微軟正黑體" panose="020B0604030504040204" pitchFamily="34" charset="-120"/>
+                  </a:rPr>
+                  <a:t>9 * 3 = 27</a:t>
+                </a:r>
+                <a:r>
+                  <a:rPr lang="zh-TW" altLang="en-US" dirty="0">
+                    <a:latin typeface="微軟正黑體" panose="020B0604030504040204" pitchFamily="34" charset="-120"/>
+                    <a:ea typeface="微軟正黑體" panose="020B0604030504040204" pitchFamily="34" charset="-120"/>
+                  </a:rPr>
+                  <a:t>個參數</a:t>
+                </a:r>
+                <a:endParaRPr lang="en-US" altLang="zh-TW" dirty="0">
+                  <a:latin typeface="微軟正黑體" panose="020B0604030504040204" pitchFamily="34" charset="-120"/>
+                  <a:ea typeface="微軟正黑體" panose="020B0604030504040204" pitchFamily="34" charset="-120"/>
+                </a:endParaRPr>
+              </a:p>
+              <a:p>
+                <a:pPr marL="0" indent="0">
+                  <a:buNone/>
+                </a:pPr>
+                <a:endParaRPr lang="en-US" altLang="zh-TW" dirty="0">
+                  <a:latin typeface="微軟正黑體" panose="020B0604030504040204" pitchFamily="34" charset="-120"/>
+                  <a:ea typeface="微軟正黑體" panose="020B0604030504040204" pitchFamily="34" charset="-120"/>
+                </a:endParaRPr>
+              </a:p>
+              <a:p>
+                <a:pPr marL="514350" indent="-514350">
+                  <a:buAutoNum type="arabicPeriod"/>
+                </a:pPr>
+                <a:r>
+                  <a:rPr lang="zh-TW" altLang="en-US" dirty="0">
+                    <a:latin typeface="微軟正黑體" panose="020B0604030504040204" pitchFamily="34" charset="-120"/>
+                    <a:ea typeface="微軟正黑體" panose="020B0604030504040204" pitchFamily="34" charset="-120"/>
+                  </a:rPr>
+                  <a:t>至少要有 </a:t>
+                </a:r>
+                <a:r>
+                  <a:rPr lang="en-US" altLang="zh-TW" dirty="0">
+                    <a:latin typeface="微軟正黑體" panose="020B0604030504040204" pitchFamily="34" charset="-120"/>
+                    <a:ea typeface="微軟正黑體" panose="020B0604030504040204" pitchFamily="34" charset="-120"/>
+                  </a:rPr>
+                  <a:t>10 × </a:t>
+                </a:r>
+                <a:r>
+                  <a:rPr lang="zh-TW" altLang="en-US" dirty="0">
+                    <a:latin typeface="微軟正黑體" panose="020B0604030504040204" pitchFamily="34" charset="-120"/>
+                    <a:ea typeface="微軟正黑體" panose="020B0604030504040204" pitchFamily="34" charset="-120"/>
+                  </a:rPr>
+                  <a:t>規則數量 的樣本數比較保險</a:t>
+                </a:r>
+                <a:endParaRPr lang="en-US" altLang="zh-TW" dirty="0">
+                  <a:latin typeface="微軟正黑體" panose="020B0604030504040204" pitchFamily="34" charset="-120"/>
+                  <a:ea typeface="微軟正黑體" panose="020B0604030504040204" pitchFamily="34" charset="-120"/>
+                </a:endParaRPr>
+              </a:p>
+              <a:p>
+                <a:pPr marL="514350" indent="-514350">
+                  <a:buAutoNum type="arabicPeriod"/>
+                </a:pPr>
+                <a:r>
+                  <a:rPr lang="zh-TW" altLang="en-US" dirty="0">
+                    <a:latin typeface="微軟正黑體" panose="020B0604030504040204" pitchFamily="34" charset="-120"/>
+                    <a:ea typeface="微軟正黑體" panose="020B0604030504040204" pitchFamily="34" charset="-120"/>
+                  </a:rPr>
+                  <a:t>✔️ 這邊是 </a:t>
+                </a:r>
+                <a:r>
+                  <a:rPr lang="en-US" altLang="zh-TW" dirty="0">
+                    <a:latin typeface="微軟正黑體" panose="020B0604030504040204" pitchFamily="34" charset="-120"/>
+                    <a:ea typeface="微軟正黑體" panose="020B0604030504040204" pitchFamily="34" charset="-120"/>
+                  </a:rPr>
+                  <a:t>9 </a:t>
+                </a:r>
+                <a:r>
+                  <a:rPr lang="zh-TW" altLang="en-US" dirty="0">
+                    <a:latin typeface="微軟正黑體" panose="020B0604030504040204" pitchFamily="34" charset="-120"/>
+                    <a:ea typeface="微軟正黑體" panose="020B0604030504040204" pitchFamily="34" charset="-120"/>
+                  </a:rPr>
+                  <a:t>條規則 </a:t>
+                </a:r>
+                <a:r>
+                  <a:rPr lang="en-US" altLang="zh-TW" dirty="0">
+                    <a:latin typeface="微軟正黑體" panose="020B0604030504040204" pitchFamily="34" charset="-120"/>
+                    <a:ea typeface="微軟正黑體" panose="020B0604030504040204" pitchFamily="34" charset="-120"/>
+                  </a:rPr>
+                  <a:t>× 10 = 90 </a:t>
+                </a:r>
+                <a:r>
+                  <a:rPr lang="zh-TW" altLang="en-US" dirty="0">
+                    <a:latin typeface="微軟正黑體" panose="020B0604030504040204" pitchFamily="34" charset="-120"/>
+                    <a:ea typeface="微軟正黑體" panose="020B0604030504040204" pitchFamily="34" charset="-120"/>
+                  </a:rPr>
+                  <a:t>筆資料以上</a:t>
+                </a:r>
+                <a:endParaRPr lang="en-US" altLang="zh-TW" dirty="0">
+                  <a:latin typeface="微軟正黑體" panose="020B0604030504040204" pitchFamily="34" charset="-120"/>
+                  <a:ea typeface="微軟正黑體" panose="020B0604030504040204" pitchFamily="34" charset="-120"/>
+                </a:endParaRPr>
+              </a:p>
+              <a:p>
+                <a:pPr marL="0" indent="0">
+                  <a:buNone/>
+                </a:pPr>
+                <a:endParaRPr lang="en-US" altLang="zh-TW" dirty="0">
+                  <a:latin typeface="微軟正黑體" panose="020B0604030504040204" pitchFamily="34" charset="-120"/>
+                  <a:ea typeface="微軟正黑體" panose="020B0604030504040204" pitchFamily="34" charset="-120"/>
+                </a:endParaRPr>
+              </a:p>
+              <a:p>
+                <a:pPr marL="0" indent="0">
+                  <a:buNone/>
+                </a:pPr>
+                <a:endParaRPr lang="zh-TW" altLang="en-US" dirty="0">
+                  <a:latin typeface="微軟正黑體" panose="020B0604030504040204" pitchFamily="34" charset="-120"/>
+                  <a:ea typeface="微軟正黑體" panose="020B0604030504040204" pitchFamily="34" charset="-120"/>
+                </a:endParaRPr>
+              </a:p>
+              <a:p>
+                <a:pPr marL="457200" lvl="1" indent="0">
+                  <a:buNone/>
+                </a:pPr>
+                <a:endParaRPr lang="en-US" altLang="zh-TW" dirty="0">
+                  <a:latin typeface="微軟正黑體" panose="020B0604030504040204" pitchFamily="34" charset="-120"/>
+                  <a:ea typeface="微軟正黑體" panose="020B0604030504040204" pitchFamily="34" charset="-120"/>
+                </a:endParaRPr>
+              </a:p>
+              <a:p>
+                <a:pPr marL="457200" lvl="1" indent="0">
+                  <a:buNone/>
+                </a:pPr>
+                <a:endParaRPr lang="en-US" altLang="zh-TW" dirty="0">
+                  <a:latin typeface="微軟正黑體" panose="020B0604030504040204" pitchFamily="34" charset="-120"/>
+                  <a:ea typeface="微軟正黑體" panose="020B0604030504040204" pitchFamily="34" charset="-120"/>
+                </a:endParaRPr>
+              </a:p>
+            </p:txBody>
+          </p:sp>
+        </mc:Choice>
+        <mc:Fallback>
+          <p:sp>
+            <p:nvSpPr>
+              <p:cNvPr id="3" name="內容版面配置區 2">
+                <a:extLst>
+                  <a:ext uri="{FF2B5EF4-FFF2-40B4-BE49-F238E27FC236}">
+                    <a16:creationId xmlns:a16="http://schemas.microsoft.com/office/drawing/2014/main" id="{2B96C3E3-E4F8-49FE-8E2E-C3F66A142CDD}"/>
+                  </a:ext>
+                </a:extLst>
+              </p:cNvPr>
+              <p:cNvSpPr>
+                <a:spLocks noGrp="1" noRot="1" noChangeAspect="1" noMove="1" noResize="1" noEditPoints="1" noAdjustHandles="1" noChangeArrowheads="1" noChangeShapeType="1" noTextEdit="1"/>
+              </p:cNvSpPr>
+              <p:nvPr>
+                <p:ph idx="1"/>
+              </p:nvPr>
+            </p:nvSpPr>
+            <p:spPr>
+              <a:xfrm>
+                <a:off x="838200" y="1825625"/>
+                <a:ext cx="11026140" cy="4667250"/>
+              </a:xfrm>
+              <a:blipFill>
+                <a:blip r:embed="rId2"/>
+                <a:stretch>
+                  <a:fillRect l="-1327" t="-3003" b="-3916"/>
+                </a:stretch>
+              </a:blipFill>
+            </p:spPr>
+            <p:txBody>
+              <a:bodyPr/>
+              <a:lstStyle/>
+              <a:p>
+                <a:r>
+                  <a:rPr lang="zh-TW" altLang="en-US">
+                    <a:noFill/>
+                  </a:rPr>
+                  <a:t> </a:t>
+                </a:r>
+              </a:p>
+            </p:txBody>
+          </p:sp>
+        </mc:Fallback>
+      </mc:AlternateContent>
     </p:spTree>
     <p:extLst>
       <p:ext uri="{BB962C8B-B14F-4D97-AF65-F5344CB8AC3E}">
-        <p14:creationId xmlns:p14="http://schemas.microsoft.com/office/powerpoint/2010/main" val="414575058"/>
+        <p14:creationId xmlns:p14="http://schemas.microsoft.com/office/powerpoint/2010/main" val="2430545513"/>
       </p:ext>
     </p:extLst>
   </p:cSld>
@@ -4048,12 +5258,18 @@
                 </a:endParaRPr>
               </a:p>
               <a:p>
+                <a:endParaRPr lang="en-US" altLang="zh-TW" sz="2400" dirty="0">
+                  <a:latin typeface="微軟正黑體" panose="020B0604030504040204" pitchFamily="34" charset="-120"/>
+                  <a:ea typeface="微軟正黑體" panose="020B0604030504040204" pitchFamily="34" charset="-120"/>
+                </a:endParaRPr>
+              </a:p>
+              <a:p>
                 <a:r>
                   <a:rPr lang="zh-TW" altLang="en-US" sz="2400" dirty="0">
                     <a:latin typeface="微軟正黑體" panose="020B0604030504040204" pitchFamily="34" charset="-120"/>
                     <a:ea typeface="微軟正黑體" panose="020B0604030504040204" pitchFamily="34" charset="-120"/>
                   </a:rPr>
-                  <a:t>👉 每個輸入通過一個隸屬函數（</a:t>
+                  <a:t>每個輸入通過一個隸屬函數（</a:t>
                 </a:r>
                 <a:r>
                   <a:rPr lang="en-US" altLang="zh-TW" sz="2400" dirty="0">
@@ -4546,42 +5762,6 @@
           </p:sp>
         </mc:Fallback>
       </mc:AlternateContent>
-      <p:pic>
-        <p:nvPicPr>
-          <p:cNvPr id="4" name="圖片 3">
-            <a:extLst>
-              <a:ext uri="{FF2B5EF4-FFF2-40B4-BE49-F238E27FC236}">
-                <a16:creationId xmlns:a16="http://schemas.microsoft.com/office/drawing/2014/main" id="{B99376DA-0235-4AB6-93AD-F970519751DE}"/>
-              </a:ext>
-            </a:extLst>
-          </p:cNvPr>
-          <p:cNvPicPr>
-            <a:picLocks noChangeAspect="1"/>
-          </p:cNvPicPr>
-          <p:nvPr/>
-        </p:nvPicPr>
-        <p:blipFill>
-          <a:blip r:embed="rId3">
-            <a:extLst>
-              <a:ext uri="{28A0092B-C50C-407E-A947-70E740481C1C}">
-                <a14:useLocalDpi xmlns:a14="http://schemas.microsoft.com/office/drawing/2010/main" val="0"/>
-              </a:ext>
-            </a:extLst>
-          </a:blip>
-          <a:stretch>
-            <a:fillRect/>
-          </a:stretch>
-        </p:blipFill>
-        <p:spPr>
-          <a:xfrm>
-            <a:off x="7940041" y="4493303"/>
-            <a:ext cx="3672840" cy="2181817"/>
-          </a:xfrm>
-          <a:prstGeom prst="rect">
-            <a:avLst/>
-          </a:prstGeom>
-        </p:spPr>
-      </p:pic>
     </p:spTree>
     <p:extLst>
       <p:ext uri="{BB962C8B-B14F-4D97-AF65-F5344CB8AC3E}">
@@ -4672,108 +5852,493 @@
           </a:p>
         </p:txBody>
       </p:sp>
-      <p:sp>
-        <p:nvSpPr>
-          <p:cNvPr id="3" name="內容版面配置區 2">
-            <a:extLst>
-              <a:ext uri="{FF2B5EF4-FFF2-40B4-BE49-F238E27FC236}">
-                <a16:creationId xmlns:a16="http://schemas.microsoft.com/office/drawing/2014/main" id="{F2D40767-D06C-4882-B6AF-684868870442}"/>
-              </a:ext>
-            </a:extLst>
-          </p:cNvPr>
-          <p:cNvSpPr>
-            <a:spLocks noGrp="1"/>
-          </p:cNvSpPr>
-          <p:nvPr>
-            <p:ph idx="1"/>
-          </p:nvPr>
-        </p:nvSpPr>
-        <p:spPr/>
-        <p:txBody>
-          <a:bodyPr/>
-          <a:lstStyle/>
-          <a:p>
-            <a:r>
-              <a:rPr lang="zh-TW" altLang="en-US" sz="2400" dirty="0">
-                <a:latin typeface="微軟正黑體" panose="020B0604030504040204" pitchFamily="34" charset="-120"/>
-                <a:ea typeface="微軟正黑體" panose="020B0604030504040204" pitchFamily="34" charset="-120"/>
-              </a:rPr>
-              <a:t>每個 </a:t>
-            </a:r>
-            <a:r>
-              <a:rPr lang="zh-TW" altLang="en-US" sz="2400" b="1" dirty="0">
-                <a:latin typeface="微軟正黑體" panose="020B0604030504040204" pitchFamily="34" charset="-120"/>
-                <a:ea typeface="微軟正黑體" panose="020B0604030504040204" pitchFamily="34" charset="-120"/>
-              </a:rPr>
-              <a:t>模糊集合（例如：小、中、大） </a:t>
-            </a:r>
-            <a:r>
-              <a:rPr lang="zh-TW" altLang="en-US" sz="2400" dirty="0">
-                <a:latin typeface="微軟正黑體" panose="020B0604030504040204" pitchFamily="34" charset="-120"/>
-                <a:ea typeface="微軟正黑體" panose="020B0604030504040204" pitchFamily="34" charset="-120"/>
-              </a:rPr>
-              <a:t>對應一個 </a:t>
-            </a:r>
-            <a:r>
-              <a:rPr lang="en-US" altLang="zh-TW" sz="2400" dirty="0">
-                <a:latin typeface="微軟正黑體" panose="020B0604030504040204" pitchFamily="34" charset="-120"/>
-                <a:ea typeface="微軟正黑體" panose="020B0604030504040204" pitchFamily="34" charset="-120"/>
-              </a:rPr>
-              <a:t>membership function</a:t>
-            </a:r>
-          </a:p>
-          <a:p>
-            <a:r>
-              <a:rPr lang="zh-TW" altLang="en-US" sz="2400" dirty="0">
-                <a:latin typeface="微軟正黑體" panose="020B0604030504040204" pitchFamily="34" charset="-120"/>
-                <a:ea typeface="微軟正黑體" panose="020B0604030504040204" pitchFamily="34" charset="-120"/>
-              </a:rPr>
-              <a:t>每個 </a:t>
-            </a:r>
-            <a:r>
-              <a:rPr lang="en-US" altLang="zh-TW" sz="2400" dirty="0">
-                <a:latin typeface="微軟正黑體" panose="020B0604030504040204" pitchFamily="34" charset="-120"/>
-                <a:ea typeface="微軟正黑體" panose="020B0604030504040204" pitchFamily="34" charset="-120"/>
-              </a:rPr>
-              <a:t>membership function </a:t>
-            </a:r>
-            <a:r>
-              <a:rPr lang="zh-TW" altLang="en-US" sz="2400" dirty="0">
-                <a:latin typeface="微軟正黑體" panose="020B0604030504040204" pitchFamily="34" charset="-120"/>
-                <a:ea typeface="微軟正黑體" panose="020B0604030504040204" pitchFamily="34" charset="-120"/>
-              </a:rPr>
-              <a:t>都有自己的參數（前件參數）</a:t>
-            </a:r>
-            <a:endParaRPr lang="en-US" altLang="zh-TW" sz="2400" dirty="0">
-              <a:latin typeface="微軟正黑體" panose="020B0604030504040204" pitchFamily="34" charset="-120"/>
-              <a:ea typeface="微軟正黑體" panose="020B0604030504040204" pitchFamily="34" charset="-120"/>
-            </a:endParaRPr>
-          </a:p>
-          <a:p>
-            <a:r>
-              <a:rPr lang="zh-TW" altLang="en-US" sz="2400" dirty="0">
-                <a:latin typeface="微軟正黑體" panose="020B0604030504040204" pitchFamily="34" charset="-120"/>
-                <a:ea typeface="微軟正黑體" panose="020B0604030504040204" pitchFamily="34" charset="-120"/>
-              </a:rPr>
-              <a:t>這些參數會透過訓練 被調整形狀，讓整體系統</a:t>
-            </a:r>
-            <a:r>
-              <a:rPr lang="zh-TW" altLang="en-US" sz="2400">
-                <a:latin typeface="微軟正黑體" panose="020B0604030504040204" pitchFamily="34" charset="-120"/>
-                <a:ea typeface="微軟正黑體" panose="020B0604030504040204" pitchFamily="34" charset="-120"/>
-              </a:rPr>
-              <a:t>更準確</a:t>
-            </a:r>
-            <a:endParaRPr lang="zh-TW" altLang="en-US" dirty="0">
-              <a:latin typeface="微軟正黑體" panose="020B0604030504040204" pitchFamily="34" charset="-120"/>
-              <a:ea typeface="微軟正黑體" panose="020B0604030504040204" pitchFamily="34" charset="-120"/>
-            </a:endParaRPr>
-          </a:p>
-          <a:p>
-            <a:endParaRPr lang="zh-TW" altLang="en-US" dirty="0"/>
-          </a:p>
-        </p:txBody>
-      </p:sp>
+      <mc:AlternateContent xmlns:mc="http://schemas.openxmlformats.org/markup-compatibility/2006">
+        <mc:Choice xmlns:a14="http://schemas.microsoft.com/office/drawing/2010/main" Requires="a14">
+          <p:sp>
+            <p:nvSpPr>
+              <p:cNvPr id="3" name="內容版面配置區 2">
+                <a:extLst>
+                  <a:ext uri="{FF2B5EF4-FFF2-40B4-BE49-F238E27FC236}">
+                    <a16:creationId xmlns:a16="http://schemas.microsoft.com/office/drawing/2014/main" id="{F2D40767-D06C-4882-B6AF-684868870442}"/>
+                  </a:ext>
+                </a:extLst>
+              </p:cNvPr>
+              <p:cNvSpPr>
+                <a:spLocks noGrp="1"/>
+              </p:cNvSpPr>
+              <p:nvPr>
+                <p:ph idx="1"/>
+              </p:nvPr>
+            </p:nvSpPr>
+            <p:spPr/>
+            <p:txBody>
+              <a:bodyPr>
+                <a:normAutofit lnSpcReduction="10000"/>
+              </a:bodyPr>
+              <a:lstStyle/>
+              <a:p>
+                <a:r>
+                  <a:rPr lang="zh-TW" altLang="en-US" sz="2400" dirty="0">
+                    <a:latin typeface="微軟正黑體" panose="020B0604030504040204" pitchFamily="34" charset="-120"/>
+                    <a:ea typeface="微軟正黑體" panose="020B0604030504040204" pitchFamily="34" charset="-120"/>
+                  </a:rPr>
+                  <a:t>每個 </a:t>
+                </a:r>
+                <a:r>
+                  <a:rPr lang="zh-TW" altLang="en-US" sz="2400" b="1" dirty="0">
+                    <a:latin typeface="微軟正黑體" panose="020B0604030504040204" pitchFamily="34" charset="-120"/>
+                    <a:ea typeface="微軟正黑體" panose="020B0604030504040204" pitchFamily="34" charset="-120"/>
+                  </a:rPr>
+                  <a:t>模糊集合（例如：</a:t>
+                </a:r>
+                <a:r>
+                  <a:rPr lang="en-US" altLang="zh-TW" sz="2400" b="1" dirty="0">
+                    <a:latin typeface="微軟正黑體" panose="020B0604030504040204" pitchFamily="34" charset="-120"/>
+                    <a:ea typeface="微軟正黑體" panose="020B0604030504040204" pitchFamily="34" charset="-120"/>
+                  </a:rPr>
+                  <a:t>A1(</a:t>
+                </a:r>
+                <a:r>
+                  <a:rPr lang="zh-TW" altLang="en-US" sz="2400" b="1" dirty="0">
+                    <a:latin typeface="微軟正黑體" panose="020B0604030504040204" pitchFamily="34" charset="-120"/>
+                    <a:ea typeface="微軟正黑體" panose="020B0604030504040204" pitchFamily="34" charset="-120"/>
+                  </a:rPr>
+                  <a:t>小</a:t>
+                </a:r>
+                <a:r>
+                  <a:rPr lang="en-US" altLang="zh-TW" sz="2400" b="1" dirty="0">
+                    <a:latin typeface="微軟正黑體" panose="020B0604030504040204" pitchFamily="34" charset="-120"/>
+                    <a:ea typeface="微軟正黑體" panose="020B0604030504040204" pitchFamily="34" charset="-120"/>
+                  </a:rPr>
+                  <a:t>)</a:t>
+                </a:r>
+                <a:r>
+                  <a:rPr lang="zh-TW" altLang="en-US" sz="2400" b="1" dirty="0">
+                    <a:latin typeface="微軟正黑體" panose="020B0604030504040204" pitchFamily="34" charset="-120"/>
+                    <a:ea typeface="微軟正黑體" panose="020B0604030504040204" pitchFamily="34" charset="-120"/>
+                  </a:rPr>
+                  <a:t>、</a:t>
+                </a:r>
+                <a:r>
+                  <a:rPr lang="en-US" altLang="zh-TW" sz="2400" b="1" dirty="0">
+                    <a:latin typeface="微軟正黑體" panose="020B0604030504040204" pitchFamily="34" charset="-120"/>
+                    <a:ea typeface="微軟正黑體" panose="020B0604030504040204" pitchFamily="34" charset="-120"/>
+                  </a:rPr>
+                  <a:t>A2(</a:t>
+                </a:r>
+                <a:r>
+                  <a:rPr lang="zh-TW" altLang="en-US" sz="2400" b="1" dirty="0">
+                    <a:latin typeface="微軟正黑體" panose="020B0604030504040204" pitchFamily="34" charset="-120"/>
+                    <a:ea typeface="微軟正黑體" panose="020B0604030504040204" pitchFamily="34" charset="-120"/>
+                  </a:rPr>
+                  <a:t>中</a:t>
+                </a:r>
+                <a:r>
+                  <a:rPr lang="en-US" altLang="zh-TW" sz="2400" b="1" dirty="0">
+                    <a:latin typeface="微軟正黑體" panose="020B0604030504040204" pitchFamily="34" charset="-120"/>
+                    <a:ea typeface="微軟正黑體" panose="020B0604030504040204" pitchFamily="34" charset="-120"/>
+                  </a:rPr>
+                  <a:t>)</a:t>
+                </a:r>
+                <a:r>
+                  <a:rPr lang="zh-TW" altLang="en-US" sz="2400" b="1" dirty="0">
+                    <a:latin typeface="微軟正黑體" panose="020B0604030504040204" pitchFamily="34" charset="-120"/>
+                    <a:ea typeface="微軟正黑體" panose="020B0604030504040204" pitchFamily="34" charset="-120"/>
+                  </a:rPr>
+                  <a:t>、</a:t>
+                </a:r>
+                <a:r>
+                  <a:rPr lang="en-US" altLang="zh-TW" sz="2400" b="1" dirty="0">
+                    <a:latin typeface="微軟正黑體" panose="020B0604030504040204" pitchFamily="34" charset="-120"/>
+                    <a:ea typeface="微軟正黑體" panose="020B0604030504040204" pitchFamily="34" charset="-120"/>
+                  </a:rPr>
+                  <a:t>A3(</a:t>
+                </a:r>
+                <a:r>
+                  <a:rPr lang="zh-TW" altLang="en-US" sz="2400" b="1" dirty="0">
+                    <a:latin typeface="微軟正黑體" panose="020B0604030504040204" pitchFamily="34" charset="-120"/>
+                    <a:ea typeface="微軟正黑體" panose="020B0604030504040204" pitchFamily="34" charset="-120"/>
+                  </a:rPr>
+                  <a:t>大</a:t>
+                </a:r>
+                <a:r>
+                  <a:rPr lang="en-US" altLang="zh-TW" sz="2400" b="1" dirty="0">
+                    <a:latin typeface="微軟正黑體" panose="020B0604030504040204" pitchFamily="34" charset="-120"/>
+                    <a:ea typeface="微軟正黑體" panose="020B0604030504040204" pitchFamily="34" charset="-120"/>
+                  </a:rPr>
+                  <a:t>)</a:t>
+                </a:r>
+                <a:r>
+                  <a:rPr lang="zh-TW" altLang="en-US" sz="2400" b="1" dirty="0">
+                    <a:latin typeface="微軟正黑體" panose="020B0604030504040204" pitchFamily="34" charset="-120"/>
+                    <a:ea typeface="微軟正黑體" panose="020B0604030504040204" pitchFamily="34" charset="-120"/>
+                  </a:rPr>
+                  <a:t>） </a:t>
+                </a:r>
+                <a:r>
+                  <a:rPr lang="zh-TW" altLang="en-US" sz="2400" dirty="0">
+                    <a:latin typeface="微軟正黑體" panose="020B0604030504040204" pitchFamily="34" charset="-120"/>
+                    <a:ea typeface="微軟正黑體" panose="020B0604030504040204" pitchFamily="34" charset="-120"/>
+                  </a:rPr>
+                  <a:t>對應一個隸屬函數，每個隸屬函數都有自己的參數（前件參數）</a:t>
+                </a:r>
+                <a:endParaRPr lang="en-US" altLang="zh-TW" sz="2400" dirty="0">
+                  <a:latin typeface="微軟正黑體" panose="020B0604030504040204" pitchFamily="34" charset="-120"/>
+                  <a:ea typeface="微軟正黑體" panose="020B0604030504040204" pitchFamily="34" charset="-120"/>
+                </a:endParaRPr>
+              </a:p>
+              <a:p>
+                <a:r>
+                  <a:rPr lang="zh-TW" altLang="en-US" sz="2400" dirty="0">
+                    <a:latin typeface="微軟正黑體" panose="020B0604030504040204" pitchFamily="34" charset="-120"/>
+                    <a:ea typeface="微軟正黑體" panose="020B0604030504040204" pitchFamily="34" charset="-120"/>
+                  </a:rPr>
+                  <a:t>例如：</a:t>
+                </a:r>
+                <a:endParaRPr lang="en-US" altLang="zh-TW" sz="2400" dirty="0">
+                  <a:latin typeface="微軟正黑體" panose="020B0604030504040204" pitchFamily="34" charset="-120"/>
+                  <a:ea typeface="微軟正黑體" panose="020B0604030504040204" pitchFamily="34" charset="-120"/>
+                </a:endParaRPr>
+              </a:p>
+              <a:p>
+                <a:endParaRPr lang="en-US" altLang="zh-TW" sz="2400" dirty="0">
+                  <a:latin typeface="微軟正黑體" panose="020B0604030504040204" pitchFamily="34" charset="-120"/>
+                  <a:ea typeface="微軟正黑體" panose="020B0604030504040204" pitchFamily="34" charset="-120"/>
+                </a:endParaRPr>
+              </a:p>
+              <a:p>
+                <a:pPr marL="0" indent="0">
+                  <a:buNone/>
+                </a:pPr>
+                <a14:m>
+                  <m:oMathPara xmlns:m="http://schemas.openxmlformats.org/officeDocument/2006/math">
+                    <m:oMathParaPr>
+                      <m:jc m:val="centerGroup"/>
+                    </m:oMathParaPr>
+                    <m:oMath xmlns:m="http://schemas.openxmlformats.org/officeDocument/2006/math">
+                      <m:sSub>
+                        <m:sSubPr>
+                          <m:ctrlPr>
+                            <a:rPr lang="en-US" altLang="zh-TW" sz="2400" i="1" dirty="0">
+                              <a:latin typeface="Cambria Math" panose="02040503050406030204" pitchFamily="18" charset="0"/>
+                              <a:ea typeface="微軟正黑體" panose="020B0604030504040204" pitchFamily="34" charset="-120"/>
+                            </a:rPr>
+                          </m:ctrlPr>
+                        </m:sSubPr>
+                        <m:e>
+                          <m:r>
+                            <a:rPr lang="en-US" altLang="zh-TW" sz="2400" i="1" dirty="0">
+                              <a:latin typeface="Cambria Math" panose="02040503050406030204" pitchFamily="18" charset="0"/>
+                              <a:ea typeface="微軟正黑體" panose="020B0604030504040204" pitchFamily="34" charset="-120"/>
+                            </a:rPr>
+                            <m:t>𝜇</m:t>
+                          </m:r>
+                        </m:e>
+                        <m:sub>
+                          <m:r>
+                            <a:rPr lang="en-US" altLang="zh-TW" sz="2400" i="1" dirty="0">
+                              <a:latin typeface="Cambria Math" panose="02040503050406030204" pitchFamily="18" charset="0"/>
+                              <a:ea typeface="微軟正黑體" panose="020B0604030504040204" pitchFamily="34" charset="-120"/>
+                            </a:rPr>
+                            <m:t>𝐴</m:t>
+                          </m:r>
+                          <m:r>
+                            <a:rPr lang="en-US" altLang="zh-TW" sz="2400" i="1" dirty="0">
+                              <a:latin typeface="Cambria Math" panose="02040503050406030204" pitchFamily="18" charset="0"/>
+                              <a:ea typeface="微軟正黑體" panose="020B0604030504040204" pitchFamily="34" charset="-120"/>
+                            </a:rPr>
+                            <m:t>1</m:t>
+                          </m:r>
+                        </m:sub>
+                      </m:sSub>
+                      <m:r>
+                        <a:rPr lang="en-US" altLang="zh-TW" sz="2400" i="1" dirty="0">
+                          <a:latin typeface="Cambria Math" panose="02040503050406030204" pitchFamily="18" charset="0"/>
+                          <a:ea typeface="微軟正黑體" panose="020B0604030504040204" pitchFamily="34" charset="-120"/>
+                        </a:rPr>
+                        <m:t>(</m:t>
+                      </m:r>
+                      <m:r>
+                        <a:rPr lang="en-US" altLang="zh-TW" sz="2400" i="1" dirty="0">
+                          <a:latin typeface="Cambria Math" panose="02040503050406030204" pitchFamily="18" charset="0"/>
+                          <a:ea typeface="微軟正黑體" panose="020B0604030504040204" pitchFamily="34" charset="-120"/>
+                        </a:rPr>
+                        <m:t>𝑥</m:t>
+                      </m:r>
+                      <m:r>
+                        <a:rPr lang="en-US" altLang="zh-TW" sz="2400" i="1" dirty="0" smtClean="0">
+                          <a:latin typeface="Cambria Math" panose="02040503050406030204" pitchFamily="18" charset="0"/>
+                          <a:ea typeface="微軟正黑體" panose="020B0604030504040204" pitchFamily="34" charset="-120"/>
+                        </a:rPr>
+                        <m:t>)</m:t>
+                      </m:r>
+                      <m:r>
+                        <m:rPr>
+                          <m:nor/>
+                        </m:rPr>
+                        <a:rPr lang="en-US" altLang="zh-TW" sz="2400" b="0" i="0" dirty="0" smtClean="0">
+                          <a:latin typeface="Cambria Math" panose="02040503050406030204" pitchFamily="18" charset="0"/>
+                          <a:ea typeface="微軟正黑體" panose="020B0604030504040204" pitchFamily="34" charset="-120"/>
+                        </a:rPr>
+                        <m:t>=</m:t>
+                      </m:r>
+                      <m:r>
+                        <m:rPr>
+                          <m:nor/>
+                        </m:rPr>
+                        <a:rPr lang="en-US" altLang="zh-TW" sz="2400" b="0" i="0" dirty="0" smtClean="0">
+                          <a:latin typeface="Cambria Math" panose="02040503050406030204" pitchFamily="18" charset="0"/>
+                          <a:ea typeface="微軟正黑體" panose="020B0604030504040204" pitchFamily="34" charset="-120"/>
+                        </a:rPr>
+                        <m:t>exp</m:t>
+                      </m:r>
+                      <m:r>
+                        <m:rPr>
+                          <m:nor/>
+                        </m:rPr>
+                        <a:rPr lang="en-US" altLang="zh-TW" sz="2400" b="0" i="0" dirty="0" smtClean="0">
+                          <a:latin typeface="Cambria Math" panose="02040503050406030204" pitchFamily="18" charset="0"/>
+                          <a:ea typeface="微軟正黑體" panose="020B0604030504040204" pitchFamily="34" charset="-120"/>
+                        </a:rPr>
+                        <m:t>(</m:t>
+                      </m:r>
+                      <m:f>
+                        <m:fPr>
+                          <m:ctrlPr>
+                            <a:rPr lang="en-US" altLang="zh-TW" sz="2400" b="0" i="1" dirty="0" smtClean="0">
+                              <a:latin typeface="Cambria Math" panose="02040503050406030204" pitchFamily="18" charset="0"/>
+                              <a:ea typeface="微軟正黑體" panose="020B0604030504040204" pitchFamily="34" charset="-120"/>
+                            </a:rPr>
+                          </m:ctrlPr>
+                        </m:fPr>
+                        <m:num>
+                          <m:sSup>
+                            <m:sSupPr>
+                              <m:ctrlPr>
+                                <a:rPr lang="en-US" altLang="zh-TW" sz="2400" b="0" i="1" dirty="0" smtClean="0">
+                                  <a:latin typeface="Cambria Math" panose="02040503050406030204" pitchFamily="18" charset="0"/>
+                                  <a:ea typeface="微軟正黑體" panose="020B0604030504040204" pitchFamily="34" charset="-120"/>
+                                </a:rPr>
+                              </m:ctrlPr>
+                            </m:sSupPr>
+                            <m:e>
+                              <m:r>
+                                <a:rPr lang="en-US" altLang="zh-TW" sz="2400" b="0" i="1" dirty="0" smtClean="0">
+                                  <a:latin typeface="Cambria Math" panose="02040503050406030204" pitchFamily="18" charset="0"/>
+                                  <a:ea typeface="微軟正黑體" panose="020B0604030504040204" pitchFamily="34" charset="-120"/>
+                                </a:rPr>
+                                <m:t>−(</m:t>
+                              </m:r>
+                              <m:r>
+                                <a:rPr lang="en-US" altLang="zh-TW" sz="2400" b="0" i="1" dirty="0" smtClean="0">
+                                  <a:latin typeface="Cambria Math" panose="02040503050406030204" pitchFamily="18" charset="0"/>
+                                  <a:ea typeface="微軟正黑體" panose="020B0604030504040204" pitchFamily="34" charset="-120"/>
+                                </a:rPr>
+                                <m:t>𝑥</m:t>
+                              </m:r>
+                              <m:r>
+                                <a:rPr lang="en-US" altLang="zh-TW" sz="2400" b="0" i="1" dirty="0" smtClean="0">
+                                  <a:latin typeface="Cambria Math" panose="02040503050406030204" pitchFamily="18" charset="0"/>
+                                  <a:ea typeface="微軟正黑體" panose="020B0604030504040204" pitchFamily="34" charset="-120"/>
+                                </a:rPr>
+                                <m:t>−</m:t>
+                              </m:r>
+                              <m:r>
+                                <a:rPr lang="en-US" altLang="zh-TW" sz="2400" b="0" i="1" dirty="0" smtClean="0">
+                                  <a:latin typeface="Cambria Math" panose="02040503050406030204" pitchFamily="18" charset="0"/>
+                                  <a:ea typeface="微軟正黑體" panose="020B0604030504040204" pitchFamily="34" charset="-120"/>
+                                </a:rPr>
+                                <m:t>𝑐</m:t>
+                              </m:r>
+                              <m:r>
+                                <a:rPr lang="en-US" altLang="zh-TW" sz="2400" b="0" i="1" dirty="0" smtClean="0">
+                                  <a:latin typeface="Cambria Math" panose="02040503050406030204" pitchFamily="18" charset="0"/>
+                                  <a:ea typeface="微軟正黑體" panose="020B0604030504040204" pitchFamily="34" charset="-120"/>
+                                </a:rPr>
+                                <m:t>)</m:t>
+                              </m:r>
+                            </m:e>
+                            <m:sup>
+                              <m:r>
+                                <a:rPr lang="en-US" altLang="zh-TW" sz="2400" b="0" i="1" dirty="0" smtClean="0">
+                                  <a:latin typeface="Cambria Math" panose="02040503050406030204" pitchFamily="18" charset="0"/>
+                                  <a:ea typeface="微軟正黑體" panose="020B0604030504040204" pitchFamily="34" charset="-120"/>
+                                </a:rPr>
+                                <m:t>2</m:t>
+                              </m:r>
+                            </m:sup>
+                          </m:sSup>
+                        </m:num>
+                        <m:den>
+                          <m:r>
+                            <a:rPr lang="en-US" altLang="zh-TW" sz="2400" b="0" i="1" dirty="0" smtClean="0">
+                              <a:latin typeface="Cambria Math" panose="02040503050406030204" pitchFamily="18" charset="0"/>
+                              <a:ea typeface="微軟正黑體" panose="020B0604030504040204" pitchFamily="34" charset="-120"/>
+                            </a:rPr>
+                            <m:t>2</m:t>
+                          </m:r>
+                          <m:sSup>
+                            <m:sSupPr>
+                              <m:ctrlPr>
+                                <a:rPr lang="en-US" altLang="zh-TW" sz="2400" b="0" i="1" dirty="0" smtClean="0">
+                                  <a:latin typeface="Cambria Math" panose="02040503050406030204" pitchFamily="18" charset="0"/>
+                                  <a:ea typeface="微軟正黑體" panose="020B0604030504040204" pitchFamily="34" charset="-120"/>
+                                </a:rPr>
+                              </m:ctrlPr>
+                            </m:sSupPr>
+                            <m:e>
+                              <m:r>
+                                <a:rPr lang="zh-TW" altLang="en-US" sz="2400" b="0" i="1" dirty="0" smtClean="0">
+                                  <a:latin typeface="Cambria Math" panose="02040503050406030204" pitchFamily="18" charset="0"/>
+                                  <a:ea typeface="微軟正黑體" panose="020B0604030504040204" pitchFamily="34" charset="-120"/>
+                                </a:rPr>
+                                <m:t>𝜎</m:t>
+                              </m:r>
+                            </m:e>
+                            <m:sup>
+                              <m:r>
+                                <a:rPr lang="en-US" altLang="zh-TW" sz="2400" b="0" i="1" dirty="0" smtClean="0">
+                                  <a:latin typeface="Cambria Math" panose="02040503050406030204" pitchFamily="18" charset="0"/>
+                                  <a:ea typeface="微軟正黑體" panose="020B0604030504040204" pitchFamily="34" charset="-120"/>
+                                </a:rPr>
+                                <m:t>2</m:t>
+                              </m:r>
+                            </m:sup>
+                          </m:sSup>
+                        </m:den>
+                      </m:f>
+                      <m:r>
+                        <m:rPr>
+                          <m:nor/>
+                        </m:rPr>
+                        <a:rPr lang="en-US" altLang="zh-TW" sz="2400" b="0" i="0" dirty="0" smtClean="0">
+                          <a:latin typeface="Cambria Math" panose="02040503050406030204" pitchFamily="18" charset="0"/>
+                          <a:ea typeface="微軟正黑體" panose="020B0604030504040204" pitchFamily="34" charset="-120"/>
+                        </a:rPr>
+                        <m:t>)</m:t>
+                      </m:r>
+                    </m:oMath>
+                  </m:oMathPara>
+                </a14:m>
+                <a:endParaRPr lang="en-US" altLang="zh-TW" sz="2400" dirty="0">
+                  <a:latin typeface="微軟正黑體" panose="020B0604030504040204" pitchFamily="34" charset="-120"/>
+                  <a:ea typeface="微軟正黑體" panose="020B0604030504040204" pitchFamily="34" charset="-120"/>
+                </a:endParaRPr>
+              </a:p>
+              <a:p>
+                <a:pPr marL="0" indent="0">
+                  <a:buNone/>
+                </a:pPr>
+                <a:r>
+                  <a:rPr lang="zh-TW" altLang="en-US" sz="2400" dirty="0">
+                    <a:latin typeface="微軟正黑體" panose="020B0604030504040204" pitchFamily="34" charset="-120"/>
+                    <a:ea typeface="微軟正黑體" panose="020B0604030504040204" pitchFamily="34" charset="-120"/>
+                  </a:rPr>
+                  <a:t>𝑐：中心</a:t>
+                </a:r>
+                <a:endParaRPr lang="en-US" altLang="zh-TW" sz="2400" dirty="0">
+                  <a:latin typeface="微軟正黑體" panose="020B0604030504040204" pitchFamily="34" charset="-120"/>
+                  <a:ea typeface="微軟正黑體" panose="020B0604030504040204" pitchFamily="34" charset="-120"/>
+                </a:endParaRPr>
+              </a:p>
+              <a:p>
+                <a:pPr marL="0" indent="0">
+                  <a:buNone/>
+                </a:pPr>
+                <a:r>
+                  <a:rPr lang="zh-TW" altLang="en-US" sz="2400" dirty="0">
+                    <a:latin typeface="微軟正黑體" panose="020B0604030504040204" pitchFamily="34" charset="-120"/>
+                    <a:ea typeface="微軟正黑體" panose="020B0604030504040204" pitchFamily="34" charset="-120"/>
+                  </a:rPr>
+                  <a:t>𝜎：寬度</a:t>
+                </a:r>
+                <a:endParaRPr lang="en-US" altLang="zh-TW" sz="2400" dirty="0">
+                  <a:latin typeface="微軟正黑體" panose="020B0604030504040204" pitchFamily="34" charset="-120"/>
+                  <a:ea typeface="微軟正黑體" panose="020B0604030504040204" pitchFamily="34" charset="-120"/>
+                </a:endParaRPr>
+              </a:p>
+              <a:p>
+                <a:r>
+                  <a:rPr lang="zh-TW" altLang="en-US" sz="2400" dirty="0">
+                    <a:latin typeface="微軟正黑體" panose="020B0604030504040204" pitchFamily="34" charset="-120"/>
+                    <a:ea typeface="微軟正黑體" panose="020B0604030504040204" pitchFamily="34" charset="-120"/>
+                  </a:rPr>
+                  <a:t>這些參數會透過訓練 被調整形狀，讓整體系統更準確</a:t>
+                </a:r>
+                <a:endParaRPr lang="en-US" altLang="zh-TW" sz="2400" dirty="0">
+                  <a:latin typeface="微軟正黑體" panose="020B0604030504040204" pitchFamily="34" charset="-120"/>
+                  <a:ea typeface="微軟正黑體" panose="020B0604030504040204" pitchFamily="34" charset="-120"/>
+                </a:endParaRPr>
+              </a:p>
+              <a:p>
+                <a:r>
+                  <a:rPr lang="zh-TW" altLang="en-US" dirty="0">
+                    <a:latin typeface="微軟正黑體" panose="020B0604030504040204" pitchFamily="34" charset="-120"/>
+                    <a:ea typeface="微軟正黑體" panose="020B0604030504040204" pitchFamily="34" charset="-120"/>
+                  </a:rPr>
+                  <a:t>我們不用手動設計隸屬函數的形狀，讓 </a:t>
+                </a:r>
+                <a:r>
+                  <a:rPr lang="en-US" altLang="zh-TW" dirty="0">
+                    <a:latin typeface="微軟正黑體" panose="020B0604030504040204" pitchFamily="34" charset="-120"/>
+                    <a:ea typeface="微軟正黑體" panose="020B0604030504040204" pitchFamily="34" charset="-120"/>
+                  </a:rPr>
+                  <a:t>ANFIS </a:t>
+                </a:r>
+                <a:r>
+                  <a:rPr lang="zh-TW" altLang="en-US" dirty="0">
+                    <a:latin typeface="微軟正黑體" panose="020B0604030504040204" pitchFamily="34" charset="-120"/>
+                    <a:ea typeface="微軟正黑體" panose="020B0604030504040204" pitchFamily="34" charset="-120"/>
+                  </a:rPr>
+                  <a:t>比傳統模糊系統 更彈性、更自動、更像神經網路</a:t>
+                </a:r>
+              </a:p>
+              <a:p>
+                <a:endParaRPr lang="zh-TW" altLang="en-US" dirty="0"/>
+              </a:p>
+            </p:txBody>
+          </p:sp>
+        </mc:Choice>
+        <mc:Fallback>
+          <p:sp>
+            <p:nvSpPr>
+              <p:cNvPr id="3" name="內容版面配置區 2">
+                <a:extLst>
+                  <a:ext uri="{FF2B5EF4-FFF2-40B4-BE49-F238E27FC236}">
+                    <a16:creationId xmlns:a16="http://schemas.microsoft.com/office/drawing/2014/main" id="{F2D40767-D06C-4882-B6AF-684868870442}"/>
+                  </a:ext>
+                </a:extLst>
+              </p:cNvPr>
+              <p:cNvSpPr>
+                <a:spLocks noGrp="1" noRot="1" noChangeAspect="1" noMove="1" noResize="1" noEditPoints="1" noAdjustHandles="1" noChangeArrowheads="1" noChangeShapeType="1" noTextEdit="1"/>
+              </p:cNvSpPr>
+              <p:nvPr>
+                <p:ph idx="1"/>
+              </p:nvPr>
+            </p:nvSpPr>
+            <p:spPr>
+              <a:blipFill>
+                <a:blip r:embed="rId2"/>
+                <a:stretch>
+                  <a:fillRect l="-1043" t="-2661" b="-1541"/>
+                </a:stretch>
+              </a:blipFill>
+            </p:spPr>
+            <p:txBody>
+              <a:bodyPr/>
+              <a:lstStyle/>
+              <a:p>
+                <a:r>
+                  <a:rPr lang="zh-TW" altLang="en-US">
+                    <a:noFill/>
+                  </a:rPr>
+                  <a:t> </a:t>
+                </a:r>
+              </a:p>
+            </p:txBody>
+          </p:sp>
+        </mc:Fallback>
+      </mc:AlternateContent>
     </p:spTree>
     <p:extLst>
       <p:ext uri="{BB962C8B-B14F-4D97-AF65-F5344CB8AC3E}">
@@ -4951,14 +6516,14 @@
               <p:nvPr>
                 <p:extLst>
                   <p:ext uri="{D42A27DB-BD31-4B8C-83A1-F6EECF244321}">
-                    <p14:modId xmlns:p14="http://schemas.microsoft.com/office/powerpoint/2010/main" val="1500819007"/>
+                    <p14:modId xmlns:p14="http://schemas.microsoft.com/office/powerpoint/2010/main" val="3313502584"/>
                   </p:ext>
                 </p:extLst>
               </p:nvPr>
             </p:nvGraphicFramePr>
             <p:xfrm>
-              <a:off x="1529080" y="2517934"/>
-              <a:ext cx="8127999" cy="3708400"/>
+              <a:off x="2032000" y="2530475"/>
+              <a:ext cx="8127999" cy="3962400"/>
             </p:xfrm>
             <a:graphic>
               <a:graphicData uri="http://schemas.openxmlformats.org/drawingml/2006/table">
@@ -4997,7 +6562,7 @@
                         <a:p>
                           <a:pPr algn="ctr"/>
                           <a:r>
-                            <a:rPr lang="zh-TW" altLang="en-US" dirty="0">
+                            <a:rPr lang="zh-TW" altLang="en-US" sz="2000" dirty="0">
                               <a:latin typeface="微軟正黑體" panose="020B0604030504040204" pitchFamily="34" charset="-120"/>
                               <a:ea typeface="微軟正黑體" panose="020B0604030504040204" pitchFamily="34" charset="-120"/>
                             </a:rPr>
@@ -5014,7 +6579,7 @@
                         <a:p>
                           <a:pPr algn="ctr"/>
                           <a:r>
-                            <a:rPr lang="zh-TW" altLang="en-US" dirty="0">
+                            <a:rPr lang="zh-TW" altLang="en-US" sz="2000" dirty="0">
                               <a:latin typeface="微軟正黑體" panose="020B0604030504040204" pitchFamily="34" charset="-120"/>
                               <a:ea typeface="微軟正黑體" panose="020B0604030504040204" pitchFamily="34" charset="-120"/>
                             </a:rPr>
@@ -5031,7 +6596,7 @@
                         <a:p>
                           <a:pPr algn="ctr"/>
                           <a:r>
-                            <a:rPr lang="zh-TW" altLang="en-US" dirty="0">
+                            <a:rPr lang="zh-TW" altLang="en-US" sz="2000" dirty="0">
                               <a:latin typeface="微軟正黑體" panose="020B0604030504040204" pitchFamily="34" charset="-120"/>
                               <a:ea typeface="微軟正黑體" panose="020B0604030504040204" pitchFamily="34" charset="-120"/>
                             </a:rPr>
@@ -5055,13 +6620,13 @@
                         <a:p>
                           <a:pPr algn="ctr"/>
                           <a:r>
-                            <a:rPr lang="en-US" altLang="zh-TW" dirty="0">
+                            <a:rPr lang="en-US" altLang="zh-TW" sz="2000" dirty="0">
                               <a:latin typeface="微軟正黑體" panose="020B0604030504040204" pitchFamily="34" charset="-120"/>
                               <a:ea typeface="微軟正黑體" panose="020B0604030504040204" pitchFamily="34" charset="-120"/>
                             </a:rPr>
                             <a:t>Rule1</a:t>
                           </a:r>
-                          <a:endParaRPr lang="zh-TW" altLang="en-US" dirty="0">
+                          <a:endParaRPr lang="zh-TW" altLang="en-US" sz="2000" dirty="0">
                             <a:latin typeface="微軟正黑體" panose="020B0604030504040204" pitchFamily="34" charset="-120"/>
                             <a:ea typeface="微軟正黑體" panose="020B0604030504040204" pitchFamily="34" charset="-120"/>
                           </a:endParaRPr>
@@ -5076,90 +6641,90 @@
                         <a:p>
                           <a:pPr algn="ctr"/>
                           <a:r>
-                            <a:rPr lang="zh-TW" altLang="en-US" dirty="0">
+                            <a:rPr lang="zh-TW" altLang="en-US" sz="2000" dirty="0">
                               <a:latin typeface="微軟正黑體" panose="020B0604030504040204" pitchFamily="34" charset="-120"/>
                               <a:ea typeface="微軟正黑體" panose="020B0604030504040204" pitchFamily="34" charset="-120"/>
                             </a:rPr>
                             <a:t>如果 𝑥</a:t>
                           </a:r>
                           <a:r>
-                            <a:rPr lang="en-US" altLang="zh-TW" dirty="0">
+                            <a:rPr lang="en-US" altLang="zh-TW" sz="2000" dirty="0">
                               <a:latin typeface="微軟正黑體" panose="020B0604030504040204" pitchFamily="34" charset="-120"/>
                               <a:ea typeface="微軟正黑體" panose="020B0604030504040204" pitchFamily="34" charset="-120"/>
                             </a:rPr>
                             <a:t> </a:t>
                           </a:r>
                           <a:r>
-                            <a:rPr lang="zh-TW" altLang="en-US" dirty="0">
+                            <a:rPr lang="zh-TW" altLang="en-US" sz="2000" dirty="0">
                               <a:latin typeface="微軟正黑體" panose="020B0604030504040204" pitchFamily="34" charset="-120"/>
                               <a:ea typeface="微軟正黑體" panose="020B0604030504040204" pitchFamily="34" charset="-120"/>
                             </a:rPr>
                             <a:t>是 </a:t>
                           </a:r>
                           <a:r>
-                            <a:rPr lang="en-US" altLang="zh-TW" dirty="0">
+                            <a:rPr lang="en-US" altLang="zh-TW" sz="2000" dirty="0">
                               <a:latin typeface="微軟正黑體" panose="020B0604030504040204" pitchFamily="34" charset="-120"/>
                               <a:ea typeface="微軟正黑體" panose="020B0604030504040204" pitchFamily="34" charset="-120"/>
                             </a:rPr>
                             <a:t>A1(</a:t>
                           </a:r>
                           <a:r>
-                            <a:rPr lang="zh-TW" altLang="en-US" dirty="0">
+                            <a:rPr lang="zh-TW" altLang="en-US" sz="2000" dirty="0">
                               <a:latin typeface="微軟正黑體" panose="020B0604030504040204" pitchFamily="34" charset="-120"/>
                               <a:ea typeface="微軟正黑體" panose="020B0604030504040204" pitchFamily="34" charset="-120"/>
                             </a:rPr>
                             <a:t>小</a:t>
                           </a:r>
                           <a:r>
-                            <a:rPr lang="en-US" altLang="zh-TW" dirty="0">
+                            <a:rPr lang="en-US" altLang="zh-TW" sz="2000" dirty="0">
                               <a:latin typeface="微軟正黑體" panose="020B0604030504040204" pitchFamily="34" charset="-120"/>
                               <a:ea typeface="微軟正黑體" panose="020B0604030504040204" pitchFamily="34" charset="-120"/>
                             </a:rPr>
                             <a:t>) </a:t>
                           </a:r>
                           <a:r>
-                            <a:rPr lang="zh-TW" altLang="en-US" dirty="0">
+                            <a:rPr lang="zh-TW" altLang="en-US" sz="2000" dirty="0">
                               <a:latin typeface="微軟正黑體" panose="020B0604030504040204" pitchFamily="34" charset="-120"/>
                               <a:ea typeface="微軟正黑體" panose="020B0604030504040204" pitchFamily="34" charset="-120"/>
                             </a:rPr>
                             <a:t>且 𝑦</a:t>
                           </a:r>
                           <a:r>
-                            <a:rPr lang="en-US" altLang="zh-TW" dirty="0">
+                            <a:rPr lang="en-US" altLang="zh-TW" sz="2000" dirty="0">
                               <a:latin typeface="微軟正黑體" panose="020B0604030504040204" pitchFamily="34" charset="-120"/>
                               <a:ea typeface="微軟正黑體" panose="020B0604030504040204" pitchFamily="34" charset="-120"/>
                             </a:rPr>
                             <a:t> </a:t>
                           </a:r>
                           <a:r>
-                            <a:rPr lang="zh-TW" altLang="en-US" dirty="0">
+                            <a:rPr lang="zh-TW" altLang="en-US" sz="2000" dirty="0">
                               <a:latin typeface="微軟正黑體" panose="020B0604030504040204" pitchFamily="34" charset="-120"/>
                               <a:ea typeface="微軟正黑體" panose="020B0604030504040204" pitchFamily="34" charset="-120"/>
                             </a:rPr>
                             <a:t>是</a:t>
                           </a:r>
                           <a:r>
-                            <a:rPr lang="en-US" altLang="zh-TW" dirty="0">
+                            <a:rPr lang="en-US" altLang="zh-TW" sz="2000" dirty="0">
                               <a:latin typeface="微軟正黑體" panose="020B0604030504040204" pitchFamily="34" charset="-120"/>
                               <a:ea typeface="微軟正黑體" panose="020B0604030504040204" pitchFamily="34" charset="-120"/>
                             </a:rPr>
                             <a:t>B1(</a:t>
                           </a:r>
                           <a:r>
-                            <a:rPr lang="zh-TW" altLang="en-US" dirty="0">
+                            <a:rPr lang="zh-TW" altLang="en-US" sz="2000" dirty="0">
                               <a:latin typeface="微軟正黑體" panose="020B0604030504040204" pitchFamily="34" charset="-120"/>
                               <a:ea typeface="微軟正黑體" panose="020B0604030504040204" pitchFamily="34" charset="-120"/>
                             </a:rPr>
                             <a:t>低</a:t>
                           </a:r>
                           <a:r>
-                            <a:rPr lang="en-US" altLang="zh-TW" dirty="0">
+                            <a:rPr lang="en-US" altLang="zh-TW" sz="2000" dirty="0">
                               <a:latin typeface="微軟正黑體" panose="020B0604030504040204" pitchFamily="34" charset="-120"/>
                               <a:ea typeface="微軟正黑體" panose="020B0604030504040204" pitchFamily="34" charset="-120"/>
                             </a:rPr>
                             <a:t>)</a:t>
                           </a:r>
-                          <a:endParaRPr lang="zh-TW" altLang="en-US" dirty="0">
+                          <a:endParaRPr lang="zh-TW" altLang="en-US" sz="2000" dirty="0">
                             <a:latin typeface="微軟正黑體" panose="020B0604030504040204" pitchFamily="34" charset="-120"/>
                             <a:ea typeface="微軟正黑體" panose="020B0604030504040204" pitchFamily="34" charset="-120"/>
                           </a:endParaRPr>
@@ -5182,7 +6747,7 @@
                                 <m:sSub>
                                   <m:sSubPr>
                                     <m:ctrlPr>
-                                      <a:rPr lang="en-US" altLang="zh-TW" i="1" dirty="0" smtClean="0">
+                                      <a:rPr lang="en-US" altLang="zh-TW" sz="2000" i="1" dirty="0" smtClean="0">
                                         <a:latin typeface="Cambria Math" panose="02040503050406030204" pitchFamily="18" charset="0"/>
                                         <a:ea typeface="微軟正黑體" panose="020B0604030504040204" pitchFamily="34" charset="-120"/>
                                       </a:rPr>
@@ -5190,7 +6755,7 @@
                                   </m:sSubPr>
                                   <m:e>
                                     <m:r>
-                                      <a:rPr lang="en-US" altLang="zh-TW" b="0" i="1" dirty="0" smtClean="0">
+                                      <a:rPr lang="en-US" altLang="zh-TW" sz="2000" b="0" i="1" dirty="0" smtClean="0">
                                         <a:latin typeface="Cambria Math" panose="02040503050406030204" pitchFamily="18" charset="0"/>
                                         <a:ea typeface="微軟正黑體" panose="020B0604030504040204" pitchFamily="34" charset="-120"/>
                                       </a:rPr>
@@ -5199,7 +6764,7 @@
                                   </m:e>
                                   <m:sub>
                                     <m:r>
-                                      <a:rPr lang="en-US" altLang="zh-TW" b="0" i="1" dirty="0" smtClean="0">
+                                      <a:rPr lang="en-US" altLang="zh-TW" sz="2000" b="0" i="1" dirty="0" smtClean="0">
                                         <a:latin typeface="Cambria Math" panose="02040503050406030204" pitchFamily="18" charset="0"/>
                                         <a:ea typeface="微軟正黑體" panose="020B0604030504040204" pitchFamily="34" charset="-120"/>
                                       </a:rPr>
@@ -5208,7 +6773,7 @@
                                   </m:sub>
                                 </m:sSub>
                                 <m:r>
-                                  <a:rPr lang="en-US" altLang="zh-TW" b="0" i="1" dirty="0" smtClean="0">
+                                  <a:rPr lang="en-US" altLang="zh-TW" sz="2000" b="0" i="1" dirty="0" smtClean="0">
                                     <a:latin typeface="Cambria Math" panose="02040503050406030204" pitchFamily="18" charset="0"/>
                                     <a:ea typeface="微軟正黑體" panose="020B0604030504040204" pitchFamily="34" charset="-120"/>
                                   </a:rPr>
@@ -5217,7 +6782,7 @@
                                 <m:sSub>
                                   <m:sSubPr>
                                     <m:ctrlPr>
-                                      <a:rPr lang="en-US" altLang="zh-TW" i="1" dirty="0" smtClean="0">
+                                      <a:rPr lang="en-US" altLang="zh-TW" sz="2000" i="1" dirty="0" smtClean="0">
                                         <a:latin typeface="Cambria Math" panose="02040503050406030204" pitchFamily="18" charset="0"/>
                                         <a:ea typeface="微軟正黑體" panose="020B0604030504040204" pitchFamily="34" charset="-120"/>
                                       </a:rPr>
@@ -5225,7 +6790,7 @@
                                   </m:sSubPr>
                                   <m:e>
                                     <m:r>
-                                      <a:rPr lang="en-US" altLang="zh-TW" i="1" dirty="0" smtClean="0">
+                                      <a:rPr lang="en-US" altLang="zh-TW" sz="2000" i="1" dirty="0" smtClean="0">
                                         <a:latin typeface="Cambria Math" panose="02040503050406030204" pitchFamily="18" charset="0"/>
                                         <a:ea typeface="微軟正黑體" panose="020B0604030504040204" pitchFamily="34" charset="-120"/>
                                       </a:rPr>
@@ -5234,14 +6799,14 @@
                                   </m:e>
                                   <m:sub>
                                     <m:r>
-                                      <a:rPr lang="en-US" altLang="zh-TW" i="1" dirty="0" smtClean="0">
+                                      <a:rPr lang="en-US" altLang="zh-TW" sz="2000" i="1" dirty="0" smtClean="0">
                                         <a:latin typeface="Cambria Math" panose="02040503050406030204" pitchFamily="18" charset="0"/>
                                         <a:ea typeface="微軟正黑體" panose="020B0604030504040204" pitchFamily="34" charset="-120"/>
                                       </a:rPr>
                                       <m:t>𝐴</m:t>
                                     </m:r>
                                     <m:r>
-                                      <a:rPr lang="en-US" altLang="zh-TW" b="0" i="1" dirty="0" smtClean="0">
+                                      <a:rPr lang="en-US" altLang="zh-TW" sz="2000" b="0" i="1" dirty="0" smtClean="0">
                                         <a:latin typeface="Cambria Math" panose="02040503050406030204" pitchFamily="18" charset="0"/>
                                         <a:ea typeface="微軟正黑體" panose="020B0604030504040204" pitchFamily="34" charset="-120"/>
                                       </a:rPr>
@@ -5252,7 +6817,7 @@
                                 <m:d>
                                   <m:dPr>
                                     <m:ctrlPr>
-                                      <a:rPr lang="en-US" altLang="zh-TW" b="0" i="1" dirty="0" smtClean="0">
+                                      <a:rPr lang="en-US" altLang="zh-TW" sz="2000" b="0" i="1" dirty="0" smtClean="0">
                                         <a:latin typeface="Cambria Math" panose="02040503050406030204" pitchFamily="18" charset="0"/>
                                         <a:ea typeface="微軟正黑體" panose="020B0604030504040204" pitchFamily="34" charset="-120"/>
                                       </a:rPr>
@@ -5260,7 +6825,7 @@
                                   </m:dPr>
                                   <m:e>
                                     <m:r>
-                                      <a:rPr lang="en-US" altLang="zh-TW" b="0" i="1" dirty="0" smtClean="0">
+                                      <a:rPr lang="en-US" altLang="zh-TW" sz="2000" b="0" i="1" dirty="0" smtClean="0">
                                         <a:latin typeface="Cambria Math" panose="02040503050406030204" pitchFamily="18" charset="0"/>
                                         <a:ea typeface="微軟正黑體" panose="020B0604030504040204" pitchFamily="34" charset="-120"/>
                                       </a:rPr>
@@ -5269,7 +6834,7 @@
                                   </m:e>
                                 </m:d>
                                 <m:r>
-                                  <a:rPr lang="en-US" altLang="zh-TW" b="0" i="1" dirty="0" smtClean="0">
+                                  <a:rPr lang="en-US" altLang="zh-TW" sz="2000" b="0" i="1" dirty="0" smtClean="0">
                                     <a:latin typeface="Cambria Math" panose="02040503050406030204" pitchFamily="18" charset="0"/>
                                     <a:ea typeface="微軟正黑體" panose="020B0604030504040204" pitchFamily="34" charset="-120"/>
                                   </a:rPr>
@@ -5278,7 +6843,7 @@
                                 <m:sSub>
                                   <m:sSubPr>
                                     <m:ctrlPr>
-                                      <a:rPr lang="en-US" altLang="zh-TW" i="1" dirty="0" smtClean="0">
+                                      <a:rPr lang="en-US" altLang="zh-TW" sz="2000" i="1" dirty="0" smtClean="0">
                                         <a:latin typeface="Cambria Math" panose="02040503050406030204" pitchFamily="18" charset="0"/>
                                         <a:ea typeface="微軟正黑體" panose="020B0604030504040204" pitchFamily="34" charset="-120"/>
                                       </a:rPr>
@@ -5286,7 +6851,7 @@
                                   </m:sSubPr>
                                   <m:e>
                                     <m:r>
-                                      <a:rPr lang="en-US" altLang="zh-TW" i="1" dirty="0" smtClean="0">
+                                      <a:rPr lang="en-US" altLang="zh-TW" sz="2000" i="1" dirty="0" smtClean="0">
                                         <a:latin typeface="Cambria Math" panose="02040503050406030204" pitchFamily="18" charset="0"/>
                                         <a:ea typeface="微軟正黑體" panose="020B0604030504040204" pitchFamily="34" charset="-120"/>
                                       </a:rPr>
@@ -5295,14 +6860,14 @@
                                   </m:e>
                                   <m:sub>
                                     <m:r>
-                                      <a:rPr lang="en-US" altLang="zh-TW" b="0" i="1" dirty="0" smtClean="0">
+                                      <a:rPr lang="en-US" altLang="zh-TW" sz="2000" b="0" i="1" dirty="0" smtClean="0">
                                         <a:latin typeface="Cambria Math" panose="02040503050406030204" pitchFamily="18" charset="0"/>
                                         <a:ea typeface="微軟正黑體" panose="020B0604030504040204" pitchFamily="34" charset="-120"/>
                                       </a:rPr>
                                       <m:t>𝐵</m:t>
                                     </m:r>
                                     <m:r>
-                                      <a:rPr lang="en-US" altLang="zh-TW" b="0" i="1" dirty="0" smtClean="0">
+                                      <a:rPr lang="en-US" altLang="zh-TW" sz="2000" b="0" i="1" dirty="0" smtClean="0">
                                         <a:latin typeface="Cambria Math" panose="02040503050406030204" pitchFamily="18" charset="0"/>
                                         <a:ea typeface="微軟正黑體" panose="020B0604030504040204" pitchFamily="34" charset="-120"/>
                                       </a:rPr>
@@ -5311,21 +6876,21 @@
                                   </m:sub>
                                 </m:sSub>
                                 <m:r>
-                                  <a:rPr lang="en-US" altLang="zh-TW" b="0" i="1" dirty="0" smtClean="0">
+                                  <a:rPr lang="en-US" altLang="zh-TW" sz="2000" b="0" i="1" dirty="0" smtClean="0">
                                     <a:latin typeface="Cambria Math" panose="02040503050406030204" pitchFamily="18" charset="0"/>
                                     <a:ea typeface="微軟正黑體" panose="020B0604030504040204" pitchFamily="34" charset="-120"/>
                                   </a:rPr>
                                   <m:t>(</m:t>
                                 </m:r>
                                 <m:r>
-                                  <a:rPr lang="en-US" altLang="zh-TW" b="0" i="1" dirty="0" smtClean="0">
+                                  <a:rPr lang="en-US" altLang="zh-TW" sz="2000" b="0" i="1" dirty="0" smtClean="0">
                                     <a:latin typeface="Cambria Math" panose="02040503050406030204" pitchFamily="18" charset="0"/>
                                     <a:ea typeface="微軟正黑體" panose="020B0604030504040204" pitchFamily="34" charset="-120"/>
                                   </a:rPr>
                                   <m:t>𝑦</m:t>
                                 </m:r>
                                 <m:r>
-                                  <a:rPr lang="en-US" altLang="zh-TW" b="0" i="1" dirty="0" smtClean="0">
+                                  <a:rPr lang="en-US" altLang="zh-TW" sz="2000" b="0" i="1" dirty="0" smtClean="0">
                                     <a:latin typeface="Cambria Math" panose="02040503050406030204" pitchFamily="18" charset="0"/>
                                     <a:ea typeface="微軟正黑體" panose="020B0604030504040204" pitchFamily="34" charset="-120"/>
                                   </a:rPr>
@@ -5334,7 +6899,7 @@
                               </m:oMath>
                             </m:oMathPara>
                           </a14:m>
-                          <a:endParaRPr lang="zh-TW" altLang="en-US" dirty="0">
+                          <a:endParaRPr lang="zh-TW" altLang="en-US" sz="2000" dirty="0">
                             <a:latin typeface="微軟正黑體" panose="020B0604030504040204" pitchFamily="34" charset="-120"/>
                             <a:ea typeface="微軟正黑體" panose="020B0604030504040204" pitchFamily="34" charset="-120"/>
                           </a:endParaRPr>
@@ -5372,13 +6937,13 @@
                             <a:defRPr/>
                           </a:pPr>
                           <a:r>
-                            <a:rPr lang="en-US" altLang="zh-TW" dirty="0">
+                            <a:rPr lang="en-US" altLang="zh-TW" sz="2000" dirty="0">
                               <a:latin typeface="微軟正黑體" panose="020B0604030504040204" pitchFamily="34" charset="-120"/>
                               <a:ea typeface="微軟正黑體" panose="020B0604030504040204" pitchFamily="34" charset="-120"/>
                             </a:rPr>
                             <a:t>Rule2</a:t>
                           </a:r>
-                          <a:endParaRPr lang="zh-TW" altLang="en-US" dirty="0">
+                          <a:endParaRPr lang="zh-TW" altLang="en-US" sz="2000" dirty="0">
                             <a:latin typeface="微軟正黑體" panose="020B0604030504040204" pitchFamily="34" charset="-120"/>
                             <a:ea typeface="微軟正黑體" panose="020B0604030504040204" pitchFamily="34" charset="-120"/>
                           </a:endParaRPr>
@@ -5393,90 +6958,90 @@
                         <a:p>
                           <a:pPr algn="ctr"/>
                           <a:r>
-                            <a:rPr lang="zh-TW" altLang="en-US" dirty="0">
+                            <a:rPr lang="zh-TW" altLang="en-US" sz="2000" dirty="0">
                               <a:latin typeface="微軟正黑體" panose="020B0604030504040204" pitchFamily="34" charset="-120"/>
                               <a:ea typeface="微軟正黑體" panose="020B0604030504040204" pitchFamily="34" charset="-120"/>
                             </a:rPr>
                             <a:t>如果 𝑥</a:t>
                           </a:r>
                           <a:r>
-                            <a:rPr lang="en-US" altLang="zh-TW" dirty="0">
+                            <a:rPr lang="en-US" altLang="zh-TW" sz="2000" dirty="0">
                               <a:latin typeface="微軟正黑體" panose="020B0604030504040204" pitchFamily="34" charset="-120"/>
                               <a:ea typeface="微軟正黑體" panose="020B0604030504040204" pitchFamily="34" charset="-120"/>
                             </a:rPr>
                             <a:t> </a:t>
                           </a:r>
                           <a:r>
-                            <a:rPr lang="zh-TW" altLang="en-US" dirty="0">
+                            <a:rPr lang="zh-TW" altLang="en-US" sz="2000" dirty="0">
                               <a:latin typeface="微軟正黑體" panose="020B0604030504040204" pitchFamily="34" charset="-120"/>
                               <a:ea typeface="微軟正黑體" panose="020B0604030504040204" pitchFamily="34" charset="-120"/>
                             </a:rPr>
                             <a:t>是 </a:t>
                           </a:r>
                           <a:r>
-                            <a:rPr lang="en-US" altLang="zh-TW" dirty="0">
+                            <a:rPr lang="en-US" altLang="zh-TW" sz="2000" dirty="0">
                               <a:latin typeface="微軟正黑體" panose="020B0604030504040204" pitchFamily="34" charset="-120"/>
                               <a:ea typeface="微軟正黑體" panose="020B0604030504040204" pitchFamily="34" charset="-120"/>
                             </a:rPr>
                             <a:t>A1(</a:t>
                           </a:r>
                           <a:r>
-                            <a:rPr lang="zh-TW" altLang="en-US" dirty="0">
+                            <a:rPr lang="zh-TW" altLang="en-US" sz="2000" dirty="0">
                               <a:latin typeface="微軟正黑體" panose="020B0604030504040204" pitchFamily="34" charset="-120"/>
                               <a:ea typeface="微軟正黑體" panose="020B0604030504040204" pitchFamily="34" charset="-120"/>
                             </a:rPr>
                             <a:t>小</a:t>
                           </a:r>
                           <a:r>
-                            <a:rPr lang="en-US" altLang="zh-TW" dirty="0">
+                            <a:rPr lang="en-US" altLang="zh-TW" sz="2000" dirty="0">
                               <a:latin typeface="微軟正黑體" panose="020B0604030504040204" pitchFamily="34" charset="-120"/>
                               <a:ea typeface="微軟正黑體" panose="020B0604030504040204" pitchFamily="34" charset="-120"/>
                             </a:rPr>
                             <a:t>) </a:t>
                           </a:r>
                           <a:r>
-                            <a:rPr lang="zh-TW" altLang="en-US" dirty="0">
+                            <a:rPr lang="zh-TW" altLang="en-US" sz="2000" dirty="0">
                               <a:latin typeface="微軟正黑體" panose="020B0604030504040204" pitchFamily="34" charset="-120"/>
                               <a:ea typeface="微軟正黑體" panose="020B0604030504040204" pitchFamily="34" charset="-120"/>
                             </a:rPr>
                             <a:t>且 𝑦</a:t>
                           </a:r>
                           <a:r>
-                            <a:rPr lang="en-US" altLang="zh-TW" dirty="0">
+                            <a:rPr lang="en-US" altLang="zh-TW" sz="2000" dirty="0">
                               <a:latin typeface="微軟正黑體" panose="020B0604030504040204" pitchFamily="34" charset="-120"/>
                               <a:ea typeface="微軟正黑體" panose="020B0604030504040204" pitchFamily="34" charset="-120"/>
                             </a:rPr>
                             <a:t> </a:t>
                           </a:r>
                           <a:r>
-                            <a:rPr lang="zh-TW" altLang="en-US" dirty="0">
+                            <a:rPr lang="zh-TW" altLang="en-US" sz="2000" dirty="0">
                               <a:latin typeface="微軟正黑體" panose="020B0604030504040204" pitchFamily="34" charset="-120"/>
                               <a:ea typeface="微軟正黑體" panose="020B0604030504040204" pitchFamily="34" charset="-120"/>
                             </a:rPr>
                             <a:t>是</a:t>
                           </a:r>
                           <a:r>
-                            <a:rPr lang="en-US" altLang="zh-TW" dirty="0">
+                            <a:rPr lang="en-US" altLang="zh-TW" sz="2000" dirty="0">
                               <a:latin typeface="微軟正黑體" panose="020B0604030504040204" pitchFamily="34" charset="-120"/>
                               <a:ea typeface="微軟正黑體" panose="020B0604030504040204" pitchFamily="34" charset="-120"/>
                             </a:rPr>
                             <a:t>B2(</a:t>
                           </a:r>
                           <a:r>
-                            <a:rPr lang="zh-TW" altLang="en-US" dirty="0">
+                            <a:rPr lang="zh-TW" altLang="en-US" sz="2000" dirty="0">
                               <a:latin typeface="微軟正黑體" panose="020B0604030504040204" pitchFamily="34" charset="-120"/>
                               <a:ea typeface="微軟正黑體" panose="020B0604030504040204" pitchFamily="34" charset="-120"/>
                             </a:rPr>
                             <a:t>中</a:t>
                           </a:r>
                           <a:r>
-                            <a:rPr lang="en-US" altLang="zh-TW" dirty="0">
+                            <a:rPr lang="en-US" altLang="zh-TW" sz="2000" dirty="0">
                               <a:latin typeface="微軟正黑體" panose="020B0604030504040204" pitchFamily="34" charset="-120"/>
                               <a:ea typeface="微軟正黑體" panose="020B0604030504040204" pitchFamily="34" charset="-120"/>
                             </a:rPr>
                             <a:t>)</a:t>
                           </a:r>
-                          <a:endParaRPr lang="zh-TW" altLang="en-US" dirty="0">
+                          <a:endParaRPr lang="zh-TW" altLang="en-US" sz="2000" dirty="0">
                             <a:latin typeface="微軟正黑體" panose="020B0604030504040204" pitchFamily="34" charset="-120"/>
                             <a:ea typeface="微軟正黑體" panose="020B0604030504040204" pitchFamily="34" charset="-120"/>
                           </a:endParaRPr>
@@ -5499,7 +7064,7 @@
                                 <m:sSub>
                                   <m:sSubPr>
                                     <m:ctrlPr>
-                                      <a:rPr lang="en-US" altLang="zh-TW" i="1" dirty="0" smtClean="0">
+                                      <a:rPr lang="en-US" altLang="zh-TW" sz="2000" i="1" dirty="0" smtClean="0">
                                         <a:latin typeface="Cambria Math" panose="02040503050406030204" pitchFamily="18" charset="0"/>
                                         <a:ea typeface="微軟正黑體" panose="020B0604030504040204" pitchFamily="34" charset="-120"/>
                                       </a:rPr>
@@ -5507,7 +7072,7 @@
                                   </m:sSubPr>
                                   <m:e>
                                     <m:r>
-                                      <a:rPr lang="en-US" altLang="zh-TW" b="0" i="1" dirty="0" smtClean="0">
+                                      <a:rPr lang="en-US" altLang="zh-TW" sz="2000" b="0" i="1" dirty="0" smtClean="0">
                                         <a:latin typeface="Cambria Math" panose="02040503050406030204" pitchFamily="18" charset="0"/>
                                         <a:ea typeface="微軟正黑體" panose="020B0604030504040204" pitchFamily="34" charset="-120"/>
                                       </a:rPr>
@@ -5516,7 +7081,7 @@
                                   </m:e>
                                   <m:sub>
                                     <m:r>
-                                      <a:rPr lang="en-US" altLang="zh-TW" b="0" i="1" dirty="0" smtClean="0">
+                                      <a:rPr lang="en-US" altLang="zh-TW" sz="2000" b="0" i="1" dirty="0" smtClean="0">
                                         <a:latin typeface="Cambria Math" panose="02040503050406030204" pitchFamily="18" charset="0"/>
                                         <a:ea typeface="微軟正黑體" panose="020B0604030504040204" pitchFamily="34" charset="-120"/>
                                       </a:rPr>
@@ -5525,7 +7090,7 @@
                                   </m:sub>
                                 </m:sSub>
                                 <m:r>
-                                  <a:rPr lang="en-US" altLang="zh-TW" b="0" i="1" dirty="0" smtClean="0">
+                                  <a:rPr lang="en-US" altLang="zh-TW" sz="2000" b="0" i="1" dirty="0" smtClean="0">
                                     <a:latin typeface="Cambria Math" panose="02040503050406030204" pitchFamily="18" charset="0"/>
                                     <a:ea typeface="微軟正黑體" panose="020B0604030504040204" pitchFamily="34" charset="-120"/>
                                   </a:rPr>
@@ -5534,7 +7099,7 @@
                                 <m:sSub>
                                   <m:sSubPr>
                                     <m:ctrlPr>
-                                      <a:rPr lang="en-US" altLang="zh-TW" i="1" dirty="0" smtClean="0">
+                                      <a:rPr lang="en-US" altLang="zh-TW" sz="2000" i="1" dirty="0" smtClean="0">
                                         <a:latin typeface="Cambria Math" panose="02040503050406030204" pitchFamily="18" charset="0"/>
                                         <a:ea typeface="微軟正黑體" panose="020B0604030504040204" pitchFamily="34" charset="-120"/>
                                       </a:rPr>
@@ -5542,7 +7107,7 @@
                                   </m:sSubPr>
                                   <m:e>
                                     <m:r>
-                                      <a:rPr lang="en-US" altLang="zh-TW" i="1" dirty="0" smtClean="0">
+                                      <a:rPr lang="en-US" altLang="zh-TW" sz="2000" i="1" dirty="0" smtClean="0">
                                         <a:latin typeface="Cambria Math" panose="02040503050406030204" pitchFamily="18" charset="0"/>
                                         <a:ea typeface="微軟正黑體" panose="020B0604030504040204" pitchFamily="34" charset="-120"/>
                                       </a:rPr>
@@ -5551,14 +7116,14 @@
                                   </m:e>
                                   <m:sub>
                                     <m:r>
-                                      <a:rPr lang="en-US" altLang="zh-TW" i="1" dirty="0" smtClean="0">
+                                      <a:rPr lang="en-US" altLang="zh-TW" sz="2000" i="1" dirty="0" smtClean="0">
                                         <a:latin typeface="Cambria Math" panose="02040503050406030204" pitchFamily="18" charset="0"/>
                                         <a:ea typeface="微軟正黑體" panose="020B0604030504040204" pitchFamily="34" charset="-120"/>
                                       </a:rPr>
                                       <m:t>𝐴</m:t>
                                     </m:r>
                                     <m:r>
-                                      <a:rPr lang="en-US" altLang="zh-TW" b="0" i="1" dirty="0" smtClean="0">
+                                      <a:rPr lang="en-US" altLang="zh-TW" sz="2000" b="0" i="1" dirty="0" smtClean="0">
                                         <a:latin typeface="Cambria Math" panose="02040503050406030204" pitchFamily="18" charset="0"/>
                                         <a:ea typeface="微軟正黑體" panose="020B0604030504040204" pitchFamily="34" charset="-120"/>
                                       </a:rPr>
@@ -5569,7 +7134,7 @@
                                 <m:d>
                                   <m:dPr>
                                     <m:ctrlPr>
-                                      <a:rPr lang="en-US" altLang="zh-TW" b="0" i="1" dirty="0" smtClean="0">
+                                      <a:rPr lang="en-US" altLang="zh-TW" sz="2000" b="0" i="1" dirty="0" smtClean="0">
                                         <a:latin typeface="Cambria Math" panose="02040503050406030204" pitchFamily="18" charset="0"/>
                                         <a:ea typeface="微軟正黑體" panose="020B0604030504040204" pitchFamily="34" charset="-120"/>
                                       </a:rPr>
@@ -5577,7 +7142,7 @@
                                   </m:dPr>
                                   <m:e>
                                     <m:r>
-                                      <a:rPr lang="en-US" altLang="zh-TW" b="0" i="1" dirty="0" smtClean="0">
+                                      <a:rPr lang="en-US" altLang="zh-TW" sz="2000" b="0" i="1" dirty="0" smtClean="0">
                                         <a:latin typeface="Cambria Math" panose="02040503050406030204" pitchFamily="18" charset="0"/>
                                         <a:ea typeface="微軟正黑體" panose="020B0604030504040204" pitchFamily="34" charset="-120"/>
                                       </a:rPr>
@@ -5586,7 +7151,7 @@
                                   </m:e>
                                 </m:d>
                                 <m:r>
-                                  <a:rPr lang="en-US" altLang="zh-TW" b="0" i="1" dirty="0" smtClean="0">
+                                  <a:rPr lang="en-US" altLang="zh-TW" sz="2000" b="0" i="1" dirty="0" smtClean="0">
                                     <a:latin typeface="Cambria Math" panose="02040503050406030204" pitchFamily="18" charset="0"/>
                                     <a:ea typeface="微軟正黑體" panose="020B0604030504040204" pitchFamily="34" charset="-120"/>
                                   </a:rPr>
@@ -5595,7 +7160,7 @@
                                 <m:sSub>
                                   <m:sSubPr>
                                     <m:ctrlPr>
-                                      <a:rPr lang="en-US" altLang="zh-TW" i="1" dirty="0" smtClean="0">
+                                      <a:rPr lang="en-US" altLang="zh-TW" sz="2000" i="1" dirty="0" smtClean="0">
                                         <a:latin typeface="Cambria Math" panose="02040503050406030204" pitchFamily="18" charset="0"/>
                                         <a:ea typeface="微軟正黑體" panose="020B0604030504040204" pitchFamily="34" charset="-120"/>
                                       </a:rPr>
@@ -5603,7 +7168,7 @@
                                   </m:sSubPr>
                                   <m:e>
                                     <m:r>
-                                      <a:rPr lang="en-US" altLang="zh-TW" i="1" dirty="0" smtClean="0">
+                                      <a:rPr lang="en-US" altLang="zh-TW" sz="2000" i="1" dirty="0" smtClean="0">
                                         <a:latin typeface="Cambria Math" panose="02040503050406030204" pitchFamily="18" charset="0"/>
                                         <a:ea typeface="微軟正黑體" panose="020B0604030504040204" pitchFamily="34" charset="-120"/>
                                       </a:rPr>
@@ -5612,14 +7177,14 @@
                                   </m:e>
                                   <m:sub>
                                     <m:r>
-                                      <a:rPr lang="en-US" altLang="zh-TW" b="0" i="1" dirty="0" smtClean="0">
+                                      <a:rPr lang="en-US" altLang="zh-TW" sz="2000" b="0" i="1" dirty="0" smtClean="0">
                                         <a:latin typeface="Cambria Math" panose="02040503050406030204" pitchFamily="18" charset="0"/>
                                         <a:ea typeface="微軟正黑體" panose="020B0604030504040204" pitchFamily="34" charset="-120"/>
                                       </a:rPr>
                                       <m:t>𝐵</m:t>
                                     </m:r>
                                     <m:r>
-                                      <a:rPr lang="en-US" altLang="zh-TW" b="0" i="1" dirty="0" smtClean="0">
+                                      <a:rPr lang="en-US" altLang="zh-TW" sz="2000" b="0" i="1" dirty="0" smtClean="0">
                                         <a:latin typeface="Cambria Math" panose="02040503050406030204" pitchFamily="18" charset="0"/>
                                         <a:ea typeface="微軟正黑體" panose="020B0604030504040204" pitchFamily="34" charset="-120"/>
                                       </a:rPr>
@@ -5628,21 +7193,21 @@
                                   </m:sub>
                                 </m:sSub>
                                 <m:r>
-                                  <a:rPr lang="en-US" altLang="zh-TW" b="0" i="1" dirty="0" smtClean="0">
+                                  <a:rPr lang="en-US" altLang="zh-TW" sz="2000" b="0" i="1" dirty="0" smtClean="0">
                                     <a:latin typeface="Cambria Math" panose="02040503050406030204" pitchFamily="18" charset="0"/>
                                     <a:ea typeface="微軟正黑體" panose="020B0604030504040204" pitchFamily="34" charset="-120"/>
                                   </a:rPr>
                                   <m:t>(</m:t>
                                 </m:r>
                                 <m:r>
-                                  <a:rPr lang="en-US" altLang="zh-TW" b="0" i="1" dirty="0" smtClean="0">
+                                  <a:rPr lang="en-US" altLang="zh-TW" sz="2000" b="0" i="1" dirty="0" smtClean="0">
                                     <a:latin typeface="Cambria Math" panose="02040503050406030204" pitchFamily="18" charset="0"/>
                                     <a:ea typeface="微軟正黑體" panose="020B0604030504040204" pitchFamily="34" charset="-120"/>
                                   </a:rPr>
                                   <m:t>𝑦</m:t>
                                 </m:r>
                                 <m:r>
-                                  <a:rPr lang="en-US" altLang="zh-TW" b="0" i="1" dirty="0" smtClean="0">
+                                  <a:rPr lang="en-US" altLang="zh-TW" sz="2000" b="0" i="1" dirty="0" smtClean="0">
                                     <a:latin typeface="Cambria Math" panose="02040503050406030204" pitchFamily="18" charset="0"/>
                                     <a:ea typeface="微軟正黑體" panose="020B0604030504040204" pitchFamily="34" charset="-120"/>
                                   </a:rPr>
@@ -5651,7 +7216,7 @@
                               </m:oMath>
                             </m:oMathPara>
                           </a14:m>
-                          <a:endParaRPr lang="zh-TW" altLang="en-US" dirty="0">
+                          <a:endParaRPr lang="zh-TW" altLang="en-US" sz="2000" dirty="0">
                             <a:latin typeface="微軟正黑體" panose="020B0604030504040204" pitchFamily="34" charset="-120"/>
                             <a:ea typeface="微軟正黑體" panose="020B0604030504040204" pitchFamily="34" charset="-120"/>
                           </a:endParaRPr>
@@ -5689,13 +7254,13 @@
                             <a:defRPr/>
                           </a:pPr>
                           <a:r>
-                            <a:rPr lang="en-US" altLang="zh-TW" dirty="0">
+                            <a:rPr lang="en-US" altLang="zh-TW" sz="2000" dirty="0">
                               <a:latin typeface="微軟正黑體" panose="020B0604030504040204" pitchFamily="34" charset="-120"/>
                               <a:ea typeface="微軟正黑體" panose="020B0604030504040204" pitchFamily="34" charset="-120"/>
                             </a:rPr>
                             <a:t>Rule3</a:t>
                           </a:r>
-                          <a:endParaRPr lang="zh-TW" altLang="en-US" dirty="0">
+                          <a:endParaRPr lang="zh-TW" altLang="en-US" sz="2000" dirty="0">
                             <a:latin typeface="微軟正黑體" panose="020B0604030504040204" pitchFamily="34" charset="-120"/>
                             <a:ea typeface="微軟正黑體" panose="020B0604030504040204" pitchFamily="34" charset="-120"/>
                           </a:endParaRPr>
@@ -5710,90 +7275,90 @@
                         <a:p>
                           <a:pPr algn="ctr"/>
                           <a:r>
-                            <a:rPr lang="zh-TW" altLang="en-US" dirty="0">
+                            <a:rPr lang="zh-TW" altLang="en-US" sz="2000" dirty="0">
                               <a:latin typeface="微軟正黑體" panose="020B0604030504040204" pitchFamily="34" charset="-120"/>
                               <a:ea typeface="微軟正黑體" panose="020B0604030504040204" pitchFamily="34" charset="-120"/>
                             </a:rPr>
                             <a:t>如果 𝑥</a:t>
                           </a:r>
                           <a:r>
-                            <a:rPr lang="en-US" altLang="zh-TW" dirty="0">
+                            <a:rPr lang="en-US" altLang="zh-TW" sz="2000" dirty="0">
                               <a:latin typeface="微軟正黑體" panose="020B0604030504040204" pitchFamily="34" charset="-120"/>
                               <a:ea typeface="微軟正黑體" panose="020B0604030504040204" pitchFamily="34" charset="-120"/>
                             </a:rPr>
                             <a:t> </a:t>
                           </a:r>
                           <a:r>
-                            <a:rPr lang="zh-TW" altLang="en-US" dirty="0">
+                            <a:rPr lang="zh-TW" altLang="en-US" sz="2000" dirty="0">
                               <a:latin typeface="微軟正黑體" panose="020B0604030504040204" pitchFamily="34" charset="-120"/>
                               <a:ea typeface="微軟正黑體" panose="020B0604030504040204" pitchFamily="34" charset="-120"/>
                             </a:rPr>
                             <a:t>是 </a:t>
                           </a:r>
                           <a:r>
-                            <a:rPr lang="en-US" altLang="zh-TW" dirty="0">
+                            <a:rPr lang="en-US" altLang="zh-TW" sz="2000" dirty="0">
                               <a:latin typeface="微軟正黑體" panose="020B0604030504040204" pitchFamily="34" charset="-120"/>
                               <a:ea typeface="微軟正黑體" panose="020B0604030504040204" pitchFamily="34" charset="-120"/>
                             </a:rPr>
                             <a:t>A1(</a:t>
                           </a:r>
                           <a:r>
-                            <a:rPr lang="zh-TW" altLang="en-US" dirty="0">
+                            <a:rPr lang="zh-TW" altLang="en-US" sz="2000" dirty="0">
                               <a:latin typeface="微軟正黑體" panose="020B0604030504040204" pitchFamily="34" charset="-120"/>
                               <a:ea typeface="微軟正黑體" panose="020B0604030504040204" pitchFamily="34" charset="-120"/>
                             </a:rPr>
                             <a:t>小</a:t>
                           </a:r>
                           <a:r>
-                            <a:rPr lang="en-US" altLang="zh-TW" dirty="0">
+                            <a:rPr lang="en-US" altLang="zh-TW" sz="2000" dirty="0">
                               <a:latin typeface="微軟正黑體" panose="020B0604030504040204" pitchFamily="34" charset="-120"/>
                               <a:ea typeface="微軟正黑體" panose="020B0604030504040204" pitchFamily="34" charset="-120"/>
                             </a:rPr>
                             <a:t>) </a:t>
                           </a:r>
                           <a:r>
-                            <a:rPr lang="zh-TW" altLang="en-US" dirty="0">
+                            <a:rPr lang="zh-TW" altLang="en-US" sz="2000" dirty="0">
                               <a:latin typeface="微軟正黑體" panose="020B0604030504040204" pitchFamily="34" charset="-120"/>
                               <a:ea typeface="微軟正黑體" panose="020B0604030504040204" pitchFamily="34" charset="-120"/>
                             </a:rPr>
                             <a:t>且 𝑦</a:t>
                           </a:r>
                           <a:r>
-                            <a:rPr lang="en-US" altLang="zh-TW" dirty="0">
+                            <a:rPr lang="en-US" altLang="zh-TW" sz="2000" dirty="0">
                               <a:latin typeface="微軟正黑體" panose="020B0604030504040204" pitchFamily="34" charset="-120"/>
                               <a:ea typeface="微軟正黑體" panose="020B0604030504040204" pitchFamily="34" charset="-120"/>
                             </a:rPr>
                             <a:t> </a:t>
                           </a:r>
                           <a:r>
-                            <a:rPr lang="zh-TW" altLang="en-US" dirty="0">
+                            <a:rPr lang="zh-TW" altLang="en-US" sz="2000" dirty="0">
                               <a:latin typeface="微軟正黑體" panose="020B0604030504040204" pitchFamily="34" charset="-120"/>
                               <a:ea typeface="微軟正黑體" panose="020B0604030504040204" pitchFamily="34" charset="-120"/>
                             </a:rPr>
                             <a:t>是</a:t>
                           </a:r>
                           <a:r>
-                            <a:rPr lang="en-US" altLang="zh-TW" dirty="0">
+                            <a:rPr lang="en-US" altLang="zh-TW" sz="2000" dirty="0">
                               <a:latin typeface="微軟正黑體" panose="020B0604030504040204" pitchFamily="34" charset="-120"/>
                               <a:ea typeface="微軟正黑體" panose="020B0604030504040204" pitchFamily="34" charset="-120"/>
                             </a:rPr>
                             <a:t>B3(</a:t>
                           </a:r>
                           <a:r>
-                            <a:rPr lang="zh-TW" altLang="en-US" dirty="0">
+                            <a:rPr lang="zh-TW" altLang="en-US" sz="2000" dirty="0">
                               <a:latin typeface="微軟正黑體" panose="020B0604030504040204" pitchFamily="34" charset="-120"/>
                               <a:ea typeface="微軟正黑體" panose="020B0604030504040204" pitchFamily="34" charset="-120"/>
                             </a:rPr>
                             <a:t>高</a:t>
                           </a:r>
                           <a:r>
-                            <a:rPr lang="en-US" altLang="zh-TW" dirty="0">
+                            <a:rPr lang="en-US" altLang="zh-TW" sz="2000" dirty="0">
                               <a:latin typeface="微軟正黑體" panose="020B0604030504040204" pitchFamily="34" charset="-120"/>
                               <a:ea typeface="微軟正黑體" panose="020B0604030504040204" pitchFamily="34" charset="-120"/>
                             </a:rPr>
                             <a:t>)</a:t>
                           </a:r>
-                          <a:endParaRPr lang="zh-TW" altLang="en-US" dirty="0">
+                          <a:endParaRPr lang="zh-TW" altLang="en-US" sz="2000" dirty="0">
                             <a:latin typeface="微軟正黑體" panose="020B0604030504040204" pitchFamily="34" charset="-120"/>
                             <a:ea typeface="微軟正黑體" panose="020B0604030504040204" pitchFamily="34" charset="-120"/>
                           </a:endParaRPr>
@@ -5816,7 +7381,7 @@
                                 <m:sSub>
                                   <m:sSubPr>
                                     <m:ctrlPr>
-                                      <a:rPr lang="en-US" altLang="zh-TW" i="1" dirty="0" smtClean="0">
+                                      <a:rPr lang="en-US" altLang="zh-TW" sz="2000" i="1" dirty="0" smtClean="0">
                                         <a:latin typeface="Cambria Math" panose="02040503050406030204" pitchFamily="18" charset="0"/>
                                         <a:ea typeface="微軟正黑體" panose="020B0604030504040204" pitchFamily="34" charset="-120"/>
                                       </a:rPr>
@@ -5824,7 +7389,7 @@
                                   </m:sSubPr>
                                   <m:e>
                                     <m:r>
-                                      <a:rPr lang="en-US" altLang="zh-TW" b="0" i="1" dirty="0" smtClean="0">
+                                      <a:rPr lang="en-US" altLang="zh-TW" sz="2000" b="0" i="1" dirty="0" smtClean="0">
                                         <a:latin typeface="Cambria Math" panose="02040503050406030204" pitchFamily="18" charset="0"/>
                                         <a:ea typeface="微軟正黑體" panose="020B0604030504040204" pitchFamily="34" charset="-120"/>
                                       </a:rPr>
@@ -5833,7 +7398,7 @@
                                   </m:e>
                                   <m:sub>
                                     <m:r>
-                                      <a:rPr lang="en-US" altLang="zh-TW" b="0" i="1" dirty="0" smtClean="0">
+                                      <a:rPr lang="en-US" altLang="zh-TW" sz="2000" b="0" i="1" dirty="0" smtClean="0">
                                         <a:latin typeface="Cambria Math" panose="02040503050406030204" pitchFamily="18" charset="0"/>
                                         <a:ea typeface="微軟正黑體" panose="020B0604030504040204" pitchFamily="34" charset="-120"/>
                                       </a:rPr>
@@ -5842,7 +7407,7 @@
                                   </m:sub>
                                 </m:sSub>
                                 <m:r>
-                                  <a:rPr lang="en-US" altLang="zh-TW" b="0" i="1" dirty="0" smtClean="0">
+                                  <a:rPr lang="en-US" altLang="zh-TW" sz="2000" b="0" i="1" dirty="0" smtClean="0">
                                     <a:latin typeface="Cambria Math" panose="02040503050406030204" pitchFamily="18" charset="0"/>
                                     <a:ea typeface="微軟正黑體" panose="020B0604030504040204" pitchFamily="34" charset="-120"/>
                                   </a:rPr>
@@ -5851,7 +7416,7 @@
                                 <m:sSub>
                                   <m:sSubPr>
                                     <m:ctrlPr>
-                                      <a:rPr lang="en-US" altLang="zh-TW" i="1" dirty="0" smtClean="0">
+                                      <a:rPr lang="en-US" altLang="zh-TW" sz="2000" i="1" dirty="0" smtClean="0">
                                         <a:latin typeface="Cambria Math" panose="02040503050406030204" pitchFamily="18" charset="0"/>
                                         <a:ea typeface="微軟正黑體" panose="020B0604030504040204" pitchFamily="34" charset="-120"/>
                                       </a:rPr>
@@ -5859,7 +7424,7 @@
                                   </m:sSubPr>
                                   <m:e>
                                     <m:r>
-                                      <a:rPr lang="en-US" altLang="zh-TW" i="1" dirty="0" smtClean="0">
+                                      <a:rPr lang="en-US" altLang="zh-TW" sz="2000" i="1" dirty="0" smtClean="0">
                                         <a:latin typeface="Cambria Math" panose="02040503050406030204" pitchFamily="18" charset="0"/>
                                         <a:ea typeface="微軟正黑體" panose="020B0604030504040204" pitchFamily="34" charset="-120"/>
                                       </a:rPr>
@@ -5868,14 +7433,14 @@
                                   </m:e>
                                   <m:sub>
                                     <m:r>
-                                      <a:rPr lang="en-US" altLang="zh-TW" i="1" dirty="0" smtClean="0">
+                                      <a:rPr lang="en-US" altLang="zh-TW" sz="2000" i="1" dirty="0" smtClean="0">
                                         <a:latin typeface="Cambria Math" panose="02040503050406030204" pitchFamily="18" charset="0"/>
                                         <a:ea typeface="微軟正黑體" panose="020B0604030504040204" pitchFamily="34" charset="-120"/>
                                       </a:rPr>
                                       <m:t>𝐴</m:t>
                                     </m:r>
                                     <m:r>
-                                      <a:rPr lang="en-US" altLang="zh-TW" b="0" i="1" dirty="0" smtClean="0">
+                                      <a:rPr lang="en-US" altLang="zh-TW" sz="2000" b="0" i="1" dirty="0" smtClean="0">
                                         <a:latin typeface="Cambria Math" panose="02040503050406030204" pitchFamily="18" charset="0"/>
                                         <a:ea typeface="微軟正黑體" panose="020B0604030504040204" pitchFamily="34" charset="-120"/>
                                       </a:rPr>
@@ -5886,7 +7451,7 @@
                                 <m:d>
                                   <m:dPr>
                                     <m:ctrlPr>
-                                      <a:rPr lang="en-US" altLang="zh-TW" b="0" i="1" dirty="0" smtClean="0">
+                                      <a:rPr lang="en-US" altLang="zh-TW" sz="2000" b="0" i="1" dirty="0" smtClean="0">
                                         <a:latin typeface="Cambria Math" panose="02040503050406030204" pitchFamily="18" charset="0"/>
                                         <a:ea typeface="微軟正黑體" panose="020B0604030504040204" pitchFamily="34" charset="-120"/>
                                       </a:rPr>
@@ -5894,7 +7459,7 @@
                                   </m:dPr>
                                   <m:e>
                                     <m:r>
-                                      <a:rPr lang="en-US" altLang="zh-TW" b="0" i="1" dirty="0" smtClean="0">
+                                      <a:rPr lang="en-US" altLang="zh-TW" sz="2000" b="0" i="1" dirty="0" smtClean="0">
                                         <a:latin typeface="Cambria Math" panose="02040503050406030204" pitchFamily="18" charset="0"/>
                                         <a:ea typeface="微軟正黑體" panose="020B0604030504040204" pitchFamily="34" charset="-120"/>
                                       </a:rPr>
@@ -5903,7 +7468,7 @@
                                   </m:e>
                                 </m:d>
                                 <m:r>
-                                  <a:rPr lang="en-US" altLang="zh-TW" b="0" i="1" dirty="0" smtClean="0">
+                                  <a:rPr lang="en-US" altLang="zh-TW" sz="2000" b="0" i="1" dirty="0" smtClean="0">
                                     <a:latin typeface="Cambria Math" panose="02040503050406030204" pitchFamily="18" charset="0"/>
                                     <a:ea typeface="微軟正黑體" panose="020B0604030504040204" pitchFamily="34" charset="-120"/>
                                   </a:rPr>
@@ -5912,7 +7477,7 @@
                                 <m:sSub>
                                   <m:sSubPr>
                                     <m:ctrlPr>
-                                      <a:rPr lang="en-US" altLang="zh-TW" i="1" dirty="0" smtClean="0">
+                                      <a:rPr lang="en-US" altLang="zh-TW" sz="2000" i="1" dirty="0" smtClean="0">
                                         <a:latin typeface="Cambria Math" panose="02040503050406030204" pitchFamily="18" charset="0"/>
                                         <a:ea typeface="微軟正黑體" panose="020B0604030504040204" pitchFamily="34" charset="-120"/>
                                       </a:rPr>
@@ -5920,7 +7485,7 @@
                                   </m:sSubPr>
                                   <m:e>
                                     <m:r>
-                                      <a:rPr lang="en-US" altLang="zh-TW" i="1" dirty="0" smtClean="0">
+                                      <a:rPr lang="en-US" altLang="zh-TW" sz="2000" i="1" dirty="0" smtClean="0">
                                         <a:latin typeface="Cambria Math" panose="02040503050406030204" pitchFamily="18" charset="0"/>
                                         <a:ea typeface="微軟正黑體" panose="020B0604030504040204" pitchFamily="34" charset="-120"/>
                                       </a:rPr>
@@ -5929,14 +7494,14 @@
                                   </m:e>
                                   <m:sub>
                                     <m:r>
-                                      <a:rPr lang="en-US" altLang="zh-TW" b="0" i="1" dirty="0" smtClean="0">
+                                      <a:rPr lang="en-US" altLang="zh-TW" sz="2000" b="0" i="1" dirty="0" smtClean="0">
                                         <a:latin typeface="Cambria Math" panose="02040503050406030204" pitchFamily="18" charset="0"/>
                                         <a:ea typeface="微軟正黑體" panose="020B0604030504040204" pitchFamily="34" charset="-120"/>
                                       </a:rPr>
                                       <m:t>𝐵</m:t>
                                     </m:r>
                                     <m:r>
-                                      <a:rPr lang="en-US" altLang="zh-TW" b="0" i="1" dirty="0" smtClean="0">
+                                      <a:rPr lang="en-US" altLang="zh-TW" sz="2000" b="0" i="1" dirty="0" smtClean="0">
                                         <a:latin typeface="Cambria Math" panose="02040503050406030204" pitchFamily="18" charset="0"/>
                                         <a:ea typeface="微軟正黑體" panose="020B0604030504040204" pitchFamily="34" charset="-120"/>
                                       </a:rPr>
@@ -5945,21 +7510,21 @@
                                   </m:sub>
                                 </m:sSub>
                                 <m:r>
-                                  <a:rPr lang="en-US" altLang="zh-TW" b="0" i="1" dirty="0" smtClean="0">
+                                  <a:rPr lang="en-US" altLang="zh-TW" sz="2000" b="0" i="1" dirty="0" smtClean="0">
                                     <a:latin typeface="Cambria Math" panose="02040503050406030204" pitchFamily="18" charset="0"/>
                                     <a:ea typeface="微軟正黑體" panose="020B0604030504040204" pitchFamily="34" charset="-120"/>
                                   </a:rPr>
                                   <m:t>(</m:t>
                                 </m:r>
                                 <m:r>
-                                  <a:rPr lang="en-US" altLang="zh-TW" b="0" i="1" dirty="0" smtClean="0">
+                                  <a:rPr lang="en-US" altLang="zh-TW" sz="2000" b="0" i="1" dirty="0" smtClean="0">
                                     <a:latin typeface="Cambria Math" panose="02040503050406030204" pitchFamily="18" charset="0"/>
                                     <a:ea typeface="微軟正黑體" panose="020B0604030504040204" pitchFamily="34" charset="-120"/>
                                   </a:rPr>
                                   <m:t>𝑦</m:t>
                                 </m:r>
                                 <m:r>
-                                  <a:rPr lang="en-US" altLang="zh-TW" b="0" i="1" dirty="0" smtClean="0">
+                                  <a:rPr lang="en-US" altLang="zh-TW" sz="2000" b="0" i="1" dirty="0" smtClean="0">
                                     <a:latin typeface="Cambria Math" panose="02040503050406030204" pitchFamily="18" charset="0"/>
                                     <a:ea typeface="微軟正黑體" panose="020B0604030504040204" pitchFamily="34" charset="-120"/>
                                   </a:rPr>
@@ -5968,7 +7533,7 @@
                               </m:oMath>
                             </m:oMathPara>
                           </a14:m>
-                          <a:endParaRPr lang="zh-TW" altLang="en-US" dirty="0">
+                          <a:endParaRPr lang="zh-TW" altLang="en-US" sz="2000" dirty="0">
                             <a:latin typeface="微軟正黑體" panose="020B0604030504040204" pitchFamily="34" charset="-120"/>
                             <a:ea typeface="微軟正黑體" panose="020B0604030504040204" pitchFamily="34" charset="-120"/>
                           </a:endParaRPr>
@@ -6006,13 +7571,13 @@
                             <a:defRPr/>
                           </a:pPr>
                           <a:r>
-                            <a:rPr lang="en-US" altLang="zh-TW" dirty="0">
+                            <a:rPr lang="en-US" altLang="zh-TW" sz="2000" dirty="0">
                               <a:latin typeface="微軟正黑體" panose="020B0604030504040204" pitchFamily="34" charset="-120"/>
                               <a:ea typeface="微軟正黑體" panose="020B0604030504040204" pitchFamily="34" charset="-120"/>
                             </a:rPr>
                             <a:t>Rule4</a:t>
                           </a:r>
-                          <a:endParaRPr lang="zh-TW" altLang="en-US" dirty="0">
+                          <a:endParaRPr lang="zh-TW" altLang="en-US" sz="2000" dirty="0">
                             <a:latin typeface="微軟正黑體" panose="020B0604030504040204" pitchFamily="34" charset="-120"/>
                             <a:ea typeface="微軟正黑體" panose="020B0604030504040204" pitchFamily="34" charset="-120"/>
                           </a:endParaRPr>
@@ -6027,90 +7592,90 @@
                         <a:p>
                           <a:pPr algn="ctr"/>
                           <a:r>
-                            <a:rPr lang="zh-TW" altLang="en-US" dirty="0">
+                            <a:rPr lang="zh-TW" altLang="en-US" sz="2000" dirty="0">
                               <a:latin typeface="微軟正黑體" panose="020B0604030504040204" pitchFamily="34" charset="-120"/>
                               <a:ea typeface="微軟正黑體" panose="020B0604030504040204" pitchFamily="34" charset="-120"/>
                             </a:rPr>
                             <a:t>如果 𝑥</a:t>
                           </a:r>
                           <a:r>
-                            <a:rPr lang="en-US" altLang="zh-TW" dirty="0">
+                            <a:rPr lang="en-US" altLang="zh-TW" sz="2000" dirty="0">
                               <a:latin typeface="微軟正黑體" panose="020B0604030504040204" pitchFamily="34" charset="-120"/>
                               <a:ea typeface="微軟正黑體" panose="020B0604030504040204" pitchFamily="34" charset="-120"/>
                             </a:rPr>
                             <a:t> </a:t>
                           </a:r>
                           <a:r>
-                            <a:rPr lang="zh-TW" altLang="en-US" dirty="0">
+                            <a:rPr lang="zh-TW" altLang="en-US" sz="2000" dirty="0">
                               <a:latin typeface="微軟正黑體" panose="020B0604030504040204" pitchFamily="34" charset="-120"/>
                               <a:ea typeface="微軟正黑體" panose="020B0604030504040204" pitchFamily="34" charset="-120"/>
                             </a:rPr>
                             <a:t>是 </a:t>
                           </a:r>
                           <a:r>
-                            <a:rPr lang="en-US" altLang="zh-TW" dirty="0">
+                            <a:rPr lang="en-US" altLang="zh-TW" sz="2000" dirty="0">
                               <a:latin typeface="微軟正黑體" panose="020B0604030504040204" pitchFamily="34" charset="-120"/>
                               <a:ea typeface="微軟正黑體" panose="020B0604030504040204" pitchFamily="34" charset="-120"/>
                             </a:rPr>
                             <a:t>A2(</a:t>
                           </a:r>
                           <a:r>
-                            <a:rPr lang="zh-TW" altLang="en-US" dirty="0">
+                            <a:rPr lang="zh-TW" altLang="en-US" sz="2000" dirty="0">
                               <a:latin typeface="微軟正黑體" panose="020B0604030504040204" pitchFamily="34" charset="-120"/>
                               <a:ea typeface="微軟正黑體" panose="020B0604030504040204" pitchFamily="34" charset="-120"/>
                             </a:rPr>
                             <a:t>中</a:t>
                           </a:r>
                           <a:r>
-                            <a:rPr lang="en-US" altLang="zh-TW" dirty="0">
+                            <a:rPr lang="en-US" altLang="zh-TW" sz="2000" dirty="0">
                               <a:latin typeface="微軟正黑體" panose="020B0604030504040204" pitchFamily="34" charset="-120"/>
                               <a:ea typeface="微軟正黑體" panose="020B0604030504040204" pitchFamily="34" charset="-120"/>
                             </a:rPr>
                             <a:t>) </a:t>
                           </a:r>
                           <a:r>
-                            <a:rPr lang="zh-TW" altLang="en-US" dirty="0">
+                            <a:rPr lang="zh-TW" altLang="en-US" sz="2000" dirty="0">
                               <a:latin typeface="微軟正黑體" panose="020B0604030504040204" pitchFamily="34" charset="-120"/>
                               <a:ea typeface="微軟正黑體" panose="020B0604030504040204" pitchFamily="34" charset="-120"/>
                             </a:rPr>
                             <a:t>且 𝑦</a:t>
                           </a:r>
                           <a:r>
-                            <a:rPr lang="en-US" altLang="zh-TW" dirty="0">
+                            <a:rPr lang="en-US" altLang="zh-TW" sz="2000" dirty="0">
                               <a:latin typeface="微軟正黑體" panose="020B0604030504040204" pitchFamily="34" charset="-120"/>
                               <a:ea typeface="微軟正黑體" panose="020B0604030504040204" pitchFamily="34" charset="-120"/>
                             </a:rPr>
                             <a:t> </a:t>
                           </a:r>
                           <a:r>
-                            <a:rPr lang="zh-TW" altLang="en-US" dirty="0">
+                            <a:rPr lang="zh-TW" altLang="en-US" sz="2000" dirty="0">
                               <a:latin typeface="微軟正黑體" panose="020B0604030504040204" pitchFamily="34" charset="-120"/>
                               <a:ea typeface="微軟正黑體" panose="020B0604030504040204" pitchFamily="34" charset="-120"/>
                             </a:rPr>
                             <a:t>是</a:t>
                           </a:r>
                           <a:r>
-                            <a:rPr lang="en-US" altLang="zh-TW" dirty="0">
+                            <a:rPr lang="en-US" altLang="zh-TW" sz="2000" dirty="0">
                               <a:latin typeface="微軟正黑體" panose="020B0604030504040204" pitchFamily="34" charset="-120"/>
                               <a:ea typeface="微軟正黑體" panose="020B0604030504040204" pitchFamily="34" charset="-120"/>
                             </a:rPr>
                             <a:t>B1(</a:t>
                           </a:r>
                           <a:r>
-                            <a:rPr lang="zh-TW" altLang="en-US" dirty="0">
+                            <a:rPr lang="zh-TW" altLang="en-US" sz="2000" dirty="0">
                               <a:latin typeface="微軟正黑體" panose="020B0604030504040204" pitchFamily="34" charset="-120"/>
                               <a:ea typeface="微軟正黑體" panose="020B0604030504040204" pitchFamily="34" charset="-120"/>
                             </a:rPr>
                             <a:t>低</a:t>
                           </a:r>
                           <a:r>
-                            <a:rPr lang="en-US" altLang="zh-TW" dirty="0">
+                            <a:rPr lang="en-US" altLang="zh-TW" sz="2000" dirty="0">
                               <a:latin typeface="微軟正黑體" panose="020B0604030504040204" pitchFamily="34" charset="-120"/>
                               <a:ea typeface="微軟正黑體" panose="020B0604030504040204" pitchFamily="34" charset="-120"/>
                             </a:rPr>
                             <a:t>)</a:t>
                           </a:r>
-                          <a:endParaRPr lang="zh-TW" altLang="en-US" dirty="0">
+                          <a:endParaRPr lang="zh-TW" altLang="en-US" sz="2000" dirty="0">
                             <a:latin typeface="微軟正黑體" panose="020B0604030504040204" pitchFamily="34" charset="-120"/>
                             <a:ea typeface="微軟正黑體" panose="020B0604030504040204" pitchFamily="34" charset="-120"/>
                           </a:endParaRPr>
@@ -6133,7 +7698,7 @@
                                 <m:sSub>
                                   <m:sSubPr>
                                     <m:ctrlPr>
-                                      <a:rPr lang="en-US" altLang="zh-TW" i="1" dirty="0" smtClean="0">
+                                      <a:rPr lang="en-US" altLang="zh-TW" sz="2000" i="1" dirty="0" smtClean="0">
                                         <a:latin typeface="Cambria Math" panose="02040503050406030204" pitchFamily="18" charset="0"/>
                                         <a:ea typeface="微軟正黑體" panose="020B0604030504040204" pitchFamily="34" charset="-120"/>
                                       </a:rPr>
@@ -6141,7 +7706,7 @@
                                   </m:sSubPr>
                                   <m:e>
                                     <m:r>
-                                      <a:rPr lang="en-US" altLang="zh-TW" b="0" i="1" dirty="0" smtClean="0">
+                                      <a:rPr lang="en-US" altLang="zh-TW" sz="2000" b="0" i="1" dirty="0" smtClean="0">
                                         <a:latin typeface="Cambria Math" panose="02040503050406030204" pitchFamily="18" charset="0"/>
                                         <a:ea typeface="微軟正黑體" panose="020B0604030504040204" pitchFamily="34" charset="-120"/>
                                       </a:rPr>
@@ -6150,7 +7715,7 @@
                                   </m:e>
                                   <m:sub>
                                     <m:r>
-                                      <a:rPr lang="en-US" altLang="zh-TW" b="0" i="1" dirty="0" smtClean="0">
+                                      <a:rPr lang="en-US" altLang="zh-TW" sz="2000" b="0" i="1" dirty="0" smtClean="0">
                                         <a:latin typeface="Cambria Math" panose="02040503050406030204" pitchFamily="18" charset="0"/>
                                         <a:ea typeface="微軟正黑體" panose="020B0604030504040204" pitchFamily="34" charset="-120"/>
                                       </a:rPr>
@@ -6159,7 +7724,7 @@
                                   </m:sub>
                                 </m:sSub>
                                 <m:r>
-                                  <a:rPr lang="en-US" altLang="zh-TW" b="0" i="1" dirty="0" smtClean="0">
+                                  <a:rPr lang="en-US" altLang="zh-TW" sz="2000" b="0" i="1" dirty="0" smtClean="0">
                                     <a:latin typeface="Cambria Math" panose="02040503050406030204" pitchFamily="18" charset="0"/>
                                     <a:ea typeface="微軟正黑體" panose="020B0604030504040204" pitchFamily="34" charset="-120"/>
                                   </a:rPr>
@@ -6168,7 +7733,7 @@
                                 <m:sSub>
                                   <m:sSubPr>
                                     <m:ctrlPr>
-                                      <a:rPr lang="en-US" altLang="zh-TW" i="1" dirty="0" smtClean="0">
+                                      <a:rPr lang="en-US" altLang="zh-TW" sz="2000" i="1" dirty="0" smtClean="0">
                                         <a:latin typeface="Cambria Math" panose="02040503050406030204" pitchFamily="18" charset="0"/>
                                         <a:ea typeface="微軟正黑體" panose="020B0604030504040204" pitchFamily="34" charset="-120"/>
                                       </a:rPr>
@@ -6176,7 +7741,7 @@
                                   </m:sSubPr>
                                   <m:e>
                                     <m:r>
-                                      <a:rPr lang="en-US" altLang="zh-TW" i="1" dirty="0" smtClean="0">
+                                      <a:rPr lang="en-US" altLang="zh-TW" sz="2000" i="1" dirty="0" smtClean="0">
                                         <a:latin typeface="Cambria Math" panose="02040503050406030204" pitchFamily="18" charset="0"/>
                                         <a:ea typeface="微軟正黑體" panose="020B0604030504040204" pitchFamily="34" charset="-120"/>
                                       </a:rPr>
@@ -6185,14 +7750,14 @@
                                   </m:e>
                                   <m:sub>
                                     <m:r>
-                                      <a:rPr lang="en-US" altLang="zh-TW" i="1" dirty="0" smtClean="0">
+                                      <a:rPr lang="en-US" altLang="zh-TW" sz="2000" i="1" dirty="0" smtClean="0">
                                         <a:latin typeface="Cambria Math" panose="02040503050406030204" pitchFamily="18" charset="0"/>
                                         <a:ea typeface="微軟正黑體" panose="020B0604030504040204" pitchFamily="34" charset="-120"/>
                                       </a:rPr>
                                       <m:t>𝐴</m:t>
                                     </m:r>
                                     <m:r>
-                                      <a:rPr lang="en-US" altLang="zh-TW" b="0" i="1" dirty="0" smtClean="0">
+                                      <a:rPr lang="en-US" altLang="zh-TW" sz="2000" b="0" i="1" dirty="0" smtClean="0">
                                         <a:latin typeface="Cambria Math" panose="02040503050406030204" pitchFamily="18" charset="0"/>
                                         <a:ea typeface="微軟正黑體" panose="020B0604030504040204" pitchFamily="34" charset="-120"/>
                                       </a:rPr>
@@ -6203,7 +7768,7 @@
                                 <m:d>
                                   <m:dPr>
                                     <m:ctrlPr>
-                                      <a:rPr lang="en-US" altLang="zh-TW" b="0" i="1" dirty="0" smtClean="0">
+                                      <a:rPr lang="en-US" altLang="zh-TW" sz="2000" b="0" i="1" dirty="0" smtClean="0">
                                         <a:latin typeface="Cambria Math" panose="02040503050406030204" pitchFamily="18" charset="0"/>
                                         <a:ea typeface="微軟正黑體" panose="020B0604030504040204" pitchFamily="34" charset="-120"/>
                                       </a:rPr>
@@ -6211,7 +7776,7 @@
                                   </m:dPr>
                                   <m:e>
                                     <m:r>
-                                      <a:rPr lang="en-US" altLang="zh-TW" b="0" i="1" dirty="0" smtClean="0">
+                                      <a:rPr lang="en-US" altLang="zh-TW" sz="2000" b="0" i="1" dirty="0" smtClean="0">
                                         <a:latin typeface="Cambria Math" panose="02040503050406030204" pitchFamily="18" charset="0"/>
                                         <a:ea typeface="微軟正黑體" panose="020B0604030504040204" pitchFamily="34" charset="-120"/>
                                       </a:rPr>
@@ -6220,7 +7785,7 @@
                                   </m:e>
                                 </m:d>
                                 <m:r>
-                                  <a:rPr lang="en-US" altLang="zh-TW" b="0" i="1" dirty="0" smtClean="0">
+                                  <a:rPr lang="en-US" altLang="zh-TW" sz="2000" b="0" i="1" dirty="0" smtClean="0">
                                     <a:latin typeface="Cambria Math" panose="02040503050406030204" pitchFamily="18" charset="0"/>
                                     <a:ea typeface="微軟正黑體" panose="020B0604030504040204" pitchFamily="34" charset="-120"/>
                                   </a:rPr>
@@ -6229,7 +7794,7 @@
                                 <m:sSub>
                                   <m:sSubPr>
                                     <m:ctrlPr>
-                                      <a:rPr lang="en-US" altLang="zh-TW" i="1" dirty="0" smtClean="0">
+                                      <a:rPr lang="en-US" altLang="zh-TW" sz="2000" i="1" dirty="0" smtClean="0">
                                         <a:latin typeface="Cambria Math" panose="02040503050406030204" pitchFamily="18" charset="0"/>
                                         <a:ea typeface="微軟正黑體" panose="020B0604030504040204" pitchFamily="34" charset="-120"/>
                                       </a:rPr>
@@ -6237,7 +7802,7 @@
                                   </m:sSubPr>
                                   <m:e>
                                     <m:r>
-                                      <a:rPr lang="en-US" altLang="zh-TW" i="1" dirty="0" smtClean="0">
+                                      <a:rPr lang="en-US" altLang="zh-TW" sz="2000" i="1" dirty="0" smtClean="0">
                                         <a:latin typeface="Cambria Math" panose="02040503050406030204" pitchFamily="18" charset="0"/>
                                         <a:ea typeface="微軟正黑體" panose="020B0604030504040204" pitchFamily="34" charset="-120"/>
                                       </a:rPr>
@@ -6246,14 +7811,14 @@
                                   </m:e>
                                   <m:sub>
                                     <m:r>
-                                      <a:rPr lang="en-US" altLang="zh-TW" b="0" i="1" dirty="0" smtClean="0">
+                                      <a:rPr lang="en-US" altLang="zh-TW" sz="2000" b="0" i="1" dirty="0" smtClean="0">
                                         <a:latin typeface="Cambria Math" panose="02040503050406030204" pitchFamily="18" charset="0"/>
                                         <a:ea typeface="微軟正黑體" panose="020B0604030504040204" pitchFamily="34" charset="-120"/>
                                       </a:rPr>
                                       <m:t>𝐵</m:t>
                                     </m:r>
                                     <m:r>
-                                      <a:rPr lang="en-US" altLang="zh-TW" b="0" i="1" dirty="0" smtClean="0">
+                                      <a:rPr lang="en-US" altLang="zh-TW" sz="2000" b="0" i="1" dirty="0" smtClean="0">
                                         <a:latin typeface="Cambria Math" panose="02040503050406030204" pitchFamily="18" charset="0"/>
                                         <a:ea typeface="微軟正黑體" panose="020B0604030504040204" pitchFamily="34" charset="-120"/>
                                       </a:rPr>
@@ -6262,21 +7827,21 @@
                                   </m:sub>
                                 </m:sSub>
                                 <m:r>
-                                  <a:rPr lang="en-US" altLang="zh-TW" b="0" i="1" dirty="0" smtClean="0">
+                                  <a:rPr lang="en-US" altLang="zh-TW" sz="2000" b="0" i="1" dirty="0" smtClean="0">
                                     <a:latin typeface="Cambria Math" panose="02040503050406030204" pitchFamily="18" charset="0"/>
                                     <a:ea typeface="微軟正黑體" panose="020B0604030504040204" pitchFamily="34" charset="-120"/>
                                   </a:rPr>
                                   <m:t>(</m:t>
                                 </m:r>
                                 <m:r>
-                                  <a:rPr lang="en-US" altLang="zh-TW" b="0" i="1" dirty="0" smtClean="0">
+                                  <a:rPr lang="en-US" altLang="zh-TW" sz="2000" b="0" i="1" dirty="0" smtClean="0">
                                     <a:latin typeface="Cambria Math" panose="02040503050406030204" pitchFamily="18" charset="0"/>
                                     <a:ea typeface="微軟正黑體" panose="020B0604030504040204" pitchFamily="34" charset="-120"/>
                                   </a:rPr>
                                   <m:t>𝑦</m:t>
                                 </m:r>
                                 <m:r>
-                                  <a:rPr lang="en-US" altLang="zh-TW" b="0" i="1" dirty="0" smtClean="0">
+                                  <a:rPr lang="en-US" altLang="zh-TW" sz="2000" b="0" i="1" dirty="0" smtClean="0">
                                     <a:latin typeface="Cambria Math" panose="02040503050406030204" pitchFamily="18" charset="0"/>
                                     <a:ea typeface="微軟正黑體" panose="020B0604030504040204" pitchFamily="34" charset="-120"/>
                                   </a:rPr>
@@ -6285,7 +7850,7 @@
                               </m:oMath>
                             </m:oMathPara>
                           </a14:m>
-                          <a:endParaRPr lang="zh-TW" altLang="en-US" dirty="0">
+                          <a:endParaRPr lang="zh-TW" altLang="en-US" sz="2000" dirty="0">
                             <a:latin typeface="微軟正黑體" panose="020B0604030504040204" pitchFamily="34" charset="-120"/>
                             <a:ea typeface="微軟正黑體" panose="020B0604030504040204" pitchFamily="34" charset="-120"/>
                           </a:endParaRPr>
@@ -6323,13 +7888,13 @@
                             <a:defRPr/>
                           </a:pPr>
                           <a:r>
-                            <a:rPr lang="en-US" altLang="zh-TW" dirty="0">
+                            <a:rPr lang="en-US" altLang="zh-TW" sz="2000" dirty="0">
                               <a:latin typeface="微軟正黑體" panose="020B0604030504040204" pitchFamily="34" charset="-120"/>
                               <a:ea typeface="微軟正黑體" panose="020B0604030504040204" pitchFamily="34" charset="-120"/>
                             </a:rPr>
                             <a:t>Rule5</a:t>
                           </a:r>
-                          <a:endParaRPr lang="zh-TW" altLang="en-US" dirty="0">
+                          <a:endParaRPr lang="zh-TW" altLang="en-US" sz="2000" dirty="0">
                             <a:latin typeface="微軟正黑體" panose="020B0604030504040204" pitchFamily="34" charset="-120"/>
                             <a:ea typeface="微軟正黑體" panose="020B0604030504040204" pitchFamily="34" charset="-120"/>
                           </a:endParaRPr>
@@ -6344,90 +7909,90 @@
                         <a:p>
                           <a:pPr algn="ctr"/>
                           <a:r>
-                            <a:rPr lang="zh-TW" altLang="en-US" dirty="0">
+                            <a:rPr lang="zh-TW" altLang="en-US" sz="2000" dirty="0">
                               <a:latin typeface="微軟正黑體" panose="020B0604030504040204" pitchFamily="34" charset="-120"/>
                               <a:ea typeface="微軟正黑體" panose="020B0604030504040204" pitchFamily="34" charset="-120"/>
                             </a:rPr>
                             <a:t>如果 𝑥</a:t>
                           </a:r>
                           <a:r>
-                            <a:rPr lang="en-US" altLang="zh-TW" dirty="0">
+                            <a:rPr lang="en-US" altLang="zh-TW" sz="2000" dirty="0">
                               <a:latin typeface="微軟正黑體" panose="020B0604030504040204" pitchFamily="34" charset="-120"/>
                               <a:ea typeface="微軟正黑體" panose="020B0604030504040204" pitchFamily="34" charset="-120"/>
                             </a:rPr>
                             <a:t> </a:t>
                           </a:r>
                           <a:r>
-                            <a:rPr lang="zh-TW" altLang="en-US" dirty="0">
+                            <a:rPr lang="zh-TW" altLang="en-US" sz="2000" dirty="0">
                               <a:latin typeface="微軟正黑體" panose="020B0604030504040204" pitchFamily="34" charset="-120"/>
                               <a:ea typeface="微軟正黑體" panose="020B0604030504040204" pitchFamily="34" charset="-120"/>
                             </a:rPr>
                             <a:t>是 </a:t>
                           </a:r>
                           <a:r>
-                            <a:rPr lang="en-US" altLang="zh-TW" dirty="0">
+                            <a:rPr lang="en-US" altLang="zh-TW" sz="2000" dirty="0">
                               <a:latin typeface="微軟正黑體" panose="020B0604030504040204" pitchFamily="34" charset="-120"/>
                               <a:ea typeface="微軟正黑體" panose="020B0604030504040204" pitchFamily="34" charset="-120"/>
                             </a:rPr>
                             <a:t>A2(</a:t>
                           </a:r>
                           <a:r>
-                            <a:rPr lang="zh-TW" altLang="en-US" dirty="0">
+                            <a:rPr lang="zh-TW" altLang="en-US" sz="2000" dirty="0">
                               <a:latin typeface="微軟正黑體" panose="020B0604030504040204" pitchFamily="34" charset="-120"/>
                               <a:ea typeface="微軟正黑體" panose="020B0604030504040204" pitchFamily="34" charset="-120"/>
                             </a:rPr>
                             <a:t>中</a:t>
                           </a:r>
                           <a:r>
-                            <a:rPr lang="en-US" altLang="zh-TW" dirty="0">
+                            <a:rPr lang="en-US" altLang="zh-TW" sz="2000" dirty="0">
                               <a:latin typeface="微軟正黑體" panose="020B0604030504040204" pitchFamily="34" charset="-120"/>
                               <a:ea typeface="微軟正黑體" panose="020B0604030504040204" pitchFamily="34" charset="-120"/>
                             </a:rPr>
                             <a:t>) </a:t>
                           </a:r>
                           <a:r>
-                            <a:rPr lang="zh-TW" altLang="en-US" dirty="0">
+                            <a:rPr lang="zh-TW" altLang="en-US" sz="2000" dirty="0">
                               <a:latin typeface="微軟正黑體" panose="020B0604030504040204" pitchFamily="34" charset="-120"/>
                               <a:ea typeface="微軟正黑體" panose="020B0604030504040204" pitchFamily="34" charset="-120"/>
                             </a:rPr>
                             <a:t>且 𝑦</a:t>
                           </a:r>
                           <a:r>
-                            <a:rPr lang="en-US" altLang="zh-TW" dirty="0">
+                            <a:rPr lang="en-US" altLang="zh-TW" sz="2000" dirty="0">
                               <a:latin typeface="微軟正黑體" panose="020B0604030504040204" pitchFamily="34" charset="-120"/>
                               <a:ea typeface="微軟正黑體" panose="020B0604030504040204" pitchFamily="34" charset="-120"/>
                             </a:rPr>
                             <a:t> </a:t>
                           </a:r>
                           <a:r>
-                            <a:rPr lang="zh-TW" altLang="en-US" dirty="0">
+                            <a:rPr lang="zh-TW" altLang="en-US" sz="2000" dirty="0">
                               <a:latin typeface="微軟正黑體" panose="020B0604030504040204" pitchFamily="34" charset="-120"/>
                               <a:ea typeface="微軟正黑體" panose="020B0604030504040204" pitchFamily="34" charset="-120"/>
                             </a:rPr>
                             <a:t>是</a:t>
                           </a:r>
                           <a:r>
-                            <a:rPr lang="en-US" altLang="zh-TW" dirty="0">
+                            <a:rPr lang="en-US" altLang="zh-TW" sz="2000" dirty="0">
                               <a:latin typeface="微軟正黑體" panose="020B0604030504040204" pitchFamily="34" charset="-120"/>
                               <a:ea typeface="微軟正黑體" panose="020B0604030504040204" pitchFamily="34" charset="-120"/>
                             </a:rPr>
                             <a:t>B2(</a:t>
                           </a:r>
                           <a:r>
-                            <a:rPr lang="zh-TW" altLang="en-US" dirty="0">
+                            <a:rPr lang="zh-TW" altLang="en-US" sz="2000" dirty="0">
                               <a:latin typeface="微軟正黑體" panose="020B0604030504040204" pitchFamily="34" charset="-120"/>
                               <a:ea typeface="微軟正黑體" panose="020B0604030504040204" pitchFamily="34" charset="-120"/>
                             </a:rPr>
                             <a:t>中</a:t>
                           </a:r>
                           <a:r>
-                            <a:rPr lang="en-US" altLang="zh-TW" dirty="0">
+                            <a:rPr lang="en-US" altLang="zh-TW" sz="2000" dirty="0">
                               <a:latin typeface="微軟正黑體" panose="020B0604030504040204" pitchFamily="34" charset="-120"/>
                               <a:ea typeface="微軟正黑體" panose="020B0604030504040204" pitchFamily="34" charset="-120"/>
                             </a:rPr>
                             <a:t>)</a:t>
                           </a:r>
-                          <a:endParaRPr lang="zh-TW" altLang="en-US" dirty="0">
+                          <a:endParaRPr lang="zh-TW" altLang="en-US" sz="2000" dirty="0">
                             <a:latin typeface="微軟正黑體" panose="020B0604030504040204" pitchFamily="34" charset="-120"/>
                             <a:ea typeface="微軟正黑體" panose="020B0604030504040204" pitchFamily="34" charset="-120"/>
                           </a:endParaRPr>
@@ -6450,7 +8015,7 @@
                                 <m:sSub>
                                   <m:sSubPr>
                                     <m:ctrlPr>
-                                      <a:rPr lang="en-US" altLang="zh-TW" i="1" dirty="0" smtClean="0">
+                                      <a:rPr lang="en-US" altLang="zh-TW" sz="2000" i="1" dirty="0" smtClean="0">
                                         <a:latin typeface="Cambria Math" panose="02040503050406030204" pitchFamily="18" charset="0"/>
                                         <a:ea typeface="微軟正黑體" panose="020B0604030504040204" pitchFamily="34" charset="-120"/>
                                       </a:rPr>
@@ -6458,7 +8023,7 @@
                                   </m:sSubPr>
                                   <m:e>
                                     <m:r>
-                                      <a:rPr lang="en-US" altLang="zh-TW" b="0" i="1" dirty="0" smtClean="0">
+                                      <a:rPr lang="en-US" altLang="zh-TW" sz="2000" b="0" i="1" dirty="0" smtClean="0">
                                         <a:latin typeface="Cambria Math" panose="02040503050406030204" pitchFamily="18" charset="0"/>
                                         <a:ea typeface="微軟正黑體" panose="020B0604030504040204" pitchFamily="34" charset="-120"/>
                                       </a:rPr>
@@ -6467,7 +8032,7 @@
                                   </m:e>
                                   <m:sub>
                                     <m:r>
-                                      <a:rPr lang="en-US" altLang="zh-TW" b="0" i="1" dirty="0" smtClean="0">
+                                      <a:rPr lang="en-US" altLang="zh-TW" sz="2000" b="0" i="1" dirty="0" smtClean="0">
                                         <a:latin typeface="Cambria Math" panose="02040503050406030204" pitchFamily="18" charset="0"/>
                                         <a:ea typeface="微軟正黑體" panose="020B0604030504040204" pitchFamily="34" charset="-120"/>
                                       </a:rPr>
@@ -6476,7 +8041,7 @@
                                   </m:sub>
                                 </m:sSub>
                                 <m:r>
-                                  <a:rPr lang="en-US" altLang="zh-TW" b="0" i="1" dirty="0" smtClean="0">
+                                  <a:rPr lang="en-US" altLang="zh-TW" sz="2000" b="0" i="1" dirty="0" smtClean="0">
                                     <a:latin typeface="Cambria Math" panose="02040503050406030204" pitchFamily="18" charset="0"/>
                                     <a:ea typeface="微軟正黑體" panose="020B0604030504040204" pitchFamily="34" charset="-120"/>
                                   </a:rPr>
@@ -6485,7 +8050,7 @@
                                 <m:sSub>
                                   <m:sSubPr>
                                     <m:ctrlPr>
-                                      <a:rPr lang="en-US" altLang="zh-TW" i="1" dirty="0" smtClean="0">
+                                      <a:rPr lang="en-US" altLang="zh-TW" sz="2000" i="1" dirty="0" smtClean="0">
                                         <a:latin typeface="Cambria Math" panose="02040503050406030204" pitchFamily="18" charset="0"/>
                                         <a:ea typeface="微軟正黑體" panose="020B0604030504040204" pitchFamily="34" charset="-120"/>
                                       </a:rPr>
@@ -6493,7 +8058,7 @@
                                   </m:sSubPr>
                                   <m:e>
                                     <m:r>
-                                      <a:rPr lang="en-US" altLang="zh-TW" i="1" dirty="0" smtClean="0">
+                                      <a:rPr lang="en-US" altLang="zh-TW" sz="2000" i="1" dirty="0" smtClean="0">
                                         <a:latin typeface="Cambria Math" panose="02040503050406030204" pitchFamily="18" charset="0"/>
                                         <a:ea typeface="微軟正黑體" panose="020B0604030504040204" pitchFamily="34" charset="-120"/>
                                       </a:rPr>
@@ -6502,14 +8067,14 @@
                                   </m:e>
                                   <m:sub>
                                     <m:r>
-                                      <a:rPr lang="en-US" altLang="zh-TW" i="1" dirty="0" smtClean="0">
+                                      <a:rPr lang="en-US" altLang="zh-TW" sz="2000" i="1" dirty="0" smtClean="0">
                                         <a:latin typeface="Cambria Math" panose="02040503050406030204" pitchFamily="18" charset="0"/>
                                         <a:ea typeface="微軟正黑體" panose="020B0604030504040204" pitchFamily="34" charset="-120"/>
                                       </a:rPr>
                                       <m:t>𝐴</m:t>
                                     </m:r>
                                     <m:r>
-                                      <a:rPr lang="en-US" altLang="zh-TW" b="0" i="1" dirty="0" smtClean="0">
+                                      <a:rPr lang="en-US" altLang="zh-TW" sz="2000" b="0" i="1" dirty="0" smtClean="0">
                                         <a:latin typeface="Cambria Math" panose="02040503050406030204" pitchFamily="18" charset="0"/>
                                         <a:ea typeface="微軟正黑體" panose="020B0604030504040204" pitchFamily="34" charset="-120"/>
                                       </a:rPr>
@@ -6520,7 +8085,7 @@
                                 <m:d>
                                   <m:dPr>
                                     <m:ctrlPr>
-                                      <a:rPr lang="en-US" altLang="zh-TW" b="0" i="1" dirty="0" smtClean="0">
+                                      <a:rPr lang="en-US" altLang="zh-TW" sz="2000" b="0" i="1" dirty="0" smtClean="0">
                                         <a:latin typeface="Cambria Math" panose="02040503050406030204" pitchFamily="18" charset="0"/>
                                         <a:ea typeface="微軟正黑體" panose="020B0604030504040204" pitchFamily="34" charset="-120"/>
                                       </a:rPr>
@@ -6528,7 +8093,7 @@
                                   </m:dPr>
                                   <m:e>
                                     <m:r>
-                                      <a:rPr lang="en-US" altLang="zh-TW" b="0" i="1" dirty="0" smtClean="0">
+                                      <a:rPr lang="en-US" altLang="zh-TW" sz="2000" b="0" i="1" dirty="0" smtClean="0">
                                         <a:latin typeface="Cambria Math" panose="02040503050406030204" pitchFamily="18" charset="0"/>
                                         <a:ea typeface="微軟正黑體" panose="020B0604030504040204" pitchFamily="34" charset="-120"/>
                                       </a:rPr>
@@ -6537,7 +8102,7 @@
                                   </m:e>
                                 </m:d>
                                 <m:r>
-                                  <a:rPr lang="en-US" altLang="zh-TW" b="0" i="1" dirty="0" smtClean="0">
+                                  <a:rPr lang="en-US" altLang="zh-TW" sz="2000" b="0" i="1" dirty="0" smtClean="0">
                                     <a:latin typeface="Cambria Math" panose="02040503050406030204" pitchFamily="18" charset="0"/>
                                     <a:ea typeface="微軟正黑體" panose="020B0604030504040204" pitchFamily="34" charset="-120"/>
                                   </a:rPr>
@@ -6546,7 +8111,7 @@
                                 <m:sSub>
                                   <m:sSubPr>
                                     <m:ctrlPr>
-                                      <a:rPr lang="en-US" altLang="zh-TW" i="1" dirty="0" smtClean="0">
+                                      <a:rPr lang="en-US" altLang="zh-TW" sz="2000" i="1" dirty="0" smtClean="0">
                                         <a:latin typeface="Cambria Math" panose="02040503050406030204" pitchFamily="18" charset="0"/>
                                         <a:ea typeface="微軟正黑體" panose="020B0604030504040204" pitchFamily="34" charset="-120"/>
                                       </a:rPr>
@@ -6554,7 +8119,7 @@
                                   </m:sSubPr>
                                   <m:e>
                                     <m:r>
-                                      <a:rPr lang="en-US" altLang="zh-TW" i="1" dirty="0" smtClean="0">
+                                      <a:rPr lang="en-US" altLang="zh-TW" sz="2000" i="1" dirty="0" smtClean="0">
                                         <a:latin typeface="Cambria Math" panose="02040503050406030204" pitchFamily="18" charset="0"/>
                                         <a:ea typeface="微軟正黑體" panose="020B0604030504040204" pitchFamily="34" charset="-120"/>
                                       </a:rPr>
@@ -6563,14 +8128,14 @@
                                   </m:e>
                                   <m:sub>
                                     <m:r>
-                                      <a:rPr lang="en-US" altLang="zh-TW" b="0" i="1" dirty="0" smtClean="0">
+                                      <a:rPr lang="en-US" altLang="zh-TW" sz="2000" b="0" i="1" dirty="0" smtClean="0">
                                         <a:latin typeface="Cambria Math" panose="02040503050406030204" pitchFamily="18" charset="0"/>
                                         <a:ea typeface="微軟正黑體" panose="020B0604030504040204" pitchFamily="34" charset="-120"/>
                                       </a:rPr>
                                       <m:t>𝐵</m:t>
                                     </m:r>
                                     <m:r>
-                                      <a:rPr lang="en-US" altLang="zh-TW" b="0" i="1" dirty="0" smtClean="0">
+                                      <a:rPr lang="en-US" altLang="zh-TW" sz="2000" b="0" i="1" dirty="0" smtClean="0">
                                         <a:latin typeface="Cambria Math" panose="02040503050406030204" pitchFamily="18" charset="0"/>
                                         <a:ea typeface="微軟正黑體" panose="020B0604030504040204" pitchFamily="34" charset="-120"/>
                                       </a:rPr>
@@ -6579,21 +8144,21 @@
                                   </m:sub>
                                 </m:sSub>
                                 <m:r>
-                                  <a:rPr lang="en-US" altLang="zh-TW" b="0" i="1" dirty="0" smtClean="0">
+                                  <a:rPr lang="en-US" altLang="zh-TW" sz="2000" b="0" i="1" dirty="0" smtClean="0">
                                     <a:latin typeface="Cambria Math" panose="02040503050406030204" pitchFamily="18" charset="0"/>
                                     <a:ea typeface="微軟正黑體" panose="020B0604030504040204" pitchFamily="34" charset="-120"/>
                                   </a:rPr>
                                   <m:t>(</m:t>
                                 </m:r>
                                 <m:r>
-                                  <a:rPr lang="en-US" altLang="zh-TW" b="0" i="1" dirty="0" smtClean="0">
+                                  <a:rPr lang="en-US" altLang="zh-TW" sz="2000" b="0" i="1" dirty="0" smtClean="0">
                                     <a:latin typeface="Cambria Math" panose="02040503050406030204" pitchFamily="18" charset="0"/>
                                     <a:ea typeface="微軟正黑體" panose="020B0604030504040204" pitchFamily="34" charset="-120"/>
                                   </a:rPr>
                                   <m:t>𝑦</m:t>
                                 </m:r>
                                 <m:r>
-                                  <a:rPr lang="en-US" altLang="zh-TW" b="0" i="1" dirty="0" smtClean="0">
+                                  <a:rPr lang="en-US" altLang="zh-TW" sz="2000" b="0" i="1" dirty="0" smtClean="0">
                                     <a:latin typeface="Cambria Math" panose="02040503050406030204" pitchFamily="18" charset="0"/>
                                     <a:ea typeface="微軟正黑體" panose="020B0604030504040204" pitchFamily="34" charset="-120"/>
                                   </a:rPr>
@@ -6602,7 +8167,7 @@
                               </m:oMath>
                             </m:oMathPara>
                           </a14:m>
-                          <a:endParaRPr lang="zh-TW" altLang="en-US" dirty="0">
+                          <a:endParaRPr lang="zh-TW" altLang="en-US" sz="2000" dirty="0">
                             <a:latin typeface="微軟正黑體" panose="020B0604030504040204" pitchFamily="34" charset="-120"/>
                             <a:ea typeface="微軟正黑體" panose="020B0604030504040204" pitchFamily="34" charset="-120"/>
                           </a:endParaRPr>
@@ -6640,13 +8205,13 @@
                             <a:defRPr/>
                           </a:pPr>
                           <a:r>
-                            <a:rPr lang="en-US" altLang="zh-TW" dirty="0">
+                            <a:rPr lang="en-US" altLang="zh-TW" sz="2000" dirty="0">
                               <a:latin typeface="微軟正黑體" panose="020B0604030504040204" pitchFamily="34" charset="-120"/>
                               <a:ea typeface="微軟正黑體" panose="020B0604030504040204" pitchFamily="34" charset="-120"/>
                             </a:rPr>
                             <a:t>Rule6</a:t>
                           </a:r>
-                          <a:endParaRPr lang="zh-TW" altLang="en-US" dirty="0">
+                          <a:endParaRPr lang="zh-TW" altLang="en-US" sz="2000" dirty="0">
                             <a:latin typeface="微軟正黑體" panose="020B0604030504040204" pitchFamily="34" charset="-120"/>
                             <a:ea typeface="微軟正黑體" panose="020B0604030504040204" pitchFamily="34" charset="-120"/>
                           </a:endParaRPr>
@@ -6661,90 +8226,90 @@
                         <a:p>
                           <a:pPr algn="ctr"/>
                           <a:r>
-                            <a:rPr lang="zh-TW" altLang="en-US" dirty="0">
+                            <a:rPr lang="zh-TW" altLang="en-US" sz="2000" dirty="0">
                               <a:latin typeface="微軟正黑體" panose="020B0604030504040204" pitchFamily="34" charset="-120"/>
                               <a:ea typeface="微軟正黑體" panose="020B0604030504040204" pitchFamily="34" charset="-120"/>
                             </a:rPr>
                             <a:t>如果 𝑥</a:t>
                           </a:r>
                           <a:r>
-                            <a:rPr lang="en-US" altLang="zh-TW" dirty="0">
+                            <a:rPr lang="en-US" altLang="zh-TW" sz="2000" dirty="0">
                               <a:latin typeface="微軟正黑體" panose="020B0604030504040204" pitchFamily="34" charset="-120"/>
                               <a:ea typeface="微軟正黑體" panose="020B0604030504040204" pitchFamily="34" charset="-120"/>
                             </a:rPr>
                             <a:t> </a:t>
                           </a:r>
                           <a:r>
-                            <a:rPr lang="zh-TW" altLang="en-US" dirty="0">
+                            <a:rPr lang="zh-TW" altLang="en-US" sz="2000" dirty="0">
                               <a:latin typeface="微軟正黑體" panose="020B0604030504040204" pitchFamily="34" charset="-120"/>
                               <a:ea typeface="微軟正黑體" panose="020B0604030504040204" pitchFamily="34" charset="-120"/>
                             </a:rPr>
                             <a:t>是 </a:t>
                           </a:r>
                           <a:r>
-                            <a:rPr lang="en-US" altLang="zh-TW" dirty="0">
+                            <a:rPr lang="en-US" altLang="zh-TW" sz="2000" dirty="0">
                               <a:latin typeface="微軟正黑體" panose="020B0604030504040204" pitchFamily="34" charset="-120"/>
                               <a:ea typeface="微軟正黑體" panose="020B0604030504040204" pitchFamily="34" charset="-120"/>
                             </a:rPr>
                             <a:t>A2(</a:t>
                           </a:r>
                           <a:r>
-                            <a:rPr lang="zh-TW" altLang="en-US" dirty="0">
+                            <a:rPr lang="zh-TW" altLang="en-US" sz="2000" dirty="0">
                               <a:latin typeface="微軟正黑體" panose="020B0604030504040204" pitchFamily="34" charset="-120"/>
                               <a:ea typeface="微軟正黑體" panose="020B0604030504040204" pitchFamily="34" charset="-120"/>
                             </a:rPr>
                             <a:t>中</a:t>
                           </a:r>
                           <a:r>
-                            <a:rPr lang="en-US" altLang="zh-TW" dirty="0">
+                            <a:rPr lang="en-US" altLang="zh-TW" sz="2000" dirty="0">
                               <a:latin typeface="微軟正黑體" panose="020B0604030504040204" pitchFamily="34" charset="-120"/>
                               <a:ea typeface="微軟正黑體" panose="020B0604030504040204" pitchFamily="34" charset="-120"/>
                             </a:rPr>
                             <a:t>) </a:t>
                           </a:r>
                           <a:r>
-                            <a:rPr lang="zh-TW" altLang="en-US" dirty="0">
+                            <a:rPr lang="zh-TW" altLang="en-US" sz="2000" dirty="0">
                               <a:latin typeface="微軟正黑體" panose="020B0604030504040204" pitchFamily="34" charset="-120"/>
                               <a:ea typeface="微軟正黑體" panose="020B0604030504040204" pitchFamily="34" charset="-120"/>
                             </a:rPr>
                             <a:t>且 𝑦</a:t>
                           </a:r>
                           <a:r>
-                            <a:rPr lang="en-US" altLang="zh-TW" dirty="0">
+                            <a:rPr lang="en-US" altLang="zh-TW" sz="2000" dirty="0">
                               <a:latin typeface="微軟正黑體" panose="020B0604030504040204" pitchFamily="34" charset="-120"/>
                               <a:ea typeface="微軟正黑體" panose="020B0604030504040204" pitchFamily="34" charset="-120"/>
                             </a:rPr>
                             <a:t> </a:t>
                           </a:r>
                           <a:r>
-                            <a:rPr lang="zh-TW" altLang="en-US" dirty="0">
+                            <a:rPr lang="zh-TW" altLang="en-US" sz="2000" dirty="0">
                               <a:latin typeface="微軟正黑體" panose="020B0604030504040204" pitchFamily="34" charset="-120"/>
                               <a:ea typeface="微軟正黑體" panose="020B0604030504040204" pitchFamily="34" charset="-120"/>
                             </a:rPr>
                             <a:t>是</a:t>
                           </a:r>
                           <a:r>
-                            <a:rPr lang="en-US" altLang="zh-TW" dirty="0">
+                            <a:rPr lang="en-US" altLang="zh-TW" sz="2000" dirty="0">
                               <a:latin typeface="微軟正黑體" panose="020B0604030504040204" pitchFamily="34" charset="-120"/>
                               <a:ea typeface="微軟正黑體" panose="020B0604030504040204" pitchFamily="34" charset="-120"/>
                             </a:rPr>
                             <a:t>B3(</a:t>
                           </a:r>
                           <a:r>
-                            <a:rPr lang="zh-TW" altLang="en-US" dirty="0">
+                            <a:rPr lang="zh-TW" altLang="en-US" sz="2000" dirty="0">
                               <a:latin typeface="微軟正黑體" panose="020B0604030504040204" pitchFamily="34" charset="-120"/>
                               <a:ea typeface="微軟正黑體" panose="020B0604030504040204" pitchFamily="34" charset="-120"/>
                             </a:rPr>
                             <a:t>高</a:t>
                           </a:r>
                           <a:r>
-                            <a:rPr lang="en-US" altLang="zh-TW" dirty="0">
+                            <a:rPr lang="en-US" altLang="zh-TW" sz="2000" dirty="0">
                               <a:latin typeface="微軟正黑體" panose="020B0604030504040204" pitchFamily="34" charset="-120"/>
                               <a:ea typeface="微軟正黑體" panose="020B0604030504040204" pitchFamily="34" charset="-120"/>
                             </a:rPr>
                             <a:t>)</a:t>
                           </a:r>
-                          <a:endParaRPr lang="zh-TW" altLang="en-US" dirty="0">
+                          <a:endParaRPr lang="zh-TW" altLang="en-US" sz="2000" dirty="0">
                             <a:latin typeface="微軟正黑體" panose="020B0604030504040204" pitchFamily="34" charset="-120"/>
                             <a:ea typeface="微軟正黑體" panose="020B0604030504040204" pitchFamily="34" charset="-120"/>
                           </a:endParaRPr>
@@ -6767,7 +8332,7 @@
                                 <m:sSub>
                                   <m:sSubPr>
                                     <m:ctrlPr>
-                                      <a:rPr lang="en-US" altLang="zh-TW" i="1" dirty="0" smtClean="0">
+                                      <a:rPr lang="en-US" altLang="zh-TW" sz="2000" i="1" dirty="0" smtClean="0">
                                         <a:latin typeface="Cambria Math" panose="02040503050406030204" pitchFamily="18" charset="0"/>
                                         <a:ea typeface="微軟正黑體" panose="020B0604030504040204" pitchFamily="34" charset="-120"/>
                                       </a:rPr>
@@ -6775,7 +8340,7 @@
                                   </m:sSubPr>
                                   <m:e>
                                     <m:r>
-                                      <a:rPr lang="en-US" altLang="zh-TW" b="0" i="1" dirty="0" smtClean="0">
+                                      <a:rPr lang="en-US" altLang="zh-TW" sz="2000" b="0" i="1" dirty="0" smtClean="0">
                                         <a:latin typeface="Cambria Math" panose="02040503050406030204" pitchFamily="18" charset="0"/>
                                         <a:ea typeface="微軟正黑體" panose="020B0604030504040204" pitchFamily="34" charset="-120"/>
                                       </a:rPr>
@@ -6784,7 +8349,7 @@
                                   </m:e>
                                   <m:sub>
                                     <m:r>
-                                      <a:rPr lang="en-US" altLang="zh-TW" b="0" i="1" dirty="0" smtClean="0">
+                                      <a:rPr lang="en-US" altLang="zh-TW" sz="2000" b="0" i="1" dirty="0" smtClean="0">
                                         <a:latin typeface="Cambria Math" panose="02040503050406030204" pitchFamily="18" charset="0"/>
                                         <a:ea typeface="微軟正黑體" panose="020B0604030504040204" pitchFamily="34" charset="-120"/>
                                       </a:rPr>
@@ -6793,7 +8358,7 @@
                                   </m:sub>
                                 </m:sSub>
                                 <m:r>
-                                  <a:rPr lang="en-US" altLang="zh-TW" b="0" i="1" dirty="0" smtClean="0">
+                                  <a:rPr lang="en-US" altLang="zh-TW" sz="2000" b="0" i="1" dirty="0" smtClean="0">
                                     <a:latin typeface="Cambria Math" panose="02040503050406030204" pitchFamily="18" charset="0"/>
                                     <a:ea typeface="微軟正黑體" panose="020B0604030504040204" pitchFamily="34" charset="-120"/>
                                   </a:rPr>
@@ -6802,7 +8367,7 @@
                                 <m:sSub>
                                   <m:sSubPr>
                                     <m:ctrlPr>
-                                      <a:rPr lang="en-US" altLang="zh-TW" i="1" dirty="0" smtClean="0">
+                                      <a:rPr lang="en-US" altLang="zh-TW" sz="2000" i="1" dirty="0" smtClean="0">
                                         <a:latin typeface="Cambria Math" panose="02040503050406030204" pitchFamily="18" charset="0"/>
                                         <a:ea typeface="微軟正黑體" panose="020B0604030504040204" pitchFamily="34" charset="-120"/>
                                       </a:rPr>
@@ -6810,7 +8375,7 @@
                                   </m:sSubPr>
                                   <m:e>
                                     <m:r>
-                                      <a:rPr lang="en-US" altLang="zh-TW" i="1" dirty="0" smtClean="0">
+                                      <a:rPr lang="en-US" altLang="zh-TW" sz="2000" i="1" dirty="0" smtClean="0">
                                         <a:latin typeface="Cambria Math" panose="02040503050406030204" pitchFamily="18" charset="0"/>
                                         <a:ea typeface="微軟正黑體" panose="020B0604030504040204" pitchFamily="34" charset="-120"/>
                                       </a:rPr>
@@ -6819,14 +8384,14 @@
                                   </m:e>
                                   <m:sub>
                                     <m:r>
-                                      <a:rPr lang="en-US" altLang="zh-TW" i="1" dirty="0" smtClean="0">
+                                      <a:rPr lang="en-US" altLang="zh-TW" sz="2000" i="1" dirty="0" smtClean="0">
                                         <a:latin typeface="Cambria Math" panose="02040503050406030204" pitchFamily="18" charset="0"/>
                                         <a:ea typeface="微軟正黑體" panose="020B0604030504040204" pitchFamily="34" charset="-120"/>
                                       </a:rPr>
                                       <m:t>𝐴</m:t>
                                     </m:r>
                                     <m:r>
-                                      <a:rPr lang="en-US" altLang="zh-TW" b="0" i="1" dirty="0" smtClean="0">
+                                      <a:rPr lang="en-US" altLang="zh-TW" sz="2000" b="0" i="1" dirty="0" smtClean="0">
                                         <a:latin typeface="Cambria Math" panose="02040503050406030204" pitchFamily="18" charset="0"/>
                                         <a:ea typeface="微軟正黑體" panose="020B0604030504040204" pitchFamily="34" charset="-120"/>
                                       </a:rPr>
@@ -6837,7 +8402,7 @@
                                 <m:d>
                                   <m:dPr>
                                     <m:ctrlPr>
-                                      <a:rPr lang="en-US" altLang="zh-TW" b="0" i="1" dirty="0" smtClean="0">
+                                      <a:rPr lang="en-US" altLang="zh-TW" sz="2000" b="0" i="1" dirty="0" smtClean="0">
                                         <a:latin typeface="Cambria Math" panose="02040503050406030204" pitchFamily="18" charset="0"/>
                                         <a:ea typeface="微軟正黑體" panose="020B0604030504040204" pitchFamily="34" charset="-120"/>
                                       </a:rPr>
@@ -6845,7 +8410,7 @@
                                   </m:dPr>
                                   <m:e>
                                     <m:r>
-                                      <a:rPr lang="en-US" altLang="zh-TW" b="0" i="1" dirty="0" smtClean="0">
+                                      <a:rPr lang="en-US" altLang="zh-TW" sz="2000" b="0" i="1" dirty="0" smtClean="0">
                                         <a:latin typeface="Cambria Math" panose="02040503050406030204" pitchFamily="18" charset="0"/>
                                         <a:ea typeface="微軟正黑體" panose="020B0604030504040204" pitchFamily="34" charset="-120"/>
                                       </a:rPr>
@@ -6854,7 +8419,7 @@
                                   </m:e>
                                 </m:d>
                                 <m:r>
-                                  <a:rPr lang="en-US" altLang="zh-TW" b="0" i="1" dirty="0" smtClean="0">
+                                  <a:rPr lang="en-US" altLang="zh-TW" sz="2000" b="0" i="1" dirty="0" smtClean="0">
                                     <a:latin typeface="Cambria Math" panose="02040503050406030204" pitchFamily="18" charset="0"/>
                                     <a:ea typeface="微軟正黑體" panose="020B0604030504040204" pitchFamily="34" charset="-120"/>
                                   </a:rPr>
@@ -6863,7 +8428,7 @@
                                 <m:sSub>
                                   <m:sSubPr>
                                     <m:ctrlPr>
-                                      <a:rPr lang="en-US" altLang="zh-TW" i="1" dirty="0" smtClean="0">
+                                      <a:rPr lang="en-US" altLang="zh-TW" sz="2000" i="1" dirty="0" smtClean="0">
                                         <a:latin typeface="Cambria Math" panose="02040503050406030204" pitchFamily="18" charset="0"/>
                                         <a:ea typeface="微軟正黑體" panose="020B0604030504040204" pitchFamily="34" charset="-120"/>
                                       </a:rPr>
@@ -6871,7 +8436,7 @@
                                   </m:sSubPr>
                                   <m:e>
                                     <m:r>
-                                      <a:rPr lang="en-US" altLang="zh-TW" i="1" dirty="0" smtClean="0">
+                                      <a:rPr lang="en-US" altLang="zh-TW" sz="2000" i="1" dirty="0" smtClean="0">
                                         <a:latin typeface="Cambria Math" panose="02040503050406030204" pitchFamily="18" charset="0"/>
                                         <a:ea typeface="微軟正黑體" panose="020B0604030504040204" pitchFamily="34" charset="-120"/>
                                       </a:rPr>
@@ -6880,14 +8445,14 @@
                                   </m:e>
                                   <m:sub>
                                     <m:r>
-                                      <a:rPr lang="en-US" altLang="zh-TW" b="0" i="1" dirty="0" smtClean="0">
+                                      <a:rPr lang="en-US" altLang="zh-TW" sz="2000" b="0" i="1" dirty="0" smtClean="0">
                                         <a:latin typeface="Cambria Math" panose="02040503050406030204" pitchFamily="18" charset="0"/>
                                         <a:ea typeface="微軟正黑體" panose="020B0604030504040204" pitchFamily="34" charset="-120"/>
                                       </a:rPr>
                                       <m:t>𝐵</m:t>
                                     </m:r>
                                     <m:r>
-                                      <a:rPr lang="en-US" altLang="zh-TW" b="0" i="1" dirty="0" smtClean="0">
+                                      <a:rPr lang="en-US" altLang="zh-TW" sz="2000" b="0" i="1" dirty="0" smtClean="0">
                                         <a:latin typeface="Cambria Math" panose="02040503050406030204" pitchFamily="18" charset="0"/>
                                         <a:ea typeface="微軟正黑體" panose="020B0604030504040204" pitchFamily="34" charset="-120"/>
                                       </a:rPr>
@@ -6896,21 +8461,21 @@
                                   </m:sub>
                                 </m:sSub>
                                 <m:r>
-                                  <a:rPr lang="en-US" altLang="zh-TW" b="0" i="1" dirty="0" smtClean="0">
+                                  <a:rPr lang="en-US" altLang="zh-TW" sz="2000" b="0" i="1" dirty="0" smtClean="0">
                                     <a:latin typeface="Cambria Math" panose="02040503050406030204" pitchFamily="18" charset="0"/>
                                     <a:ea typeface="微軟正黑體" panose="020B0604030504040204" pitchFamily="34" charset="-120"/>
                                   </a:rPr>
                                   <m:t>(</m:t>
                                 </m:r>
                                 <m:r>
-                                  <a:rPr lang="en-US" altLang="zh-TW" b="0" i="1" dirty="0" smtClean="0">
+                                  <a:rPr lang="en-US" altLang="zh-TW" sz="2000" b="0" i="1" dirty="0" smtClean="0">
                                     <a:latin typeface="Cambria Math" panose="02040503050406030204" pitchFamily="18" charset="0"/>
                                     <a:ea typeface="微軟正黑體" panose="020B0604030504040204" pitchFamily="34" charset="-120"/>
                                   </a:rPr>
                                   <m:t>𝑦</m:t>
                                 </m:r>
                                 <m:r>
-                                  <a:rPr lang="en-US" altLang="zh-TW" b="0" i="1" dirty="0" smtClean="0">
+                                  <a:rPr lang="en-US" altLang="zh-TW" sz="2000" b="0" i="1" dirty="0" smtClean="0">
                                     <a:latin typeface="Cambria Math" panose="02040503050406030204" pitchFamily="18" charset="0"/>
                                     <a:ea typeface="微軟正黑體" panose="020B0604030504040204" pitchFamily="34" charset="-120"/>
                                   </a:rPr>
@@ -6919,7 +8484,7 @@
                               </m:oMath>
                             </m:oMathPara>
                           </a14:m>
-                          <a:endParaRPr lang="zh-TW" altLang="en-US" dirty="0">
+                          <a:endParaRPr lang="zh-TW" altLang="en-US" sz="2000" dirty="0">
                             <a:latin typeface="微軟正黑體" panose="020B0604030504040204" pitchFamily="34" charset="-120"/>
                             <a:ea typeface="微軟正黑體" panose="020B0604030504040204" pitchFamily="34" charset="-120"/>
                           </a:endParaRPr>
@@ -6957,13 +8522,13 @@
                             <a:defRPr/>
                           </a:pPr>
                           <a:r>
-                            <a:rPr lang="en-US" altLang="zh-TW" dirty="0">
+                            <a:rPr lang="en-US" altLang="zh-TW" sz="2000" dirty="0">
                               <a:latin typeface="微軟正黑體" panose="020B0604030504040204" pitchFamily="34" charset="-120"/>
                               <a:ea typeface="微軟正黑體" panose="020B0604030504040204" pitchFamily="34" charset="-120"/>
                             </a:rPr>
                             <a:t>Rule7</a:t>
                           </a:r>
-                          <a:endParaRPr lang="zh-TW" altLang="en-US" dirty="0">
+                          <a:endParaRPr lang="zh-TW" altLang="en-US" sz="2000" dirty="0">
                             <a:latin typeface="微軟正黑體" panose="020B0604030504040204" pitchFamily="34" charset="-120"/>
                             <a:ea typeface="微軟正黑體" panose="020B0604030504040204" pitchFamily="34" charset="-120"/>
                           </a:endParaRPr>
@@ -6978,90 +8543,90 @@
                         <a:p>
                           <a:pPr algn="ctr"/>
                           <a:r>
-                            <a:rPr lang="zh-TW" altLang="en-US" dirty="0">
+                            <a:rPr lang="zh-TW" altLang="en-US" sz="2000" dirty="0">
                               <a:latin typeface="微軟正黑體" panose="020B0604030504040204" pitchFamily="34" charset="-120"/>
                               <a:ea typeface="微軟正黑體" panose="020B0604030504040204" pitchFamily="34" charset="-120"/>
                             </a:rPr>
                             <a:t>如果 𝑥</a:t>
                           </a:r>
                           <a:r>
-                            <a:rPr lang="en-US" altLang="zh-TW" dirty="0">
+                            <a:rPr lang="en-US" altLang="zh-TW" sz="2000" dirty="0">
                               <a:latin typeface="微軟正黑體" panose="020B0604030504040204" pitchFamily="34" charset="-120"/>
                               <a:ea typeface="微軟正黑體" panose="020B0604030504040204" pitchFamily="34" charset="-120"/>
                             </a:rPr>
                             <a:t> </a:t>
                           </a:r>
                           <a:r>
-                            <a:rPr lang="zh-TW" altLang="en-US" dirty="0">
+                            <a:rPr lang="zh-TW" altLang="en-US" sz="2000" dirty="0">
                               <a:latin typeface="微軟正黑體" panose="020B0604030504040204" pitchFamily="34" charset="-120"/>
                               <a:ea typeface="微軟正黑體" panose="020B0604030504040204" pitchFamily="34" charset="-120"/>
                             </a:rPr>
                             <a:t>是 </a:t>
                           </a:r>
                           <a:r>
-                            <a:rPr lang="en-US" altLang="zh-TW" dirty="0">
+                            <a:rPr lang="en-US" altLang="zh-TW" sz="2000" dirty="0">
                               <a:latin typeface="微軟正黑體" panose="020B0604030504040204" pitchFamily="34" charset="-120"/>
                               <a:ea typeface="微軟正黑體" panose="020B0604030504040204" pitchFamily="34" charset="-120"/>
                             </a:rPr>
                             <a:t>A3(</a:t>
                           </a:r>
                           <a:r>
-                            <a:rPr lang="zh-TW" altLang="en-US" dirty="0">
+                            <a:rPr lang="zh-TW" altLang="en-US" sz="2000" dirty="0">
                               <a:latin typeface="微軟正黑體" panose="020B0604030504040204" pitchFamily="34" charset="-120"/>
                               <a:ea typeface="微軟正黑體" panose="020B0604030504040204" pitchFamily="34" charset="-120"/>
                             </a:rPr>
                             <a:t>大</a:t>
                           </a:r>
                           <a:r>
-                            <a:rPr lang="en-US" altLang="zh-TW" dirty="0">
+                            <a:rPr lang="en-US" altLang="zh-TW" sz="2000" dirty="0">
                               <a:latin typeface="微軟正黑體" panose="020B0604030504040204" pitchFamily="34" charset="-120"/>
                               <a:ea typeface="微軟正黑體" panose="020B0604030504040204" pitchFamily="34" charset="-120"/>
                             </a:rPr>
                             <a:t>) </a:t>
                           </a:r>
                           <a:r>
-                            <a:rPr lang="zh-TW" altLang="en-US" dirty="0">
+                            <a:rPr lang="zh-TW" altLang="en-US" sz="2000" dirty="0">
                               <a:latin typeface="微軟正黑體" panose="020B0604030504040204" pitchFamily="34" charset="-120"/>
                               <a:ea typeface="微軟正黑體" panose="020B0604030504040204" pitchFamily="34" charset="-120"/>
                             </a:rPr>
                             <a:t>且 𝑦</a:t>
                           </a:r>
                           <a:r>
-                            <a:rPr lang="en-US" altLang="zh-TW" dirty="0">
+                            <a:rPr lang="en-US" altLang="zh-TW" sz="2000" dirty="0">
                               <a:latin typeface="微軟正黑體" panose="020B0604030504040204" pitchFamily="34" charset="-120"/>
                               <a:ea typeface="微軟正黑體" panose="020B0604030504040204" pitchFamily="34" charset="-120"/>
                             </a:rPr>
                             <a:t> </a:t>
                           </a:r>
                           <a:r>
-                            <a:rPr lang="zh-TW" altLang="en-US" dirty="0">
+                            <a:rPr lang="zh-TW" altLang="en-US" sz="2000" dirty="0">
                               <a:latin typeface="微軟正黑體" panose="020B0604030504040204" pitchFamily="34" charset="-120"/>
                               <a:ea typeface="微軟正黑體" panose="020B0604030504040204" pitchFamily="34" charset="-120"/>
                             </a:rPr>
                             <a:t>是</a:t>
                           </a:r>
                           <a:r>
-                            <a:rPr lang="en-US" altLang="zh-TW" dirty="0">
+                            <a:rPr lang="en-US" altLang="zh-TW" sz="2000" dirty="0">
                               <a:latin typeface="微軟正黑體" panose="020B0604030504040204" pitchFamily="34" charset="-120"/>
                               <a:ea typeface="微軟正黑體" panose="020B0604030504040204" pitchFamily="34" charset="-120"/>
                             </a:rPr>
                             <a:t>B1(</a:t>
                           </a:r>
                           <a:r>
-                            <a:rPr lang="zh-TW" altLang="en-US" dirty="0">
+                            <a:rPr lang="zh-TW" altLang="en-US" sz="2000" dirty="0">
                               <a:latin typeface="微軟正黑體" panose="020B0604030504040204" pitchFamily="34" charset="-120"/>
                               <a:ea typeface="微軟正黑體" panose="020B0604030504040204" pitchFamily="34" charset="-120"/>
                             </a:rPr>
                             <a:t>低</a:t>
                           </a:r>
                           <a:r>
-                            <a:rPr lang="en-US" altLang="zh-TW" dirty="0">
+                            <a:rPr lang="en-US" altLang="zh-TW" sz="2000" dirty="0">
                               <a:latin typeface="微軟正黑體" panose="020B0604030504040204" pitchFamily="34" charset="-120"/>
                               <a:ea typeface="微軟正黑體" panose="020B0604030504040204" pitchFamily="34" charset="-120"/>
                             </a:rPr>
                             <a:t>)</a:t>
                           </a:r>
-                          <a:endParaRPr lang="zh-TW" altLang="en-US" dirty="0">
+                          <a:endParaRPr lang="zh-TW" altLang="en-US" sz="2000" dirty="0">
                             <a:latin typeface="微軟正黑體" panose="020B0604030504040204" pitchFamily="34" charset="-120"/>
                             <a:ea typeface="微軟正黑體" panose="020B0604030504040204" pitchFamily="34" charset="-120"/>
                           </a:endParaRPr>
@@ -7084,7 +8649,7 @@
                                 <m:sSub>
                                   <m:sSubPr>
                                     <m:ctrlPr>
-                                      <a:rPr lang="en-US" altLang="zh-TW" i="1" dirty="0" smtClean="0">
+                                      <a:rPr lang="en-US" altLang="zh-TW" sz="2000" i="1" dirty="0" smtClean="0">
                                         <a:latin typeface="Cambria Math" panose="02040503050406030204" pitchFamily="18" charset="0"/>
                                         <a:ea typeface="微軟正黑體" panose="020B0604030504040204" pitchFamily="34" charset="-120"/>
                                       </a:rPr>
@@ -7092,7 +8657,7 @@
                                   </m:sSubPr>
                                   <m:e>
                                     <m:r>
-                                      <a:rPr lang="en-US" altLang="zh-TW" b="0" i="1" dirty="0" smtClean="0">
+                                      <a:rPr lang="en-US" altLang="zh-TW" sz="2000" b="0" i="1" dirty="0" smtClean="0">
                                         <a:latin typeface="Cambria Math" panose="02040503050406030204" pitchFamily="18" charset="0"/>
                                         <a:ea typeface="微軟正黑體" panose="020B0604030504040204" pitchFamily="34" charset="-120"/>
                                       </a:rPr>
@@ -7101,7 +8666,7 @@
                                   </m:e>
                                   <m:sub>
                                     <m:r>
-                                      <a:rPr lang="en-US" altLang="zh-TW" b="0" i="1" dirty="0" smtClean="0">
+                                      <a:rPr lang="en-US" altLang="zh-TW" sz="2000" b="0" i="1" dirty="0" smtClean="0">
                                         <a:latin typeface="Cambria Math" panose="02040503050406030204" pitchFamily="18" charset="0"/>
                                         <a:ea typeface="微軟正黑體" panose="020B0604030504040204" pitchFamily="34" charset="-120"/>
                                       </a:rPr>
@@ -7110,7 +8675,7 @@
                                   </m:sub>
                                 </m:sSub>
                                 <m:r>
-                                  <a:rPr lang="en-US" altLang="zh-TW" b="0" i="1" dirty="0" smtClean="0">
+                                  <a:rPr lang="en-US" altLang="zh-TW" sz="2000" b="0" i="1" dirty="0" smtClean="0">
                                     <a:latin typeface="Cambria Math" panose="02040503050406030204" pitchFamily="18" charset="0"/>
                                     <a:ea typeface="微軟正黑體" panose="020B0604030504040204" pitchFamily="34" charset="-120"/>
                                   </a:rPr>
@@ -7119,7 +8684,7 @@
                                 <m:sSub>
                                   <m:sSubPr>
                                     <m:ctrlPr>
-                                      <a:rPr lang="en-US" altLang="zh-TW" i="1" dirty="0" smtClean="0">
+                                      <a:rPr lang="en-US" altLang="zh-TW" sz="2000" i="1" dirty="0" smtClean="0">
                                         <a:latin typeface="Cambria Math" panose="02040503050406030204" pitchFamily="18" charset="0"/>
                                         <a:ea typeface="微軟正黑體" panose="020B0604030504040204" pitchFamily="34" charset="-120"/>
                                       </a:rPr>
@@ -7127,7 +8692,7 @@
                                   </m:sSubPr>
                                   <m:e>
                                     <m:r>
-                                      <a:rPr lang="en-US" altLang="zh-TW" i="1" dirty="0" smtClean="0">
+                                      <a:rPr lang="en-US" altLang="zh-TW" sz="2000" i="1" dirty="0" smtClean="0">
                                         <a:latin typeface="Cambria Math" panose="02040503050406030204" pitchFamily="18" charset="0"/>
                                         <a:ea typeface="微軟正黑體" panose="020B0604030504040204" pitchFamily="34" charset="-120"/>
                                       </a:rPr>
@@ -7136,14 +8701,14 @@
                                   </m:e>
                                   <m:sub>
                                     <m:r>
-                                      <a:rPr lang="en-US" altLang="zh-TW" i="1" dirty="0" smtClean="0">
+                                      <a:rPr lang="en-US" altLang="zh-TW" sz="2000" i="1" dirty="0" smtClean="0">
                                         <a:latin typeface="Cambria Math" panose="02040503050406030204" pitchFamily="18" charset="0"/>
                                         <a:ea typeface="微軟正黑體" panose="020B0604030504040204" pitchFamily="34" charset="-120"/>
                                       </a:rPr>
                                       <m:t>𝐴</m:t>
                                     </m:r>
                                     <m:r>
-                                      <a:rPr lang="en-US" altLang="zh-TW" b="0" i="1" dirty="0" smtClean="0">
+                                      <a:rPr lang="en-US" altLang="zh-TW" sz="2000" b="0" i="1" dirty="0" smtClean="0">
                                         <a:latin typeface="Cambria Math" panose="02040503050406030204" pitchFamily="18" charset="0"/>
                                         <a:ea typeface="微軟正黑體" panose="020B0604030504040204" pitchFamily="34" charset="-120"/>
                                       </a:rPr>
@@ -7154,7 +8719,7 @@
                                 <m:d>
                                   <m:dPr>
                                     <m:ctrlPr>
-                                      <a:rPr lang="en-US" altLang="zh-TW" b="0" i="1" dirty="0" smtClean="0">
+                                      <a:rPr lang="en-US" altLang="zh-TW" sz="2000" b="0" i="1" dirty="0" smtClean="0">
                                         <a:latin typeface="Cambria Math" panose="02040503050406030204" pitchFamily="18" charset="0"/>
                                         <a:ea typeface="微軟正黑體" panose="020B0604030504040204" pitchFamily="34" charset="-120"/>
                                       </a:rPr>
@@ -7162,7 +8727,7 @@
                                   </m:dPr>
                                   <m:e>
                                     <m:r>
-                                      <a:rPr lang="en-US" altLang="zh-TW" b="0" i="1" dirty="0" smtClean="0">
+                                      <a:rPr lang="en-US" altLang="zh-TW" sz="2000" b="0" i="1" dirty="0" smtClean="0">
                                         <a:latin typeface="Cambria Math" panose="02040503050406030204" pitchFamily="18" charset="0"/>
                                         <a:ea typeface="微軟正黑體" panose="020B0604030504040204" pitchFamily="34" charset="-120"/>
                                       </a:rPr>
@@ -7171,7 +8736,7 @@
                                   </m:e>
                                 </m:d>
                                 <m:r>
-                                  <a:rPr lang="en-US" altLang="zh-TW" b="0" i="1" dirty="0" smtClean="0">
+                                  <a:rPr lang="en-US" altLang="zh-TW" sz="2000" b="0" i="1" dirty="0" smtClean="0">
                                     <a:latin typeface="Cambria Math" panose="02040503050406030204" pitchFamily="18" charset="0"/>
                                     <a:ea typeface="微軟正黑體" panose="020B0604030504040204" pitchFamily="34" charset="-120"/>
                                   </a:rPr>
@@ -7180,7 +8745,7 @@
                                 <m:sSub>
                                   <m:sSubPr>
                                     <m:ctrlPr>
-                                      <a:rPr lang="en-US" altLang="zh-TW" i="1" dirty="0" smtClean="0">
+                                      <a:rPr lang="en-US" altLang="zh-TW" sz="2000" i="1" dirty="0" smtClean="0">
                                         <a:latin typeface="Cambria Math" panose="02040503050406030204" pitchFamily="18" charset="0"/>
                                         <a:ea typeface="微軟正黑體" panose="020B0604030504040204" pitchFamily="34" charset="-120"/>
                                       </a:rPr>
@@ -7188,7 +8753,7 @@
                                   </m:sSubPr>
                                   <m:e>
                                     <m:r>
-                                      <a:rPr lang="en-US" altLang="zh-TW" i="1" dirty="0" smtClean="0">
+                                      <a:rPr lang="en-US" altLang="zh-TW" sz="2000" i="1" dirty="0" smtClean="0">
                                         <a:latin typeface="Cambria Math" panose="02040503050406030204" pitchFamily="18" charset="0"/>
                                         <a:ea typeface="微軟正黑體" panose="020B0604030504040204" pitchFamily="34" charset="-120"/>
                                       </a:rPr>
@@ -7197,14 +8762,14 @@
                                   </m:e>
                                   <m:sub>
                                     <m:r>
-                                      <a:rPr lang="en-US" altLang="zh-TW" b="0" i="1" dirty="0" smtClean="0">
+                                      <a:rPr lang="en-US" altLang="zh-TW" sz="2000" b="0" i="1" dirty="0" smtClean="0">
                                         <a:latin typeface="Cambria Math" panose="02040503050406030204" pitchFamily="18" charset="0"/>
                                         <a:ea typeface="微軟正黑體" panose="020B0604030504040204" pitchFamily="34" charset="-120"/>
                                       </a:rPr>
                                       <m:t>𝐵</m:t>
                                     </m:r>
                                     <m:r>
-                                      <a:rPr lang="en-US" altLang="zh-TW" b="0" i="1" dirty="0" smtClean="0">
+                                      <a:rPr lang="en-US" altLang="zh-TW" sz="2000" b="0" i="1" dirty="0" smtClean="0">
                                         <a:latin typeface="Cambria Math" panose="02040503050406030204" pitchFamily="18" charset="0"/>
                                         <a:ea typeface="微軟正黑體" panose="020B0604030504040204" pitchFamily="34" charset="-120"/>
                                       </a:rPr>
@@ -7213,21 +8778,21 @@
                                   </m:sub>
                                 </m:sSub>
                                 <m:r>
-                                  <a:rPr lang="en-US" altLang="zh-TW" b="0" i="1" dirty="0" smtClean="0">
+                                  <a:rPr lang="en-US" altLang="zh-TW" sz="2000" b="0" i="1" dirty="0" smtClean="0">
                                     <a:latin typeface="Cambria Math" panose="02040503050406030204" pitchFamily="18" charset="0"/>
                                     <a:ea typeface="微軟正黑體" panose="020B0604030504040204" pitchFamily="34" charset="-120"/>
                                   </a:rPr>
                                   <m:t>(</m:t>
                                 </m:r>
                                 <m:r>
-                                  <a:rPr lang="en-US" altLang="zh-TW" b="0" i="1" dirty="0" smtClean="0">
+                                  <a:rPr lang="en-US" altLang="zh-TW" sz="2000" b="0" i="1" dirty="0" smtClean="0">
                                     <a:latin typeface="Cambria Math" panose="02040503050406030204" pitchFamily="18" charset="0"/>
                                     <a:ea typeface="微軟正黑體" panose="020B0604030504040204" pitchFamily="34" charset="-120"/>
                                   </a:rPr>
                                   <m:t>𝑦</m:t>
                                 </m:r>
                                 <m:r>
-                                  <a:rPr lang="en-US" altLang="zh-TW" b="0" i="1" dirty="0" smtClean="0">
+                                  <a:rPr lang="en-US" altLang="zh-TW" sz="2000" b="0" i="1" dirty="0" smtClean="0">
                                     <a:latin typeface="Cambria Math" panose="02040503050406030204" pitchFamily="18" charset="0"/>
                                     <a:ea typeface="微軟正黑體" panose="020B0604030504040204" pitchFamily="34" charset="-120"/>
                                   </a:rPr>
@@ -7236,7 +8801,7 @@
                               </m:oMath>
                             </m:oMathPara>
                           </a14:m>
-                          <a:endParaRPr lang="zh-TW" altLang="en-US" dirty="0">
+                          <a:endParaRPr lang="zh-TW" altLang="en-US" sz="2000" dirty="0">
                             <a:latin typeface="微軟正黑體" panose="020B0604030504040204" pitchFamily="34" charset="-120"/>
                             <a:ea typeface="微軟正黑體" panose="020B0604030504040204" pitchFamily="34" charset="-120"/>
                           </a:endParaRPr>
@@ -7274,13 +8839,13 @@
                             <a:defRPr/>
                           </a:pPr>
                           <a:r>
-                            <a:rPr lang="en-US" altLang="zh-TW" dirty="0">
+                            <a:rPr lang="en-US" altLang="zh-TW" sz="2000" dirty="0">
                               <a:latin typeface="微軟正黑體" panose="020B0604030504040204" pitchFamily="34" charset="-120"/>
                               <a:ea typeface="微軟正黑體" panose="020B0604030504040204" pitchFamily="34" charset="-120"/>
                             </a:rPr>
                             <a:t>Rule8</a:t>
                           </a:r>
-                          <a:endParaRPr lang="zh-TW" altLang="en-US" dirty="0">
+                          <a:endParaRPr lang="zh-TW" altLang="en-US" sz="2000" dirty="0">
                             <a:latin typeface="微軟正黑體" panose="020B0604030504040204" pitchFamily="34" charset="-120"/>
                             <a:ea typeface="微軟正黑體" panose="020B0604030504040204" pitchFamily="34" charset="-120"/>
                           </a:endParaRPr>
@@ -7295,90 +8860,90 @@
                         <a:p>
                           <a:pPr algn="ctr"/>
                           <a:r>
-                            <a:rPr lang="zh-TW" altLang="en-US" dirty="0">
+                            <a:rPr lang="zh-TW" altLang="en-US" sz="2000" dirty="0">
                               <a:latin typeface="微軟正黑體" panose="020B0604030504040204" pitchFamily="34" charset="-120"/>
                               <a:ea typeface="微軟正黑體" panose="020B0604030504040204" pitchFamily="34" charset="-120"/>
                             </a:rPr>
                             <a:t>如果 𝑥</a:t>
                           </a:r>
                           <a:r>
-                            <a:rPr lang="en-US" altLang="zh-TW" dirty="0">
+                            <a:rPr lang="en-US" altLang="zh-TW" sz="2000" dirty="0">
                               <a:latin typeface="微軟正黑體" panose="020B0604030504040204" pitchFamily="34" charset="-120"/>
                               <a:ea typeface="微軟正黑體" panose="020B0604030504040204" pitchFamily="34" charset="-120"/>
                             </a:rPr>
                             <a:t> </a:t>
                           </a:r>
                           <a:r>
-                            <a:rPr lang="zh-TW" altLang="en-US" dirty="0">
+                            <a:rPr lang="zh-TW" altLang="en-US" sz="2000" dirty="0">
                               <a:latin typeface="微軟正黑體" panose="020B0604030504040204" pitchFamily="34" charset="-120"/>
                               <a:ea typeface="微軟正黑體" panose="020B0604030504040204" pitchFamily="34" charset="-120"/>
                             </a:rPr>
                             <a:t>是 </a:t>
                           </a:r>
                           <a:r>
-                            <a:rPr lang="en-US" altLang="zh-TW" dirty="0">
+                            <a:rPr lang="en-US" altLang="zh-TW" sz="2000" dirty="0">
                               <a:latin typeface="微軟正黑體" panose="020B0604030504040204" pitchFamily="34" charset="-120"/>
                               <a:ea typeface="微軟正黑體" panose="020B0604030504040204" pitchFamily="34" charset="-120"/>
                             </a:rPr>
                             <a:t>A3(</a:t>
                           </a:r>
                           <a:r>
-                            <a:rPr lang="zh-TW" altLang="en-US" dirty="0">
+                            <a:rPr lang="zh-TW" altLang="en-US" sz="2000" dirty="0">
                               <a:latin typeface="微軟正黑體" panose="020B0604030504040204" pitchFamily="34" charset="-120"/>
                               <a:ea typeface="微軟正黑體" panose="020B0604030504040204" pitchFamily="34" charset="-120"/>
                             </a:rPr>
                             <a:t>大</a:t>
                           </a:r>
                           <a:r>
-                            <a:rPr lang="en-US" altLang="zh-TW" dirty="0">
+                            <a:rPr lang="en-US" altLang="zh-TW" sz="2000" dirty="0">
                               <a:latin typeface="微軟正黑體" panose="020B0604030504040204" pitchFamily="34" charset="-120"/>
                               <a:ea typeface="微軟正黑體" panose="020B0604030504040204" pitchFamily="34" charset="-120"/>
                             </a:rPr>
                             <a:t>) </a:t>
                           </a:r>
                           <a:r>
-                            <a:rPr lang="zh-TW" altLang="en-US" dirty="0">
+                            <a:rPr lang="zh-TW" altLang="en-US" sz="2000" dirty="0">
                               <a:latin typeface="微軟正黑體" panose="020B0604030504040204" pitchFamily="34" charset="-120"/>
                               <a:ea typeface="微軟正黑體" panose="020B0604030504040204" pitchFamily="34" charset="-120"/>
                             </a:rPr>
                             <a:t>且 𝑦</a:t>
                           </a:r>
                           <a:r>
-                            <a:rPr lang="en-US" altLang="zh-TW" dirty="0">
+                            <a:rPr lang="en-US" altLang="zh-TW" sz="2000" dirty="0">
                               <a:latin typeface="微軟正黑體" panose="020B0604030504040204" pitchFamily="34" charset="-120"/>
                               <a:ea typeface="微軟正黑體" panose="020B0604030504040204" pitchFamily="34" charset="-120"/>
                             </a:rPr>
                             <a:t> </a:t>
                           </a:r>
                           <a:r>
-                            <a:rPr lang="zh-TW" altLang="en-US" dirty="0">
+                            <a:rPr lang="zh-TW" altLang="en-US" sz="2000" dirty="0">
                               <a:latin typeface="微軟正黑體" panose="020B0604030504040204" pitchFamily="34" charset="-120"/>
                               <a:ea typeface="微軟正黑體" panose="020B0604030504040204" pitchFamily="34" charset="-120"/>
                             </a:rPr>
                             <a:t>是</a:t>
                           </a:r>
                           <a:r>
-                            <a:rPr lang="en-US" altLang="zh-TW" dirty="0">
+                            <a:rPr lang="en-US" altLang="zh-TW" sz="2000" dirty="0">
                               <a:latin typeface="微軟正黑體" panose="020B0604030504040204" pitchFamily="34" charset="-120"/>
                               <a:ea typeface="微軟正黑體" panose="020B0604030504040204" pitchFamily="34" charset="-120"/>
                             </a:rPr>
                             <a:t>B2(</a:t>
                           </a:r>
                           <a:r>
-                            <a:rPr lang="zh-TW" altLang="en-US" dirty="0">
+                            <a:rPr lang="zh-TW" altLang="en-US" sz="2000" dirty="0">
                               <a:latin typeface="微軟正黑體" panose="020B0604030504040204" pitchFamily="34" charset="-120"/>
                               <a:ea typeface="微軟正黑體" panose="020B0604030504040204" pitchFamily="34" charset="-120"/>
                             </a:rPr>
                             <a:t>中</a:t>
                           </a:r>
                           <a:r>
-                            <a:rPr lang="en-US" altLang="zh-TW" dirty="0">
+                            <a:rPr lang="en-US" altLang="zh-TW" sz="2000" dirty="0">
                               <a:latin typeface="微軟正黑體" panose="020B0604030504040204" pitchFamily="34" charset="-120"/>
                               <a:ea typeface="微軟正黑體" panose="020B0604030504040204" pitchFamily="34" charset="-120"/>
                             </a:rPr>
                             <a:t>)</a:t>
                           </a:r>
-                          <a:endParaRPr lang="zh-TW" altLang="en-US" dirty="0">
+                          <a:endParaRPr lang="zh-TW" altLang="en-US" sz="2000" dirty="0">
                             <a:latin typeface="微軟正黑體" panose="020B0604030504040204" pitchFamily="34" charset="-120"/>
                             <a:ea typeface="微軟正黑體" panose="020B0604030504040204" pitchFamily="34" charset="-120"/>
                           </a:endParaRPr>
@@ -7401,7 +8966,7 @@
                                 <m:sSub>
                                   <m:sSubPr>
                                     <m:ctrlPr>
-                                      <a:rPr lang="en-US" altLang="zh-TW" i="1" dirty="0" smtClean="0">
+                                      <a:rPr lang="en-US" altLang="zh-TW" sz="2000" i="1" dirty="0" smtClean="0">
                                         <a:latin typeface="Cambria Math" panose="02040503050406030204" pitchFamily="18" charset="0"/>
                                         <a:ea typeface="微軟正黑體" panose="020B0604030504040204" pitchFamily="34" charset="-120"/>
                                       </a:rPr>
@@ -7409,7 +8974,7 @@
                                   </m:sSubPr>
                                   <m:e>
                                     <m:r>
-                                      <a:rPr lang="en-US" altLang="zh-TW" b="0" i="1" dirty="0" smtClean="0">
+                                      <a:rPr lang="en-US" altLang="zh-TW" sz="2000" b="0" i="1" dirty="0" smtClean="0">
                                         <a:latin typeface="Cambria Math" panose="02040503050406030204" pitchFamily="18" charset="0"/>
                                         <a:ea typeface="微軟正黑體" panose="020B0604030504040204" pitchFamily="34" charset="-120"/>
                                       </a:rPr>
@@ -7418,7 +8983,7 @@
                                   </m:e>
                                   <m:sub>
                                     <m:r>
-                                      <a:rPr lang="en-US" altLang="zh-TW" b="0" i="1" dirty="0" smtClean="0">
+                                      <a:rPr lang="en-US" altLang="zh-TW" sz="2000" b="0" i="1" dirty="0" smtClean="0">
                                         <a:latin typeface="Cambria Math" panose="02040503050406030204" pitchFamily="18" charset="0"/>
                                         <a:ea typeface="微軟正黑體" panose="020B0604030504040204" pitchFamily="34" charset="-120"/>
                                       </a:rPr>
@@ -7427,7 +8992,7 @@
                                   </m:sub>
                                 </m:sSub>
                                 <m:r>
-                                  <a:rPr lang="en-US" altLang="zh-TW" b="0" i="1" dirty="0" smtClean="0">
+                                  <a:rPr lang="en-US" altLang="zh-TW" sz="2000" b="0" i="1" dirty="0" smtClean="0">
                                     <a:latin typeface="Cambria Math" panose="02040503050406030204" pitchFamily="18" charset="0"/>
                                     <a:ea typeface="微軟正黑體" panose="020B0604030504040204" pitchFamily="34" charset="-120"/>
                                   </a:rPr>
@@ -7436,7 +9001,7 @@
                                 <m:sSub>
                                   <m:sSubPr>
                                     <m:ctrlPr>
-                                      <a:rPr lang="en-US" altLang="zh-TW" i="1" dirty="0" smtClean="0">
+                                      <a:rPr lang="en-US" altLang="zh-TW" sz="2000" i="1" dirty="0" smtClean="0">
                                         <a:latin typeface="Cambria Math" panose="02040503050406030204" pitchFamily="18" charset="0"/>
                                         <a:ea typeface="微軟正黑體" panose="020B0604030504040204" pitchFamily="34" charset="-120"/>
                                       </a:rPr>
@@ -7444,7 +9009,7 @@
                                   </m:sSubPr>
                                   <m:e>
                                     <m:r>
-                                      <a:rPr lang="en-US" altLang="zh-TW" i="1" dirty="0" smtClean="0">
+                                      <a:rPr lang="en-US" altLang="zh-TW" sz="2000" i="1" dirty="0" smtClean="0">
                                         <a:latin typeface="Cambria Math" panose="02040503050406030204" pitchFamily="18" charset="0"/>
                                         <a:ea typeface="微軟正黑體" panose="020B0604030504040204" pitchFamily="34" charset="-120"/>
                                       </a:rPr>
@@ -7453,14 +9018,14 @@
                                   </m:e>
                                   <m:sub>
                                     <m:r>
-                                      <a:rPr lang="en-US" altLang="zh-TW" i="1" dirty="0" smtClean="0">
+                                      <a:rPr lang="en-US" altLang="zh-TW" sz="2000" i="1" dirty="0" smtClean="0">
                                         <a:latin typeface="Cambria Math" panose="02040503050406030204" pitchFamily="18" charset="0"/>
                                         <a:ea typeface="微軟正黑體" panose="020B0604030504040204" pitchFamily="34" charset="-120"/>
                                       </a:rPr>
                                       <m:t>𝐴</m:t>
                                     </m:r>
                                     <m:r>
-                                      <a:rPr lang="en-US" altLang="zh-TW" b="0" i="1" dirty="0" smtClean="0">
+                                      <a:rPr lang="en-US" altLang="zh-TW" sz="2000" b="0" i="1" dirty="0" smtClean="0">
                                         <a:latin typeface="Cambria Math" panose="02040503050406030204" pitchFamily="18" charset="0"/>
                                         <a:ea typeface="微軟正黑體" panose="020B0604030504040204" pitchFamily="34" charset="-120"/>
                                       </a:rPr>
@@ -7471,7 +9036,7 @@
                                 <m:d>
                                   <m:dPr>
                                     <m:ctrlPr>
-                                      <a:rPr lang="en-US" altLang="zh-TW" b="0" i="1" dirty="0" smtClean="0">
+                                      <a:rPr lang="en-US" altLang="zh-TW" sz="2000" b="0" i="1" dirty="0" smtClean="0">
                                         <a:latin typeface="Cambria Math" panose="02040503050406030204" pitchFamily="18" charset="0"/>
                                         <a:ea typeface="微軟正黑體" panose="020B0604030504040204" pitchFamily="34" charset="-120"/>
                                       </a:rPr>
@@ -7479,7 +9044,7 @@
                                   </m:dPr>
                                   <m:e>
                                     <m:r>
-                                      <a:rPr lang="en-US" altLang="zh-TW" b="0" i="1" dirty="0" smtClean="0">
+                                      <a:rPr lang="en-US" altLang="zh-TW" sz="2000" b="0" i="1" dirty="0" smtClean="0">
                                         <a:latin typeface="Cambria Math" panose="02040503050406030204" pitchFamily="18" charset="0"/>
                                         <a:ea typeface="微軟正黑體" panose="020B0604030504040204" pitchFamily="34" charset="-120"/>
                                       </a:rPr>
@@ -7488,7 +9053,7 @@
                                   </m:e>
                                 </m:d>
                                 <m:r>
-                                  <a:rPr lang="en-US" altLang="zh-TW" b="0" i="1" dirty="0" smtClean="0">
+                                  <a:rPr lang="en-US" altLang="zh-TW" sz="2000" b="0" i="1" dirty="0" smtClean="0">
                                     <a:latin typeface="Cambria Math" panose="02040503050406030204" pitchFamily="18" charset="0"/>
                                     <a:ea typeface="微軟正黑體" panose="020B0604030504040204" pitchFamily="34" charset="-120"/>
                                   </a:rPr>
@@ -7497,7 +9062,7 @@
                                 <m:sSub>
                                   <m:sSubPr>
                                     <m:ctrlPr>
-                                      <a:rPr lang="en-US" altLang="zh-TW" i="1" dirty="0" smtClean="0">
+                                      <a:rPr lang="en-US" altLang="zh-TW" sz="2000" i="1" dirty="0" smtClean="0">
                                         <a:latin typeface="Cambria Math" panose="02040503050406030204" pitchFamily="18" charset="0"/>
                                         <a:ea typeface="微軟正黑體" panose="020B0604030504040204" pitchFamily="34" charset="-120"/>
                                       </a:rPr>
@@ -7505,7 +9070,7 @@
                                   </m:sSubPr>
                                   <m:e>
                                     <m:r>
-                                      <a:rPr lang="en-US" altLang="zh-TW" i="1" dirty="0" smtClean="0">
+                                      <a:rPr lang="en-US" altLang="zh-TW" sz="2000" i="1" dirty="0" smtClean="0">
                                         <a:latin typeface="Cambria Math" panose="02040503050406030204" pitchFamily="18" charset="0"/>
                                         <a:ea typeface="微軟正黑體" panose="020B0604030504040204" pitchFamily="34" charset="-120"/>
                                       </a:rPr>
@@ -7514,14 +9079,14 @@
                                   </m:e>
                                   <m:sub>
                                     <m:r>
-                                      <a:rPr lang="en-US" altLang="zh-TW" b="0" i="1" dirty="0" smtClean="0">
+                                      <a:rPr lang="en-US" altLang="zh-TW" sz="2000" b="0" i="1" dirty="0" smtClean="0">
                                         <a:latin typeface="Cambria Math" panose="02040503050406030204" pitchFamily="18" charset="0"/>
                                         <a:ea typeface="微軟正黑體" panose="020B0604030504040204" pitchFamily="34" charset="-120"/>
                                       </a:rPr>
                                       <m:t>𝐵</m:t>
                                     </m:r>
                                     <m:r>
-                                      <a:rPr lang="en-US" altLang="zh-TW" b="0" i="1" dirty="0" smtClean="0">
+                                      <a:rPr lang="en-US" altLang="zh-TW" sz="2000" b="0" i="1" dirty="0" smtClean="0">
                                         <a:latin typeface="Cambria Math" panose="02040503050406030204" pitchFamily="18" charset="0"/>
                                         <a:ea typeface="微軟正黑體" panose="020B0604030504040204" pitchFamily="34" charset="-120"/>
                                       </a:rPr>
@@ -7530,21 +9095,21 @@
                                   </m:sub>
                                 </m:sSub>
                                 <m:r>
-                                  <a:rPr lang="en-US" altLang="zh-TW" b="0" i="1" dirty="0" smtClean="0">
+                                  <a:rPr lang="en-US" altLang="zh-TW" sz="2000" b="0" i="1" dirty="0" smtClean="0">
                                     <a:latin typeface="Cambria Math" panose="02040503050406030204" pitchFamily="18" charset="0"/>
                                     <a:ea typeface="微軟正黑體" panose="020B0604030504040204" pitchFamily="34" charset="-120"/>
                                   </a:rPr>
                                   <m:t>(</m:t>
                                 </m:r>
                                 <m:r>
-                                  <a:rPr lang="en-US" altLang="zh-TW" b="0" i="1" dirty="0" smtClean="0">
+                                  <a:rPr lang="en-US" altLang="zh-TW" sz="2000" b="0" i="1" dirty="0" smtClean="0">
                                     <a:latin typeface="Cambria Math" panose="02040503050406030204" pitchFamily="18" charset="0"/>
                                     <a:ea typeface="微軟正黑體" panose="020B0604030504040204" pitchFamily="34" charset="-120"/>
                                   </a:rPr>
                                   <m:t>𝑦</m:t>
                                 </m:r>
                                 <m:r>
-                                  <a:rPr lang="en-US" altLang="zh-TW" b="0" i="1" dirty="0" smtClean="0">
+                                  <a:rPr lang="en-US" altLang="zh-TW" sz="2000" b="0" i="1" dirty="0" smtClean="0">
                                     <a:latin typeface="Cambria Math" panose="02040503050406030204" pitchFamily="18" charset="0"/>
                                     <a:ea typeface="微軟正黑體" panose="020B0604030504040204" pitchFamily="34" charset="-120"/>
                                   </a:rPr>
@@ -7553,7 +9118,7 @@
                               </m:oMath>
                             </m:oMathPara>
                           </a14:m>
-                          <a:endParaRPr lang="zh-TW" altLang="en-US" dirty="0">
+                          <a:endParaRPr lang="zh-TW" altLang="en-US" sz="2000" dirty="0">
                             <a:latin typeface="微軟正黑體" panose="020B0604030504040204" pitchFamily="34" charset="-120"/>
                             <a:ea typeface="微軟正黑體" panose="020B0604030504040204" pitchFamily="34" charset="-120"/>
                           </a:endParaRPr>
@@ -7591,13 +9156,13 @@
                             <a:defRPr/>
                           </a:pPr>
                           <a:r>
-                            <a:rPr lang="en-US" altLang="zh-TW" dirty="0">
+                            <a:rPr lang="en-US" altLang="zh-TW" sz="2000" dirty="0">
                               <a:latin typeface="微軟正黑體" panose="020B0604030504040204" pitchFamily="34" charset="-120"/>
                               <a:ea typeface="微軟正黑體" panose="020B0604030504040204" pitchFamily="34" charset="-120"/>
                             </a:rPr>
                             <a:t>Rule9</a:t>
                           </a:r>
-                          <a:endParaRPr lang="zh-TW" altLang="en-US" dirty="0">
+                          <a:endParaRPr lang="zh-TW" altLang="en-US" sz="2000" dirty="0">
                             <a:latin typeface="微軟正黑體" panose="020B0604030504040204" pitchFamily="34" charset="-120"/>
                             <a:ea typeface="微軟正黑體" panose="020B0604030504040204" pitchFamily="34" charset="-120"/>
                           </a:endParaRPr>
@@ -7612,90 +9177,90 @@
                         <a:p>
                           <a:pPr algn="ctr"/>
                           <a:r>
-                            <a:rPr lang="zh-TW" altLang="en-US" dirty="0">
+                            <a:rPr lang="zh-TW" altLang="en-US" sz="2000" dirty="0">
                               <a:latin typeface="微軟正黑體" panose="020B0604030504040204" pitchFamily="34" charset="-120"/>
                               <a:ea typeface="微軟正黑體" panose="020B0604030504040204" pitchFamily="34" charset="-120"/>
                             </a:rPr>
                             <a:t>如果 𝑥</a:t>
                           </a:r>
                           <a:r>
-                            <a:rPr lang="en-US" altLang="zh-TW" dirty="0">
+                            <a:rPr lang="en-US" altLang="zh-TW" sz="2000" dirty="0">
                               <a:latin typeface="微軟正黑體" panose="020B0604030504040204" pitchFamily="34" charset="-120"/>
                               <a:ea typeface="微軟正黑體" panose="020B0604030504040204" pitchFamily="34" charset="-120"/>
                             </a:rPr>
                             <a:t> </a:t>
                           </a:r>
                           <a:r>
-                            <a:rPr lang="zh-TW" altLang="en-US" dirty="0">
+                            <a:rPr lang="zh-TW" altLang="en-US" sz="2000" dirty="0">
                               <a:latin typeface="微軟正黑體" panose="020B0604030504040204" pitchFamily="34" charset="-120"/>
                               <a:ea typeface="微軟正黑體" panose="020B0604030504040204" pitchFamily="34" charset="-120"/>
                             </a:rPr>
                             <a:t>是 </a:t>
                           </a:r>
                           <a:r>
-                            <a:rPr lang="en-US" altLang="zh-TW" dirty="0">
+                            <a:rPr lang="en-US" altLang="zh-TW" sz="2000" dirty="0">
                               <a:latin typeface="微軟正黑體" panose="020B0604030504040204" pitchFamily="34" charset="-120"/>
                               <a:ea typeface="微軟正黑體" panose="020B0604030504040204" pitchFamily="34" charset="-120"/>
                             </a:rPr>
                             <a:t>A3(</a:t>
                           </a:r>
                           <a:r>
-                            <a:rPr lang="zh-TW" altLang="en-US" dirty="0">
+                            <a:rPr lang="zh-TW" altLang="en-US" sz="2000" dirty="0">
                               <a:latin typeface="微軟正黑體" panose="020B0604030504040204" pitchFamily="34" charset="-120"/>
                               <a:ea typeface="微軟正黑體" panose="020B0604030504040204" pitchFamily="34" charset="-120"/>
                             </a:rPr>
                             <a:t>大</a:t>
                           </a:r>
                           <a:r>
-                            <a:rPr lang="en-US" altLang="zh-TW" dirty="0">
+                            <a:rPr lang="en-US" altLang="zh-TW" sz="2000" dirty="0">
                               <a:latin typeface="微軟正黑體" panose="020B0604030504040204" pitchFamily="34" charset="-120"/>
                               <a:ea typeface="微軟正黑體" panose="020B0604030504040204" pitchFamily="34" charset="-120"/>
                             </a:rPr>
                             <a:t>) </a:t>
                           </a:r>
                           <a:r>
-                            <a:rPr lang="zh-TW" altLang="en-US" dirty="0">
+                            <a:rPr lang="zh-TW" altLang="en-US" sz="2000" dirty="0">
                               <a:latin typeface="微軟正黑體" panose="020B0604030504040204" pitchFamily="34" charset="-120"/>
                               <a:ea typeface="微軟正黑體" panose="020B0604030504040204" pitchFamily="34" charset="-120"/>
                             </a:rPr>
                             <a:t>且 𝑦</a:t>
                           </a:r>
                           <a:r>
-                            <a:rPr lang="en-US" altLang="zh-TW" dirty="0">
+                            <a:rPr lang="en-US" altLang="zh-TW" sz="2000" dirty="0">
                               <a:latin typeface="微軟正黑體" panose="020B0604030504040204" pitchFamily="34" charset="-120"/>
                               <a:ea typeface="微軟正黑體" panose="020B0604030504040204" pitchFamily="34" charset="-120"/>
                             </a:rPr>
                             <a:t> </a:t>
                           </a:r>
                           <a:r>
-                            <a:rPr lang="zh-TW" altLang="en-US" dirty="0">
+                            <a:rPr lang="zh-TW" altLang="en-US" sz="2000" dirty="0">
                               <a:latin typeface="微軟正黑體" panose="020B0604030504040204" pitchFamily="34" charset="-120"/>
                               <a:ea typeface="微軟正黑體" panose="020B0604030504040204" pitchFamily="34" charset="-120"/>
                             </a:rPr>
                             <a:t>是</a:t>
                           </a:r>
                           <a:r>
-                            <a:rPr lang="en-US" altLang="zh-TW" dirty="0">
+                            <a:rPr lang="en-US" altLang="zh-TW" sz="2000" dirty="0">
                               <a:latin typeface="微軟正黑體" panose="020B0604030504040204" pitchFamily="34" charset="-120"/>
                               <a:ea typeface="微軟正黑體" panose="020B0604030504040204" pitchFamily="34" charset="-120"/>
                             </a:rPr>
                             <a:t>B3(</a:t>
                           </a:r>
                           <a:r>
-                            <a:rPr lang="zh-TW" altLang="en-US" dirty="0">
+                            <a:rPr lang="zh-TW" altLang="en-US" sz="2000" dirty="0">
                               <a:latin typeface="微軟正黑體" panose="020B0604030504040204" pitchFamily="34" charset="-120"/>
                               <a:ea typeface="微軟正黑體" panose="020B0604030504040204" pitchFamily="34" charset="-120"/>
                             </a:rPr>
                             <a:t>高</a:t>
                           </a:r>
                           <a:r>
-                            <a:rPr lang="en-US" altLang="zh-TW" dirty="0">
+                            <a:rPr lang="en-US" altLang="zh-TW" sz="2000" dirty="0">
                               <a:latin typeface="微軟正黑體" panose="020B0604030504040204" pitchFamily="34" charset="-120"/>
                               <a:ea typeface="微軟正黑體" panose="020B0604030504040204" pitchFamily="34" charset="-120"/>
                             </a:rPr>
                             <a:t>)</a:t>
                           </a:r>
-                          <a:endParaRPr lang="zh-TW" altLang="en-US" dirty="0">
+                          <a:endParaRPr lang="zh-TW" altLang="en-US" sz="2000" dirty="0">
                             <a:latin typeface="微軟正黑體" panose="020B0604030504040204" pitchFamily="34" charset="-120"/>
                             <a:ea typeface="微軟正黑體" panose="020B0604030504040204" pitchFamily="34" charset="-120"/>
                           </a:endParaRPr>
@@ -7718,7 +9283,7 @@
                                 <m:sSub>
                                   <m:sSubPr>
                                     <m:ctrlPr>
-                                      <a:rPr lang="en-US" altLang="zh-TW" i="1" dirty="0" smtClean="0">
+                                      <a:rPr lang="en-US" altLang="zh-TW" sz="2000" i="1" dirty="0" smtClean="0">
                                         <a:latin typeface="Cambria Math" panose="02040503050406030204" pitchFamily="18" charset="0"/>
                                         <a:ea typeface="微軟正黑體" panose="020B0604030504040204" pitchFamily="34" charset="-120"/>
                                       </a:rPr>
@@ -7726,7 +9291,7 @@
                                   </m:sSubPr>
                                   <m:e>
                                     <m:r>
-                                      <a:rPr lang="en-US" altLang="zh-TW" b="0" i="1" dirty="0" smtClean="0">
+                                      <a:rPr lang="en-US" altLang="zh-TW" sz="2000" b="0" i="1" dirty="0" smtClean="0">
                                         <a:latin typeface="Cambria Math" panose="02040503050406030204" pitchFamily="18" charset="0"/>
                                         <a:ea typeface="微軟正黑體" panose="020B0604030504040204" pitchFamily="34" charset="-120"/>
                                       </a:rPr>
@@ -7735,7 +9300,7 @@
                                   </m:e>
                                   <m:sub>
                                     <m:r>
-                                      <a:rPr lang="en-US" altLang="zh-TW" b="0" i="1" dirty="0" smtClean="0">
+                                      <a:rPr lang="en-US" altLang="zh-TW" sz="2000" b="0" i="1" dirty="0" smtClean="0">
                                         <a:latin typeface="Cambria Math" panose="02040503050406030204" pitchFamily="18" charset="0"/>
                                         <a:ea typeface="微軟正黑體" panose="020B0604030504040204" pitchFamily="34" charset="-120"/>
                                       </a:rPr>
@@ -7744,7 +9309,7 @@
                                   </m:sub>
                                 </m:sSub>
                                 <m:r>
-                                  <a:rPr lang="en-US" altLang="zh-TW" b="0" i="1" dirty="0" smtClean="0">
+                                  <a:rPr lang="en-US" altLang="zh-TW" sz="2000" b="0" i="1" dirty="0" smtClean="0">
                                     <a:latin typeface="Cambria Math" panose="02040503050406030204" pitchFamily="18" charset="0"/>
                                     <a:ea typeface="微軟正黑體" panose="020B0604030504040204" pitchFamily="34" charset="-120"/>
                                   </a:rPr>
@@ -7753,7 +9318,7 @@
                                 <m:sSub>
                                   <m:sSubPr>
                                     <m:ctrlPr>
-                                      <a:rPr lang="en-US" altLang="zh-TW" i="1" dirty="0" smtClean="0">
+                                      <a:rPr lang="en-US" altLang="zh-TW" sz="2000" i="1" dirty="0" smtClean="0">
                                         <a:latin typeface="Cambria Math" panose="02040503050406030204" pitchFamily="18" charset="0"/>
                                         <a:ea typeface="微軟正黑體" panose="020B0604030504040204" pitchFamily="34" charset="-120"/>
                                       </a:rPr>
@@ -7761,7 +9326,7 @@
                                   </m:sSubPr>
                                   <m:e>
                                     <m:r>
-                                      <a:rPr lang="en-US" altLang="zh-TW" i="1" dirty="0" smtClean="0">
+                                      <a:rPr lang="en-US" altLang="zh-TW" sz="2000" i="1" dirty="0" smtClean="0">
                                         <a:latin typeface="Cambria Math" panose="02040503050406030204" pitchFamily="18" charset="0"/>
                                         <a:ea typeface="微軟正黑體" panose="020B0604030504040204" pitchFamily="34" charset="-120"/>
                                       </a:rPr>
@@ -7770,14 +9335,14 @@
                                   </m:e>
                                   <m:sub>
                                     <m:r>
-                                      <a:rPr lang="en-US" altLang="zh-TW" i="1" dirty="0" smtClean="0">
+                                      <a:rPr lang="en-US" altLang="zh-TW" sz="2000" i="1" dirty="0" smtClean="0">
                                         <a:latin typeface="Cambria Math" panose="02040503050406030204" pitchFamily="18" charset="0"/>
                                         <a:ea typeface="微軟正黑體" panose="020B0604030504040204" pitchFamily="34" charset="-120"/>
                                       </a:rPr>
                                       <m:t>𝐴</m:t>
                                     </m:r>
                                     <m:r>
-                                      <a:rPr lang="en-US" altLang="zh-TW" b="0" i="1" dirty="0" smtClean="0">
+                                      <a:rPr lang="en-US" altLang="zh-TW" sz="2000" b="0" i="1" dirty="0" smtClean="0">
                                         <a:latin typeface="Cambria Math" panose="02040503050406030204" pitchFamily="18" charset="0"/>
                                         <a:ea typeface="微軟正黑體" panose="020B0604030504040204" pitchFamily="34" charset="-120"/>
                                       </a:rPr>
@@ -7788,7 +9353,7 @@
                                 <m:d>
                                   <m:dPr>
                                     <m:ctrlPr>
-                                      <a:rPr lang="en-US" altLang="zh-TW" b="0" i="1" dirty="0" smtClean="0">
+                                      <a:rPr lang="en-US" altLang="zh-TW" sz="2000" b="0" i="1" dirty="0" smtClean="0">
                                         <a:latin typeface="Cambria Math" panose="02040503050406030204" pitchFamily="18" charset="0"/>
                                         <a:ea typeface="微軟正黑體" panose="020B0604030504040204" pitchFamily="34" charset="-120"/>
                                       </a:rPr>
@@ -7796,7 +9361,7 @@
                                   </m:dPr>
                                   <m:e>
                                     <m:r>
-                                      <a:rPr lang="en-US" altLang="zh-TW" b="0" i="1" dirty="0" smtClean="0">
+                                      <a:rPr lang="en-US" altLang="zh-TW" sz="2000" b="0" i="1" dirty="0" smtClean="0">
                                         <a:latin typeface="Cambria Math" panose="02040503050406030204" pitchFamily="18" charset="0"/>
                                         <a:ea typeface="微軟正黑體" panose="020B0604030504040204" pitchFamily="34" charset="-120"/>
                                       </a:rPr>
@@ -7805,7 +9370,7 @@
                                   </m:e>
                                 </m:d>
                                 <m:r>
-                                  <a:rPr lang="en-US" altLang="zh-TW" b="0" i="1" dirty="0" smtClean="0">
+                                  <a:rPr lang="en-US" altLang="zh-TW" sz="2000" b="0" i="1" dirty="0" smtClean="0">
                                     <a:latin typeface="Cambria Math" panose="02040503050406030204" pitchFamily="18" charset="0"/>
                                     <a:ea typeface="微軟正黑體" panose="020B0604030504040204" pitchFamily="34" charset="-120"/>
                                   </a:rPr>
@@ -7814,7 +9379,7 @@
                                 <m:sSub>
                                   <m:sSubPr>
                                     <m:ctrlPr>
-                                      <a:rPr lang="en-US" altLang="zh-TW" i="1" dirty="0" smtClean="0">
+                                      <a:rPr lang="en-US" altLang="zh-TW" sz="2000" i="1" dirty="0" smtClean="0">
                                         <a:latin typeface="Cambria Math" panose="02040503050406030204" pitchFamily="18" charset="0"/>
                                         <a:ea typeface="微軟正黑體" panose="020B0604030504040204" pitchFamily="34" charset="-120"/>
                                       </a:rPr>
@@ -7822,7 +9387,7 @@
                                   </m:sSubPr>
                                   <m:e>
                                     <m:r>
-                                      <a:rPr lang="en-US" altLang="zh-TW" i="1" dirty="0" smtClean="0">
+                                      <a:rPr lang="en-US" altLang="zh-TW" sz="2000" i="1" dirty="0" smtClean="0">
                                         <a:latin typeface="Cambria Math" panose="02040503050406030204" pitchFamily="18" charset="0"/>
                                         <a:ea typeface="微軟正黑體" panose="020B0604030504040204" pitchFamily="34" charset="-120"/>
                                       </a:rPr>
@@ -7831,14 +9396,14 @@
                                   </m:e>
                                   <m:sub>
                                     <m:r>
-                                      <a:rPr lang="en-US" altLang="zh-TW" b="0" i="1" dirty="0" smtClean="0">
+                                      <a:rPr lang="en-US" altLang="zh-TW" sz="2000" b="0" i="1" dirty="0" smtClean="0">
                                         <a:latin typeface="Cambria Math" panose="02040503050406030204" pitchFamily="18" charset="0"/>
                                         <a:ea typeface="微軟正黑體" panose="020B0604030504040204" pitchFamily="34" charset="-120"/>
                                       </a:rPr>
                                       <m:t>𝐵</m:t>
                                     </m:r>
                                     <m:r>
-                                      <a:rPr lang="en-US" altLang="zh-TW" b="0" i="1" dirty="0" smtClean="0">
+                                      <a:rPr lang="en-US" altLang="zh-TW" sz="2000" b="0" i="1" dirty="0" smtClean="0">
                                         <a:latin typeface="Cambria Math" panose="02040503050406030204" pitchFamily="18" charset="0"/>
                                         <a:ea typeface="微軟正黑體" panose="020B0604030504040204" pitchFamily="34" charset="-120"/>
                                       </a:rPr>
@@ -7847,21 +9412,21 @@
                                   </m:sub>
                                 </m:sSub>
                                 <m:r>
-                                  <a:rPr lang="en-US" altLang="zh-TW" b="0" i="1" dirty="0" smtClean="0">
+                                  <a:rPr lang="en-US" altLang="zh-TW" sz="2000" b="0" i="1" dirty="0" smtClean="0">
                                     <a:latin typeface="Cambria Math" panose="02040503050406030204" pitchFamily="18" charset="0"/>
                                     <a:ea typeface="微軟正黑體" panose="020B0604030504040204" pitchFamily="34" charset="-120"/>
                                   </a:rPr>
                                   <m:t>(</m:t>
                                 </m:r>
                                 <m:r>
-                                  <a:rPr lang="en-US" altLang="zh-TW" b="0" i="1" dirty="0" smtClean="0">
+                                  <a:rPr lang="en-US" altLang="zh-TW" sz="2000" b="0" i="1" dirty="0" smtClean="0">
                                     <a:latin typeface="Cambria Math" panose="02040503050406030204" pitchFamily="18" charset="0"/>
                                     <a:ea typeface="微軟正黑體" panose="020B0604030504040204" pitchFamily="34" charset="-120"/>
                                   </a:rPr>
                                   <m:t>𝑦</m:t>
                                 </m:r>
                                 <m:r>
-                                  <a:rPr lang="en-US" altLang="zh-TW" b="0" i="1" dirty="0" smtClean="0">
+                                  <a:rPr lang="en-US" altLang="zh-TW" sz="2000" b="0" i="1" dirty="0" smtClean="0">
                                     <a:latin typeface="Cambria Math" panose="02040503050406030204" pitchFamily="18" charset="0"/>
                                     <a:ea typeface="微軟正黑體" panose="020B0604030504040204" pitchFamily="34" charset="-120"/>
                                   </a:rPr>
@@ -7870,7 +9435,7 @@
                               </m:oMath>
                             </m:oMathPara>
                           </a14:m>
-                          <a:endParaRPr lang="zh-TW" altLang="en-US" dirty="0">
+                          <a:endParaRPr lang="zh-TW" altLang="en-US" sz="2000" dirty="0">
                             <a:latin typeface="微軟正黑體" panose="020B0604030504040204" pitchFamily="34" charset="-120"/>
                             <a:ea typeface="微軟正黑體" panose="020B0604030504040204" pitchFamily="34" charset="-120"/>
                           </a:endParaRPr>
@@ -7905,14 +9470,14 @@
               <p:nvPr>
                 <p:extLst>
                   <p:ext uri="{D42A27DB-BD31-4B8C-83A1-F6EECF244321}">
-                    <p14:modId xmlns:p14="http://schemas.microsoft.com/office/powerpoint/2010/main" val="1500819007"/>
+                    <p14:modId xmlns:p14="http://schemas.microsoft.com/office/powerpoint/2010/main" val="3313502584"/>
                   </p:ext>
                 </p:extLst>
               </p:nvPr>
             </p:nvGraphicFramePr>
             <p:xfrm>
-              <a:off x="1529080" y="2517934"/>
-              <a:ext cx="8127999" cy="3708400"/>
+              <a:off x="2032000" y="2530475"/>
+              <a:ext cx="8127999" cy="3962400"/>
             </p:xfrm>
             <a:graphic>
               <a:graphicData uri="http://schemas.openxmlformats.org/drawingml/2006/table">
@@ -7943,7 +9508,7 @@
                       </a:extLst>
                     </a:gridCol>
                   </a:tblGrid>
-                  <a:tr h="370840">
+                  <a:tr h="396240">
                     <a:tc>
                       <a:txBody>
                         <a:bodyPr/>
@@ -7951,7 +9516,7 @@
                         <a:p>
                           <a:pPr algn="ctr"/>
                           <a:r>
-                            <a:rPr lang="zh-TW" altLang="en-US" dirty="0">
+                            <a:rPr lang="zh-TW" altLang="en-US" sz="2000" dirty="0">
                               <a:latin typeface="微軟正黑體" panose="020B0604030504040204" pitchFamily="34" charset="-120"/>
                               <a:ea typeface="微軟正黑體" panose="020B0604030504040204" pitchFamily="34" charset="-120"/>
                             </a:rPr>
@@ -7968,7 +9533,7 @@
                         <a:p>
                           <a:pPr algn="ctr"/>
                           <a:r>
-                            <a:rPr lang="zh-TW" altLang="en-US" dirty="0">
+                            <a:rPr lang="zh-TW" altLang="en-US" sz="2000" dirty="0">
                               <a:latin typeface="微軟正黑體" panose="020B0604030504040204" pitchFamily="34" charset="-120"/>
                               <a:ea typeface="微軟正黑體" panose="020B0604030504040204" pitchFamily="34" charset="-120"/>
                             </a:rPr>
@@ -7985,7 +9550,7 @@
                         <a:p>
                           <a:pPr algn="ctr"/>
                           <a:r>
-                            <a:rPr lang="zh-TW" altLang="en-US" dirty="0">
+                            <a:rPr lang="zh-TW" altLang="en-US" sz="2000" dirty="0">
                               <a:latin typeface="微軟正黑體" panose="020B0604030504040204" pitchFamily="34" charset="-120"/>
                               <a:ea typeface="微軟正黑體" panose="020B0604030504040204" pitchFamily="34" charset="-120"/>
                             </a:rPr>
@@ -8001,7 +9566,7 @@
                       </a:ext>
                     </a:extLst>
                   </a:tr>
-                  <a:tr h="370840">
+                  <a:tr h="396240">
                     <a:tc>
                       <a:txBody>
                         <a:bodyPr/>
@@ -8009,13 +9574,13 @@
                         <a:p>
                           <a:pPr algn="ctr"/>
                           <a:r>
-                            <a:rPr lang="en-US" altLang="zh-TW" dirty="0">
+                            <a:rPr lang="en-US" altLang="zh-TW" sz="2000" dirty="0">
                               <a:latin typeface="微軟正黑體" panose="020B0604030504040204" pitchFamily="34" charset="-120"/>
                               <a:ea typeface="微軟正黑體" panose="020B0604030504040204" pitchFamily="34" charset="-120"/>
                             </a:rPr>
                             <a:t>Rule1</a:t>
                           </a:r>
-                          <a:endParaRPr lang="zh-TW" altLang="en-US" dirty="0">
+                          <a:endParaRPr lang="zh-TW" altLang="en-US" sz="2000" dirty="0">
                             <a:latin typeface="微軟正黑體" panose="020B0604030504040204" pitchFamily="34" charset="-120"/>
                             <a:ea typeface="微軟正黑體" panose="020B0604030504040204" pitchFamily="34" charset="-120"/>
                           </a:endParaRPr>
@@ -8030,90 +9595,90 @@
                         <a:p>
                           <a:pPr algn="ctr"/>
                           <a:r>
-                            <a:rPr lang="zh-TW" altLang="en-US" dirty="0">
+                            <a:rPr lang="zh-TW" altLang="en-US" sz="2000" dirty="0">
                               <a:latin typeface="微軟正黑體" panose="020B0604030504040204" pitchFamily="34" charset="-120"/>
                               <a:ea typeface="微軟正黑體" panose="020B0604030504040204" pitchFamily="34" charset="-120"/>
                             </a:rPr>
                             <a:t>如果 𝑥</a:t>
                           </a:r>
                           <a:r>
-                            <a:rPr lang="en-US" altLang="zh-TW" dirty="0">
+                            <a:rPr lang="en-US" altLang="zh-TW" sz="2000" dirty="0">
                               <a:latin typeface="微軟正黑體" panose="020B0604030504040204" pitchFamily="34" charset="-120"/>
                               <a:ea typeface="微軟正黑體" panose="020B0604030504040204" pitchFamily="34" charset="-120"/>
                             </a:rPr>
                             <a:t> </a:t>
                           </a:r>
                           <a:r>
-                            <a:rPr lang="zh-TW" altLang="en-US" dirty="0">
+                            <a:rPr lang="zh-TW" altLang="en-US" sz="2000" dirty="0">
                               <a:latin typeface="微軟正黑體" panose="020B0604030504040204" pitchFamily="34" charset="-120"/>
                               <a:ea typeface="微軟正黑體" panose="020B0604030504040204" pitchFamily="34" charset="-120"/>
                             </a:rPr>
                             <a:t>是 </a:t>
                           </a:r>
                           <a:r>
-                            <a:rPr lang="en-US" altLang="zh-TW" dirty="0">
+                            <a:rPr lang="en-US" altLang="zh-TW" sz="2000" dirty="0">
                               <a:latin typeface="微軟正黑體" panose="020B0604030504040204" pitchFamily="34" charset="-120"/>
                               <a:ea typeface="微軟正黑體" panose="020B0604030504040204" pitchFamily="34" charset="-120"/>
                             </a:rPr>
                             <a:t>A1(</a:t>
                           </a:r>
                           <a:r>
-                            <a:rPr lang="zh-TW" altLang="en-US" dirty="0">
+                            <a:rPr lang="zh-TW" altLang="en-US" sz="2000" dirty="0">
                               <a:latin typeface="微軟正黑體" panose="020B0604030504040204" pitchFamily="34" charset="-120"/>
                               <a:ea typeface="微軟正黑體" panose="020B0604030504040204" pitchFamily="34" charset="-120"/>
                             </a:rPr>
                             <a:t>小</a:t>
                           </a:r>
                           <a:r>
-                            <a:rPr lang="en-US" altLang="zh-TW" dirty="0">
+                            <a:rPr lang="en-US" altLang="zh-TW" sz="2000" dirty="0">
                               <a:latin typeface="微軟正黑體" panose="020B0604030504040204" pitchFamily="34" charset="-120"/>
                               <a:ea typeface="微軟正黑體" panose="020B0604030504040204" pitchFamily="34" charset="-120"/>
                             </a:rPr>
                             <a:t>) </a:t>
                           </a:r>
                           <a:r>
-                            <a:rPr lang="zh-TW" altLang="en-US" dirty="0">
+                            <a:rPr lang="zh-TW" altLang="en-US" sz="2000" dirty="0">
                               <a:latin typeface="微軟正黑體" panose="020B0604030504040204" pitchFamily="34" charset="-120"/>
                               <a:ea typeface="微軟正黑體" panose="020B0604030504040204" pitchFamily="34" charset="-120"/>
                             </a:rPr>
                             <a:t>且 𝑦</a:t>
                           </a:r>
                           <a:r>
-                            <a:rPr lang="en-US" altLang="zh-TW" dirty="0">
+                            <a:rPr lang="en-US" altLang="zh-TW" sz="2000" dirty="0">
                               <a:latin typeface="微軟正黑體" panose="020B0604030504040204" pitchFamily="34" charset="-120"/>
                               <a:ea typeface="微軟正黑體" panose="020B0604030504040204" pitchFamily="34" charset="-120"/>
                             </a:rPr>
                             <a:t> </a:t>
                           </a:r>
                           <a:r>
-                            <a:rPr lang="zh-TW" altLang="en-US" dirty="0">
+                            <a:rPr lang="zh-TW" altLang="en-US" sz="2000" dirty="0">
                               <a:latin typeface="微軟正黑體" panose="020B0604030504040204" pitchFamily="34" charset="-120"/>
                               <a:ea typeface="微軟正黑體" panose="020B0604030504040204" pitchFamily="34" charset="-120"/>
                             </a:rPr>
                             <a:t>是</a:t>
                           </a:r>
                           <a:r>
-                            <a:rPr lang="en-US" altLang="zh-TW" dirty="0">
+                            <a:rPr lang="en-US" altLang="zh-TW" sz="2000" dirty="0">
                               <a:latin typeface="微軟正黑體" panose="020B0604030504040204" pitchFamily="34" charset="-120"/>
                               <a:ea typeface="微軟正黑體" panose="020B0604030504040204" pitchFamily="34" charset="-120"/>
                             </a:rPr>
                             <a:t>B1(</a:t>
                           </a:r>
                           <a:r>
-                            <a:rPr lang="zh-TW" altLang="en-US" dirty="0">
+                            <a:rPr lang="zh-TW" altLang="en-US" sz="2000" dirty="0">
                               <a:latin typeface="微軟正黑體" panose="020B0604030504040204" pitchFamily="34" charset="-120"/>
                               <a:ea typeface="微軟正黑體" panose="020B0604030504040204" pitchFamily="34" charset="-120"/>
                             </a:rPr>
                             <a:t>低</a:t>
                           </a:r>
                           <a:r>
-                            <a:rPr lang="en-US" altLang="zh-TW" dirty="0">
+                            <a:rPr lang="en-US" altLang="zh-TW" sz="2000" dirty="0">
                               <a:latin typeface="微軟正黑體" panose="020B0604030504040204" pitchFamily="34" charset="-120"/>
                               <a:ea typeface="微軟正黑體" panose="020B0604030504040204" pitchFamily="34" charset="-120"/>
                             </a:rPr>
                             <a:t>)</a:t>
                           </a:r>
-                          <a:endParaRPr lang="zh-TW" altLang="en-US" dirty="0">
+                          <a:endParaRPr lang="zh-TW" altLang="en-US" sz="2000" dirty="0">
                             <a:latin typeface="微軟正黑體" panose="020B0604030504040204" pitchFamily="34" charset="-120"/>
                             <a:ea typeface="微軟正黑體" panose="020B0604030504040204" pitchFamily="34" charset="-120"/>
                           </a:endParaRPr>
@@ -8133,7 +9698,7 @@
                         <a:blipFill>
                           <a:blip r:embed="rId2"/>
                           <a:stretch>
-                            <a:fillRect l="-200225" t="-108197" r="-899" b="-822951"/>
+                            <a:fillRect l="-200000" t="-107692" r="-899" b="-827692"/>
                           </a:stretch>
                         </a:blipFill>
                       </a:tcPr>
@@ -8144,7 +9709,7 @@
                       </a:ext>
                     </a:extLst>
                   </a:tr>
-                  <a:tr h="370840">
+                  <a:tr h="396240">
                     <a:tc>
                       <a:txBody>
                         <a:bodyPr/>
@@ -8168,13 +9733,13 @@
                             <a:defRPr/>
                           </a:pPr>
                           <a:r>
-                            <a:rPr lang="en-US" altLang="zh-TW" dirty="0">
+                            <a:rPr lang="en-US" altLang="zh-TW" sz="2000" dirty="0">
                               <a:latin typeface="微軟正黑體" panose="020B0604030504040204" pitchFamily="34" charset="-120"/>
                               <a:ea typeface="微軟正黑體" panose="020B0604030504040204" pitchFamily="34" charset="-120"/>
                             </a:rPr>
                             <a:t>Rule2</a:t>
                           </a:r>
-                          <a:endParaRPr lang="zh-TW" altLang="en-US" dirty="0">
+                          <a:endParaRPr lang="zh-TW" altLang="en-US" sz="2000" dirty="0">
                             <a:latin typeface="微軟正黑體" panose="020B0604030504040204" pitchFamily="34" charset="-120"/>
                             <a:ea typeface="微軟正黑體" panose="020B0604030504040204" pitchFamily="34" charset="-120"/>
                           </a:endParaRPr>
@@ -8189,90 +9754,90 @@
                         <a:p>
                           <a:pPr algn="ctr"/>
                           <a:r>
-                            <a:rPr lang="zh-TW" altLang="en-US" dirty="0">
+                            <a:rPr lang="zh-TW" altLang="en-US" sz="2000" dirty="0">
                               <a:latin typeface="微軟正黑體" panose="020B0604030504040204" pitchFamily="34" charset="-120"/>
                               <a:ea typeface="微軟正黑體" panose="020B0604030504040204" pitchFamily="34" charset="-120"/>
                             </a:rPr>
                             <a:t>如果 𝑥</a:t>
                           </a:r>
                           <a:r>
-                            <a:rPr lang="en-US" altLang="zh-TW" dirty="0">
+                            <a:rPr lang="en-US" altLang="zh-TW" sz="2000" dirty="0">
                               <a:latin typeface="微軟正黑體" panose="020B0604030504040204" pitchFamily="34" charset="-120"/>
                               <a:ea typeface="微軟正黑體" panose="020B0604030504040204" pitchFamily="34" charset="-120"/>
                             </a:rPr>
                             <a:t> </a:t>
                           </a:r>
                           <a:r>
-                            <a:rPr lang="zh-TW" altLang="en-US" dirty="0">
+                            <a:rPr lang="zh-TW" altLang="en-US" sz="2000" dirty="0">
                               <a:latin typeface="微軟正黑體" panose="020B0604030504040204" pitchFamily="34" charset="-120"/>
                               <a:ea typeface="微軟正黑體" panose="020B0604030504040204" pitchFamily="34" charset="-120"/>
                             </a:rPr>
                             <a:t>是 </a:t>
                           </a:r>
                           <a:r>
-                            <a:rPr lang="en-US" altLang="zh-TW" dirty="0">
+                            <a:rPr lang="en-US" altLang="zh-TW" sz="2000" dirty="0">
                               <a:latin typeface="微軟正黑體" panose="020B0604030504040204" pitchFamily="34" charset="-120"/>
                               <a:ea typeface="微軟正黑體" panose="020B0604030504040204" pitchFamily="34" charset="-120"/>
                             </a:rPr>
                             <a:t>A1(</a:t>
                           </a:r>
                           <a:r>
-                            <a:rPr lang="zh-TW" altLang="en-US" dirty="0">
+                            <a:rPr lang="zh-TW" altLang="en-US" sz="2000" dirty="0">
                               <a:latin typeface="微軟正黑體" panose="020B0604030504040204" pitchFamily="34" charset="-120"/>
                               <a:ea typeface="微軟正黑體" panose="020B0604030504040204" pitchFamily="34" charset="-120"/>
                             </a:rPr>
                             <a:t>小</a:t>
                           </a:r>
                           <a:r>
-                            <a:rPr lang="en-US" altLang="zh-TW" dirty="0">
+                            <a:rPr lang="en-US" altLang="zh-TW" sz="2000" dirty="0">
                               <a:latin typeface="微軟正黑體" panose="020B0604030504040204" pitchFamily="34" charset="-120"/>
                               <a:ea typeface="微軟正黑體" panose="020B0604030504040204" pitchFamily="34" charset="-120"/>
                             </a:rPr>
                             <a:t>) </a:t>
                           </a:r>
                           <a:r>
-                            <a:rPr lang="zh-TW" altLang="en-US" dirty="0">
+                            <a:rPr lang="zh-TW" altLang="en-US" sz="2000" dirty="0">
                               <a:latin typeface="微軟正黑體" panose="020B0604030504040204" pitchFamily="34" charset="-120"/>
                               <a:ea typeface="微軟正黑體" panose="020B0604030504040204" pitchFamily="34" charset="-120"/>
                             </a:rPr>
                             <a:t>且 𝑦</a:t>
                           </a:r>
                           <a:r>
-                            <a:rPr lang="en-US" altLang="zh-TW" dirty="0">
+                            <a:rPr lang="en-US" altLang="zh-TW" sz="2000" dirty="0">
                               <a:latin typeface="微軟正黑體" panose="020B0604030504040204" pitchFamily="34" charset="-120"/>
                               <a:ea typeface="微軟正黑體" panose="020B0604030504040204" pitchFamily="34" charset="-120"/>
                             </a:rPr>
                             <a:t> </a:t>
                           </a:r>
                           <a:r>
-                            <a:rPr lang="zh-TW" altLang="en-US" dirty="0">
+                            <a:rPr lang="zh-TW" altLang="en-US" sz="2000" dirty="0">
                               <a:latin typeface="微軟正黑體" panose="020B0604030504040204" pitchFamily="34" charset="-120"/>
                               <a:ea typeface="微軟正黑體" panose="020B0604030504040204" pitchFamily="34" charset="-120"/>
                             </a:rPr>
                             <a:t>是</a:t>
                           </a:r>
                           <a:r>
-                            <a:rPr lang="en-US" altLang="zh-TW" dirty="0">
+                            <a:rPr lang="en-US" altLang="zh-TW" sz="2000" dirty="0">
                               <a:latin typeface="微軟正黑體" panose="020B0604030504040204" pitchFamily="34" charset="-120"/>
                               <a:ea typeface="微軟正黑體" panose="020B0604030504040204" pitchFamily="34" charset="-120"/>
                             </a:rPr>
                             <a:t>B2(</a:t>
                           </a:r>
                           <a:r>
-                            <a:rPr lang="zh-TW" altLang="en-US" dirty="0">
+                            <a:rPr lang="zh-TW" altLang="en-US" sz="2000" dirty="0">
                               <a:latin typeface="微軟正黑體" panose="020B0604030504040204" pitchFamily="34" charset="-120"/>
                               <a:ea typeface="微軟正黑體" panose="020B0604030504040204" pitchFamily="34" charset="-120"/>
                             </a:rPr>
                             <a:t>中</a:t>
                           </a:r>
                           <a:r>
-                            <a:rPr lang="en-US" altLang="zh-TW" dirty="0">
+                            <a:rPr lang="en-US" altLang="zh-TW" sz="2000" dirty="0">
                               <a:latin typeface="微軟正黑體" panose="020B0604030504040204" pitchFamily="34" charset="-120"/>
                               <a:ea typeface="微軟正黑體" panose="020B0604030504040204" pitchFamily="34" charset="-120"/>
                             </a:rPr>
                             <a:t>)</a:t>
                           </a:r>
-                          <a:endParaRPr lang="zh-TW" altLang="en-US" dirty="0">
+                          <a:endParaRPr lang="zh-TW" altLang="en-US" sz="2000" dirty="0">
                             <a:latin typeface="微軟正黑體" panose="020B0604030504040204" pitchFamily="34" charset="-120"/>
                             <a:ea typeface="微軟正黑體" panose="020B0604030504040204" pitchFamily="34" charset="-120"/>
                           </a:endParaRPr>
@@ -8292,7 +9857,7 @@
                         <a:blipFill>
                           <a:blip r:embed="rId2"/>
                           <a:stretch>
-                            <a:fillRect l="-200225" t="-208197" r="-899" b="-722951"/>
+                            <a:fillRect l="-200000" t="-207692" r="-899" b="-727692"/>
                           </a:stretch>
                         </a:blipFill>
                       </a:tcPr>
@@ -8303,7 +9868,7 @@
                       </a:ext>
                     </a:extLst>
                   </a:tr>
-                  <a:tr h="370840">
+                  <a:tr h="396240">
                     <a:tc>
                       <a:txBody>
                         <a:bodyPr/>
@@ -8327,13 +9892,13 @@
                             <a:defRPr/>
                           </a:pPr>
                           <a:r>
-                            <a:rPr lang="en-US" altLang="zh-TW" dirty="0">
+                            <a:rPr lang="en-US" altLang="zh-TW" sz="2000" dirty="0">
                               <a:latin typeface="微軟正黑體" panose="020B0604030504040204" pitchFamily="34" charset="-120"/>
                               <a:ea typeface="微軟正黑體" panose="020B0604030504040204" pitchFamily="34" charset="-120"/>
                             </a:rPr>
                             <a:t>Rule3</a:t>
                           </a:r>
-                          <a:endParaRPr lang="zh-TW" altLang="en-US" dirty="0">
+                          <a:endParaRPr lang="zh-TW" altLang="en-US" sz="2000" dirty="0">
                             <a:latin typeface="微軟正黑體" panose="020B0604030504040204" pitchFamily="34" charset="-120"/>
                             <a:ea typeface="微軟正黑體" panose="020B0604030504040204" pitchFamily="34" charset="-120"/>
                           </a:endParaRPr>
@@ -8348,90 +9913,90 @@
                         <a:p>
                           <a:pPr algn="ctr"/>
                           <a:r>
-                            <a:rPr lang="zh-TW" altLang="en-US" dirty="0">
+                            <a:rPr lang="zh-TW" altLang="en-US" sz="2000" dirty="0">
                               <a:latin typeface="微軟正黑體" panose="020B0604030504040204" pitchFamily="34" charset="-120"/>
                               <a:ea typeface="微軟正黑體" panose="020B0604030504040204" pitchFamily="34" charset="-120"/>
                             </a:rPr>
                             <a:t>如果 𝑥</a:t>
                           </a:r>
                           <a:r>
-                            <a:rPr lang="en-US" altLang="zh-TW" dirty="0">
+                            <a:rPr lang="en-US" altLang="zh-TW" sz="2000" dirty="0">
                               <a:latin typeface="微軟正黑體" panose="020B0604030504040204" pitchFamily="34" charset="-120"/>
                               <a:ea typeface="微軟正黑體" panose="020B0604030504040204" pitchFamily="34" charset="-120"/>
                             </a:rPr>
                             <a:t> </a:t>
                           </a:r>
                           <a:r>
-                            <a:rPr lang="zh-TW" altLang="en-US" dirty="0">
+                            <a:rPr lang="zh-TW" altLang="en-US" sz="2000" dirty="0">
                               <a:latin typeface="微軟正黑體" panose="020B0604030504040204" pitchFamily="34" charset="-120"/>
                               <a:ea typeface="微軟正黑體" panose="020B0604030504040204" pitchFamily="34" charset="-120"/>
                             </a:rPr>
                             <a:t>是 </a:t>
                           </a:r>
                           <a:r>
-                            <a:rPr lang="en-US" altLang="zh-TW" dirty="0">
+                            <a:rPr lang="en-US" altLang="zh-TW" sz="2000" dirty="0">
                               <a:latin typeface="微軟正黑體" panose="020B0604030504040204" pitchFamily="34" charset="-120"/>
                               <a:ea typeface="微軟正黑體" panose="020B0604030504040204" pitchFamily="34" charset="-120"/>
                             </a:rPr>
                             <a:t>A1(</a:t>
                           </a:r>
                           <a:r>
-                            <a:rPr lang="zh-TW" altLang="en-US" dirty="0">
+                            <a:rPr lang="zh-TW" altLang="en-US" sz="2000" dirty="0">
                               <a:latin typeface="微軟正黑體" panose="020B0604030504040204" pitchFamily="34" charset="-120"/>
                               <a:ea typeface="微軟正黑體" panose="020B0604030504040204" pitchFamily="34" charset="-120"/>
                             </a:rPr>
                             <a:t>小</a:t>
                           </a:r>
                           <a:r>
-                            <a:rPr lang="en-US" altLang="zh-TW" dirty="0">
+                            <a:rPr lang="en-US" altLang="zh-TW" sz="2000" dirty="0">
                               <a:latin typeface="微軟正黑體" panose="020B0604030504040204" pitchFamily="34" charset="-120"/>
                               <a:ea typeface="微軟正黑體" panose="020B0604030504040204" pitchFamily="34" charset="-120"/>
                             </a:rPr>
                             <a:t>) </a:t>
                           </a:r>
                           <a:r>
-                            <a:rPr lang="zh-TW" altLang="en-US" dirty="0">
+                            <a:rPr lang="zh-TW" altLang="en-US" sz="2000" dirty="0">
                               <a:latin typeface="微軟正黑體" panose="020B0604030504040204" pitchFamily="34" charset="-120"/>
                               <a:ea typeface="微軟正黑體" panose="020B0604030504040204" pitchFamily="34" charset="-120"/>
                             </a:rPr>
                             <a:t>且 𝑦</a:t>
                           </a:r>
                           <a:r>
-                            <a:rPr lang="en-US" altLang="zh-TW" dirty="0">
+                            <a:rPr lang="en-US" altLang="zh-TW" sz="2000" dirty="0">
                               <a:latin typeface="微軟正黑體" panose="020B0604030504040204" pitchFamily="34" charset="-120"/>
                               <a:ea typeface="微軟正黑體" panose="020B0604030504040204" pitchFamily="34" charset="-120"/>
                             </a:rPr>
                             <a:t> </a:t>
                           </a:r>
                           <a:r>
-                            <a:rPr lang="zh-TW" altLang="en-US" dirty="0">
+                            <a:rPr lang="zh-TW" altLang="en-US" sz="2000" dirty="0">
                               <a:latin typeface="微軟正黑體" panose="020B0604030504040204" pitchFamily="34" charset="-120"/>
                               <a:ea typeface="微軟正黑體" panose="020B0604030504040204" pitchFamily="34" charset="-120"/>
                             </a:rPr>
                             <a:t>是</a:t>
                           </a:r>
                           <a:r>
-                            <a:rPr lang="en-US" altLang="zh-TW" dirty="0">
+                            <a:rPr lang="en-US" altLang="zh-TW" sz="2000" dirty="0">
                               <a:latin typeface="微軟正黑體" panose="020B0604030504040204" pitchFamily="34" charset="-120"/>
                               <a:ea typeface="微軟正黑體" panose="020B0604030504040204" pitchFamily="34" charset="-120"/>
                             </a:rPr>
                             <a:t>B3(</a:t>
                           </a:r>
                           <a:r>
-                            <a:rPr lang="zh-TW" altLang="en-US" dirty="0">
+                            <a:rPr lang="zh-TW" altLang="en-US" sz="2000" dirty="0">
                               <a:latin typeface="微軟正黑體" panose="020B0604030504040204" pitchFamily="34" charset="-120"/>
                               <a:ea typeface="微軟正黑體" panose="020B0604030504040204" pitchFamily="34" charset="-120"/>
                             </a:rPr>
                             <a:t>高</a:t>
                           </a:r>
                           <a:r>
-                            <a:rPr lang="en-US" altLang="zh-TW" dirty="0">
+                            <a:rPr lang="en-US" altLang="zh-TW" sz="2000" dirty="0">
                               <a:latin typeface="微軟正黑體" panose="020B0604030504040204" pitchFamily="34" charset="-120"/>
                               <a:ea typeface="微軟正黑體" panose="020B0604030504040204" pitchFamily="34" charset="-120"/>
                             </a:rPr>
                             <a:t>)</a:t>
                           </a:r>
-                          <a:endParaRPr lang="zh-TW" altLang="en-US" dirty="0">
+                          <a:endParaRPr lang="zh-TW" altLang="en-US" sz="2000" dirty="0">
                             <a:latin typeface="微軟正黑體" panose="020B0604030504040204" pitchFamily="34" charset="-120"/>
                             <a:ea typeface="微軟正黑體" panose="020B0604030504040204" pitchFamily="34" charset="-120"/>
                           </a:endParaRPr>
@@ -8451,7 +10016,7 @@
                         <a:blipFill>
                           <a:blip r:embed="rId2"/>
                           <a:stretch>
-                            <a:fillRect l="-200225" t="-308197" r="-899" b="-622951"/>
+                            <a:fillRect l="-200000" t="-307692" r="-899" b="-627692"/>
                           </a:stretch>
                         </a:blipFill>
                       </a:tcPr>
@@ -8462,7 +10027,7 @@
                       </a:ext>
                     </a:extLst>
                   </a:tr>
-                  <a:tr h="370840">
+                  <a:tr h="396240">
                     <a:tc>
                       <a:txBody>
                         <a:bodyPr/>
@@ -8486,13 +10051,13 @@
                             <a:defRPr/>
                           </a:pPr>
                           <a:r>
-                            <a:rPr lang="en-US" altLang="zh-TW" dirty="0">
+                            <a:rPr lang="en-US" altLang="zh-TW" sz="2000" dirty="0">
                               <a:latin typeface="微軟正黑體" panose="020B0604030504040204" pitchFamily="34" charset="-120"/>
                               <a:ea typeface="微軟正黑體" panose="020B0604030504040204" pitchFamily="34" charset="-120"/>
                             </a:rPr>
                             <a:t>Rule4</a:t>
                           </a:r>
-                          <a:endParaRPr lang="zh-TW" altLang="en-US" dirty="0">
+                          <a:endParaRPr lang="zh-TW" altLang="en-US" sz="2000" dirty="0">
                             <a:latin typeface="微軟正黑體" panose="020B0604030504040204" pitchFamily="34" charset="-120"/>
                             <a:ea typeface="微軟正黑體" panose="020B0604030504040204" pitchFamily="34" charset="-120"/>
                           </a:endParaRPr>
@@ -8507,90 +10072,90 @@
                         <a:p>
                           <a:pPr algn="ctr"/>
                           <a:r>
-                            <a:rPr lang="zh-TW" altLang="en-US" dirty="0">
+                            <a:rPr lang="zh-TW" altLang="en-US" sz="2000" dirty="0">
                               <a:latin typeface="微軟正黑體" panose="020B0604030504040204" pitchFamily="34" charset="-120"/>
                               <a:ea typeface="微軟正黑體" panose="020B0604030504040204" pitchFamily="34" charset="-120"/>
                             </a:rPr>
                             <a:t>如果 𝑥</a:t>
                           </a:r>
                           <a:r>
-                            <a:rPr lang="en-US" altLang="zh-TW" dirty="0">
+                            <a:rPr lang="en-US" altLang="zh-TW" sz="2000" dirty="0">
                               <a:latin typeface="微軟正黑體" panose="020B0604030504040204" pitchFamily="34" charset="-120"/>
                               <a:ea typeface="微軟正黑體" panose="020B0604030504040204" pitchFamily="34" charset="-120"/>
                             </a:rPr>
                             <a:t> </a:t>
                           </a:r>
                           <a:r>
-                            <a:rPr lang="zh-TW" altLang="en-US" dirty="0">
+                            <a:rPr lang="zh-TW" altLang="en-US" sz="2000" dirty="0">
                               <a:latin typeface="微軟正黑體" panose="020B0604030504040204" pitchFamily="34" charset="-120"/>
                               <a:ea typeface="微軟正黑體" panose="020B0604030504040204" pitchFamily="34" charset="-120"/>
                             </a:rPr>
                             <a:t>是 </a:t>
                           </a:r>
                           <a:r>
-                            <a:rPr lang="en-US" altLang="zh-TW" dirty="0">
+                            <a:rPr lang="en-US" altLang="zh-TW" sz="2000" dirty="0">
                               <a:latin typeface="微軟正黑體" panose="020B0604030504040204" pitchFamily="34" charset="-120"/>
                               <a:ea typeface="微軟正黑體" panose="020B0604030504040204" pitchFamily="34" charset="-120"/>
                             </a:rPr>
                             <a:t>A2(</a:t>
                           </a:r>
                           <a:r>
-                            <a:rPr lang="zh-TW" altLang="en-US" dirty="0">
+                            <a:rPr lang="zh-TW" altLang="en-US" sz="2000" dirty="0">
                               <a:latin typeface="微軟正黑體" panose="020B0604030504040204" pitchFamily="34" charset="-120"/>
                               <a:ea typeface="微軟正黑體" panose="020B0604030504040204" pitchFamily="34" charset="-120"/>
                             </a:rPr>
                             <a:t>中</a:t>
                           </a:r>
                           <a:r>
-                            <a:rPr lang="en-US" altLang="zh-TW" dirty="0">
+                            <a:rPr lang="en-US" altLang="zh-TW" sz="2000" dirty="0">
                               <a:latin typeface="微軟正黑體" panose="020B0604030504040204" pitchFamily="34" charset="-120"/>
                               <a:ea typeface="微軟正黑體" panose="020B0604030504040204" pitchFamily="34" charset="-120"/>
                             </a:rPr>
                             <a:t>) </a:t>
                           </a:r>
                           <a:r>
-                            <a:rPr lang="zh-TW" altLang="en-US" dirty="0">
+                            <a:rPr lang="zh-TW" altLang="en-US" sz="2000" dirty="0">
                               <a:latin typeface="微軟正黑體" panose="020B0604030504040204" pitchFamily="34" charset="-120"/>
                               <a:ea typeface="微軟正黑體" panose="020B0604030504040204" pitchFamily="34" charset="-120"/>
                             </a:rPr>
                             <a:t>且 𝑦</a:t>
                           </a:r>
                           <a:r>
-                            <a:rPr lang="en-US" altLang="zh-TW" dirty="0">
+                            <a:rPr lang="en-US" altLang="zh-TW" sz="2000" dirty="0">
                               <a:latin typeface="微軟正黑體" panose="020B0604030504040204" pitchFamily="34" charset="-120"/>
                               <a:ea typeface="微軟正黑體" panose="020B0604030504040204" pitchFamily="34" charset="-120"/>
                             </a:rPr>
                             <a:t> </a:t>
                           </a:r>
                           <a:r>
-                            <a:rPr lang="zh-TW" altLang="en-US" dirty="0">
+                            <a:rPr lang="zh-TW" altLang="en-US" sz="2000" dirty="0">
                               <a:latin typeface="微軟正黑體" panose="020B0604030504040204" pitchFamily="34" charset="-120"/>
                               <a:ea typeface="微軟正黑體" panose="020B0604030504040204" pitchFamily="34" charset="-120"/>
                             </a:rPr>
                             <a:t>是</a:t>
                           </a:r>
                           <a:r>
-                            <a:rPr lang="en-US" altLang="zh-TW" dirty="0">
+                            <a:rPr lang="en-US" altLang="zh-TW" sz="2000" dirty="0">
                               <a:latin typeface="微軟正黑體" panose="020B0604030504040204" pitchFamily="34" charset="-120"/>
                               <a:ea typeface="微軟正黑體" panose="020B0604030504040204" pitchFamily="34" charset="-120"/>
                             </a:rPr>
                             <a:t>B1(</a:t>
                           </a:r>
                           <a:r>
-                            <a:rPr lang="zh-TW" altLang="en-US" dirty="0">
+                            <a:rPr lang="zh-TW" altLang="en-US" sz="2000" dirty="0">
                               <a:latin typeface="微軟正黑體" panose="020B0604030504040204" pitchFamily="34" charset="-120"/>
                               <a:ea typeface="微軟正黑體" panose="020B0604030504040204" pitchFamily="34" charset="-120"/>
                             </a:rPr>
                             <a:t>低</a:t>
                           </a:r>
                           <a:r>
-                            <a:rPr lang="en-US" altLang="zh-TW" dirty="0">
+                            <a:rPr lang="en-US" altLang="zh-TW" sz="2000" dirty="0">
                               <a:latin typeface="微軟正黑體" panose="020B0604030504040204" pitchFamily="34" charset="-120"/>
                               <a:ea typeface="微軟正黑體" panose="020B0604030504040204" pitchFamily="34" charset="-120"/>
                             </a:rPr>
                             <a:t>)</a:t>
                           </a:r>
-                          <a:endParaRPr lang="zh-TW" altLang="en-US" dirty="0">
+                          <a:endParaRPr lang="zh-TW" altLang="en-US" sz="2000" dirty="0">
                             <a:latin typeface="微軟正黑體" panose="020B0604030504040204" pitchFamily="34" charset="-120"/>
                             <a:ea typeface="微軟正黑體" panose="020B0604030504040204" pitchFamily="34" charset="-120"/>
                           </a:endParaRPr>
@@ -8610,7 +10175,7 @@
                         <a:blipFill>
                           <a:blip r:embed="rId2"/>
                           <a:stretch>
-                            <a:fillRect l="-200225" t="-408197" r="-899" b="-522951"/>
+                            <a:fillRect l="-200000" t="-401515" r="-899" b="-518182"/>
                           </a:stretch>
                         </a:blipFill>
                       </a:tcPr>
@@ -8621,7 +10186,7 @@
                       </a:ext>
                     </a:extLst>
                   </a:tr>
-                  <a:tr h="370840">
+                  <a:tr h="396240">
                     <a:tc>
                       <a:txBody>
                         <a:bodyPr/>
@@ -8645,13 +10210,13 @@
                             <a:defRPr/>
                           </a:pPr>
                           <a:r>
-                            <a:rPr lang="en-US" altLang="zh-TW" dirty="0">
+                            <a:rPr lang="en-US" altLang="zh-TW" sz="2000" dirty="0">
                               <a:latin typeface="微軟正黑體" panose="020B0604030504040204" pitchFamily="34" charset="-120"/>
                               <a:ea typeface="微軟正黑體" panose="020B0604030504040204" pitchFamily="34" charset="-120"/>
                             </a:rPr>
                             <a:t>Rule5</a:t>
                           </a:r>
-                          <a:endParaRPr lang="zh-TW" altLang="en-US" dirty="0">
+                          <a:endParaRPr lang="zh-TW" altLang="en-US" sz="2000" dirty="0">
                             <a:latin typeface="微軟正黑體" panose="020B0604030504040204" pitchFamily="34" charset="-120"/>
                             <a:ea typeface="微軟正黑體" panose="020B0604030504040204" pitchFamily="34" charset="-120"/>
                           </a:endParaRPr>
@@ -8666,90 +10231,90 @@
                         <a:p>
                           <a:pPr algn="ctr"/>
                           <a:r>
-                            <a:rPr lang="zh-TW" altLang="en-US" dirty="0">
+                            <a:rPr lang="zh-TW" altLang="en-US" sz="2000" dirty="0">
                               <a:latin typeface="微軟正黑體" panose="020B0604030504040204" pitchFamily="34" charset="-120"/>
                               <a:ea typeface="微軟正黑體" panose="020B0604030504040204" pitchFamily="34" charset="-120"/>
                             </a:rPr>
                             <a:t>如果 𝑥</a:t>
                           </a:r>
                           <a:r>
-                            <a:rPr lang="en-US" altLang="zh-TW" dirty="0">
+                            <a:rPr lang="en-US" altLang="zh-TW" sz="2000" dirty="0">
                               <a:latin typeface="微軟正黑體" panose="020B0604030504040204" pitchFamily="34" charset="-120"/>
                               <a:ea typeface="微軟正黑體" panose="020B0604030504040204" pitchFamily="34" charset="-120"/>
                             </a:rPr>
                             <a:t> </a:t>
                           </a:r>
                           <a:r>
-                            <a:rPr lang="zh-TW" altLang="en-US" dirty="0">
+                            <a:rPr lang="zh-TW" altLang="en-US" sz="2000" dirty="0">
                               <a:latin typeface="微軟正黑體" panose="020B0604030504040204" pitchFamily="34" charset="-120"/>
                               <a:ea typeface="微軟正黑體" panose="020B0604030504040204" pitchFamily="34" charset="-120"/>
                             </a:rPr>
                             <a:t>是 </a:t>
                           </a:r>
                           <a:r>
-                            <a:rPr lang="en-US" altLang="zh-TW" dirty="0">
+                            <a:rPr lang="en-US" altLang="zh-TW" sz="2000" dirty="0">
                               <a:latin typeface="微軟正黑體" panose="020B0604030504040204" pitchFamily="34" charset="-120"/>
                               <a:ea typeface="微軟正黑體" panose="020B0604030504040204" pitchFamily="34" charset="-120"/>
                             </a:rPr>
                             <a:t>A2(</a:t>
                           </a:r>
                           <a:r>
-                            <a:rPr lang="zh-TW" altLang="en-US" dirty="0">
+                            <a:rPr lang="zh-TW" altLang="en-US" sz="2000" dirty="0">
                               <a:latin typeface="微軟正黑體" panose="020B0604030504040204" pitchFamily="34" charset="-120"/>
                               <a:ea typeface="微軟正黑體" panose="020B0604030504040204" pitchFamily="34" charset="-120"/>
                             </a:rPr>
                             <a:t>中</a:t>
                           </a:r>
                           <a:r>
-                            <a:rPr lang="en-US" altLang="zh-TW" dirty="0">
+                            <a:rPr lang="en-US" altLang="zh-TW" sz="2000" dirty="0">
                               <a:latin typeface="微軟正黑體" panose="020B0604030504040204" pitchFamily="34" charset="-120"/>
                               <a:ea typeface="微軟正黑體" panose="020B0604030504040204" pitchFamily="34" charset="-120"/>
                             </a:rPr>
                             <a:t>) </a:t>
                           </a:r>
                           <a:r>
-                            <a:rPr lang="zh-TW" altLang="en-US" dirty="0">
+                            <a:rPr lang="zh-TW" altLang="en-US" sz="2000" dirty="0">
                               <a:latin typeface="微軟正黑體" panose="020B0604030504040204" pitchFamily="34" charset="-120"/>
                               <a:ea typeface="微軟正黑體" panose="020B0604030504040204" pitchFamily="34" charset="-120"/>
                             </a:rPr>
                             <a:t>且 𝑦</a:t>
                           </a:r>
                           <a:r>
-                            <a:rPr lang="en-US" altLang="zh-TW" dirty="0">
+                            <a:rPr lang="en-US" altLang="zh-TW" sz="2000" dirty="0">
                               <a:latin typeface="微軟正黑體" panose="020B0604030504040204" pitchFamily="34" charset="-120"/>
                               <a:ea typeface="微軟正黑體" panose="020B0604030504040204" pitchFamily="34" charset="-120"/>
                             </a:rPr>
                             <a:t> </a:t>
                           </a:r>
                           <a:r>
-                            <a:rPr lang="zh-TW" altLang="en-US" dirty="0">
+                            <a:rPr lang="zh-TW" altLang="en-US" sz="2000" dirty="0">
                               <a:latin typeface="微軟正黑體" panose="020B0604030504040204" pitchFamily="34" charset="-120"/>
                               <a:ea typeface="微軟正黑體" panose="020B0604030504040204" pitchFamily="34" charset="-120"/>
                             </a:rPr>
                             <a:t>是</a:t>
                           </a:r>
                           <a:r>
-                            <a:rPr lang="en-US" altLang="zh-TW" dirty="0">
+                            <a:rPr lang="en-US" altLang="zh-TW" sz="2000" dirty="0">
                               <a:latin typeface="微軟正黑體" panose="020B0604030504040204" pitchFamily="34" charset="-120"/>
                               <a:ea typeface="微軟正黑體" panose="020B0604030504040204" pitchFamily="34" charset="-120"/>
                             </a:rPr>
                             <a:t>B2(</a:t>
                           </a:r>
                           <a:r>
-                            <a:rPr lang="zh-TW" altLang="en-US" dirty="0">
+                            <a:rPr lang="zh-TW" altLang="en-US" sz="2000" dirty="0">
                               <a:latin typeface="微軟正黑體" panose="020B0604030504040204" pitchFamily="34" charset="-120"/>
                               <a:ea typeface="微軟正黑體" panose="020B0604030504040204" pitchFamily="34" charset="-120"/>
                             </a:rPr>
                             <a:t>中</a:t>
                           </a:r>
                           <a:r>
-                            <a:rPr lang="en-US" altLang="zh-TW" dirty="0">
+                            <a:rPr lang="en-US" altLang="zh-TW" sz="2000" dirty="0">
                               <a:latin typeface="微軟正黑體" panose="020B0604030504040204" pitchFamily="34" charset="-120"/>
                               <a:ea typeface="微軟正黑體" panose="020B0604030504040204" pitchFamily="34" charset="-120"/>
                             </a:rPr>
                             <a:t>)</a:t>
                           </a:r>
-                          <a:endParaRPr lang="zh-TW" altLang="en-US" dirty="0">
+                          <a:endParaRPr lang="zh-TW" altLang="en-US" sz="2000" dirty="0">
                             <a:latin typeface="微軟正黑體" panose="020B0604030504040204" pitchFamily="34" charset="-120"/>
                             <a:ea typeface="微軟正黑體" panose="020B0604030504040204" pitchFamily="34" charset="-120"/>
                           </a:endParaRPr>
@@ -8769,7 +10334,7 @@
                         <a:blipFill>
                           <a:blip r:embed="rId2"/>
                           <a:stretch>
-                            <a:fillRect l="-200225" t="-516667" r="-899" b="-431667"/>
+                            <a:fillRect l="-200000" t="-509231" r="-899" b="-426154"/>
                           </a:stretch>
                         </a:blipFill>
                       </a:tcPr>
@@ -8780,7 +10345,7 @@
                       </a:ext>
                     </a:extLst>
                   </a:tr>
-                  <a:tr h="370840">
+                  <a:tr h="396240">
                     <a:tc>
                       <a:txBody>
                         <a:bodyPr/>
@@ -8804,13 +10369,13 @@
                             <a:defRPr/>
                           </a:pPr>
                           <a:r>
-                            <a:rPr lang="en-US" altLang="zh-TW" dirty="0">
+                            <a:rPr lang="en-US" altLang="zh-TW" sz="2000" dirty="0">
                               <a:latin typeface="微軟正黑體" panose="020B0604030504040204" pitchFamily="34" charset="-120"/>
                               <a:ea typeface="微軟正黑體" panose="020B0604030504040204" pitchFamily="34" charset="-120"/>
                             </a:rPr>
                             <a:t>Rule6</a:t>
                           </a:r>
-                          <a:endParaRPr lang="zh-TW" altLang="en-US" dirty="0">
+                          <a:endParaRPr lang="zh-TW" altLang="en-US" sz="2000" dirty="0">
                             <a:latin typeface="微軟正黑體" panose="020B0604030504040204" pitchFamily="34" charset="-120"/>
                             <a:ea typeface="微軟正黑體" panose="020B0604030504040204" pitchFamily="34" charset="-120"/>
                           </a:endParaRPr>
@@ -8825,90 +10390,90 @@
                         <a:p>
                           <a:pPr algn="ctr"/>
                           <a:r>
-                            <a:rPr lang="zh-TW" altLang="en-US" dirty="0">
+                            <a:rPr lang="zh-TW" altLang="en-US" sz="2000" dirty="0">
                               <a:latin typeface="微軟正黑體" panose="020B0604030504040204" pitchFamily="34" charset="-120"/>
                               <a:ea typeface="微軟正黑體" panose="020B0604030504040204" pitchFamily="34" charset="-120"/>
                             </a:rPr>
                             <a:t>如果 𝑥</a:t>
                           </a:r>
                           <a:r>
-                            <a:rPr lang="en-US" altLang="zh-TW" dirty="0">
+                            <a:rPr lang="en-US" altLang="zh-TW" sz="2000" dirty="0">
                               <a:latin typeface="微軟正黑體" panose="020B0604030504040204" pitchFamily="34" charset="-120"/>
                               <a:ea typeface="微軟正黑體" panose="020B0604030504040204" pitchFamily="34" charset="-120"/>
                             </a:rPr>
                             <a:t> </a:t>
                           </a:r>
                           <a:r>
-                            <a:rPr lang="zh-TW" altLang="en-US" dirty="0">
+                            <a:rPr lang="zh-TW" altLang="en-US" sz="2000" dirty="0">
                               <a:latin typeface="微軟正黑體" panose="020B0604030504040204" pitchFamily="34" charset="-120"/>
                               <a:ea typeface="微軟正黑體" panose="020B0604030504040204" pitchFamily="34" charset="-120"/>
                             </a:rPr>
                             <a:t>是 </a:t>
                           </a:r>
                           <a:r>
-                            <a:rPr lang="en-US" altLang="zh-TW" dirty="0">
+                            <a:rPr lang="en-US" altLang="zh-TW" sz="2000" dirty="0">
                               <a:latin typeface="微軟正黑體" panose="020B0604030504040204" pitchFamily="34" charset="-120"/>
                               <a:ea typeface="微軟正黑體" panose="020B0604030504040204" pitchFamily="34" charset="-120"/>
                             </a:rPr>
                             <a:t>A2(</a:t>
                           </a:r>
                           <a:r>
-                            <a:rPr lang="zh-TW" altLang="en-US" dirty="0">
+                            <a:rPr lang="zh-TW" altLang="en-US" sz="2000" dirty="0">
                               <a:latin typeface="微軟正黑體" panose="020B0604030504040204" pitchFamily="34" charset="-120"/>
                               <a:ea typeface="微軟正黑體" panose="020B0604030504040204" pitchFamily="34" charset="-120"/>
                             </a:rPr>
                             <a:t>中</a:t>
                           </a:r>
                           <a:r>
-                            <a:rPr lang="en-US" altLang="zh-TW" dirty="0">
+                            <a:rPr lang="en-US" altLang="zh-TW" sz="2000" dirty="0">
                               <a:latin typeface="微軟正黑體" panose="020B0604030504040204" pitchFamily="34" charset="-120"/>
                               <a:ea typeface="微軟正黑體" panose="020B0604030504040204" pitchFamily="34" charset="-120"/>
                             </a:rPr>
                             <a:t>) </a:t>
                           </a:r>
                           <a:r>
-                            <a:rPr lang="zh-TW" altLang="en-US" dirty="0">
+                            <a:rPr lang="zh-TW" altLang="en-US" sz="2000" dirty="0">
                               <a:latin typeface="微軟正黑體" panose="020B0604030504040204" pitchFamily="34" charset="-120"/>
                               <a:ea typeface="微軟正黑體" panose="020B0604030504040204" pitchFamily="34" charset="-120"/>
                             </a:rPr>
                             <a:t>且 𝑦</a:t>
                           </a:r>
                           <a:r>
-                            <a:rPr lang="en-US" altLang="zh-TW" dirty="0">
+                            <a:rPr lang="en-US" altLang="zh-TW" sz="2000" dirty="0">
                               <a:latin typeface="微軟正黑體" panose="020B0604030504040204" pitchFamily="34" charset="-120"/>
                               <a:ea typeface="微軟正黑體" panose="020B0604030504040204" pitchFamily="34" charset="-120"/>
                             </a:rPr>
                             <a:t> </a:t>
                           </a:r>
                           <a:r>
-                            <a:rPr lang="zh-TW" altLang="en-US" dirty="0">
+                            <a:rPr lang="zh-TW" altLang="en-US" sz="2000" dirty="0">
                               <a:latin typeface="微軟正黑體" panose="020B0604030504040204" pitchFamily="34" charset="-120"/>
                               <a:ea typeface="微軟正黑體" panose="020B0604030504040204" pitchFamily="34" charset="-120"/>
                             </a:rPr>
                             <a:t>是</a:t>
                           </a:r>
                           <a:r>
-                            <a:rPr lang="en-US" altLang="zh-TW" dirty="0">
+                            <a:rPr lang="en-US" altLang="zh-TW" sz="2000" dirty="0">
                               <a:latin typeface="微軟正黑體" panose="020B0604030504040204" pitchFamily="34" charset="-120"/>
                               <a:ea typeface="微軟正黑體" panose="020B0604030504040204" pitchFamily="34" charset="-120"/>
                             </a:rPr>
                             <a:t>B3(</a:t>
                           </a:r>
                           <a:r>
-                            <a:rPr lang="zh-TW" altLang="en-US" dirty="0">
+                            <a:rPr lang="zh-TW" altLang="en-US" sz="2000" dirty="0">
                               <a:latin typeface="微軟正黑體" panose="020B0604030504040204" pitchFamily="34" charset="-120"/>
                               <a:ea typeface="微軟正黑體" panose="020B0604030504040204" pitchFamily="34" charset="-120"/>
                             </a:rPr>
                             <a:t>高</a:t>
                           </a:r>
                           <a:r>
-                            <a:rPr lang="en-US" altLang="zh-TW" dirty="0">
+                            <a:rPr lang="en-US" altLang="zh-TW" sz="2000" dirty="0">
                               <a:latin typeface="微軟正黑體" panose="020B0604030504040204" pitchFamily="34" charset="-120"/>
                               <a:ea typeface="微軟正黑體" panose="020B0604030504040204" pitchFamily="34" charset="-120"/>
                             </a:rPr>
                             <a:t>)</a:t>
                           </a:r>
-                          <a:endParaRPr lang="zh-TW" altLang="en-US" dirty="0">
+                          <a:endParaRPr lang="zh-TW" altLang="en-US" sz="2000" dirty="0">
                             <a:latin typeface="微軟正黑體" panose="020B0604030504040204" pitchFamily="34" charset="-120"/>
                             <a:ea typeface="微軟正黑體" panose="020B0604030504040204" pitchFamily="34" charset="-120"/>
                           </a:endParaRPr>
@@ -8928,7 +10493,7 @@
                         <a:blipFill>
                           <a:blip r:embed="rId2"/>
                           <a:stretch>
-                            <a:fillRect l="-200225" t="-606557" r="-899" b="-324590"/>
+                            <a:fillRect l="-200000" t="-609231" r="-899" b="-326154"/>
                           </a:stretch>
                         </a:blipFill>
                       </a:tcPr>
@@ -8939,7 +10504,7 @@
                       </a:ext>
                     </a:extLst>
                   </a:tr>
-                  <a:tr h="370840">
+                  <a:tr h="396240">
                     <a:tc>
                       <a:txBody>
                         <a:bodyPr/>
@@ -8963,13 +10528,13 @@
                             <a:defRPr/>
                           </a:pPr>
                           <a:r>
-                            <a:rPr lang="en-US" altLang="zh-TW" dirty="0">
+                            <a:rPr lang="en-US" altLang="zh-TW" sz="2000" dirty="0">
                               <a:latin typeface="微軟正黑體" panose="020B0604030504040204" pitchFamily="34" charset="-120"/>
                               <a:ea typeface="微軟正黑體" panose="020B0604030504040204" pitchFamily="34" charset="-120"/>
                             </a:rPr>
                             <a:t>Rule7</a:t>
                           </a:r>
-                          <a:endParaRPr lang="zh-TW" altLang="en-US" dirty="0">
+                          <a:endParaRPr lang="zh-TW" altLang="en-US" sz="2000" dirty="0">
                             <a:latin typeface="微軟正黑體" panose="020B0604030504040204" pitchFamily="34" charset="-120"/>
                             <a:ea typeface="微軟正黑體" panose="020B0604030504040204" pitchFamily="34" charset="-120"/>
                           </a:endParaRPr>
@@ -8984,90 +10549,90 @@
                         <a:p>
                           <a:pPr algn="ctr"/>
                           <a:r>
-                            <a:rPr lang="zh-TW" altLang="en-US" dirty="0">
+                            <a:rPr lang="zh-TW" altLang="en-US" sz="2000" dirty="0">
                               <a:latin typeface="微軟正黑體" panose="020B0604030504040204" pitchFamily="34" charset="-120"/>
                               <a:ea typeface="微軟正黑體" panose="020B0604030504040204" pitchFamily="34" charset="-120"/>
                             </a:rPr>
                             <a:t>如果 𝑥</a:t>
                           </a:r>
                           <a:r>
-                            <a:rPr lang="en-US" altLang="zh-TW" dirty="0">
+                            <a:rPr lang="en-US" altLang="zh-TW" sz="2000" dirty="0">
                               <a:latin typeface="微軟正黑體" panose="020B0604030504040204" pitchFamily="34" charset="-120"/>
                               <a:ea typeface="微軟正黑體" panose="020B0604030504040204" pitchFamily="34" charset="-120"/>
                             </a:rPr>
                             <a:t> </a:t>
                           </a:r>
                           <a:r>
-                            <a:rPr lang="zh-TW" altLang="en-US" dirty="0">
+                            <a:rPr lang="zh-TW" altLang="en-US" sz="2000" dirty="0">
                               <a:latin typeface="微軟正黑體" panose="020B0604030504040204" pitchFamily="34" charset="-120"/>
                               <a:ea typeface="微軟正黑體" panose="020B0604030504040204" pitchFamily="34" charset="-120"/>
                             </a:rPr>
                             <a:t>是 </a:t>
                           </a:r>
                           <a:r>
-                            <a:rPr lang="en-US" altLang="zh-TW" dirty="0">
+                            <a:rPr lang="en-US" altLang="zh-TW" sz="2000" dirty="0">
                               <a:latin typeface="微軟正黑體" panose="020B0604030504040204" pitchFamily="34" charset="-120"/>
                               <a:ea typeface="微軟正黑體" panose="020B0604030504040204" pitchFamily="34" charset="-120"/>
                             </a:rPr>
                             <a:t>A3(</a:t>
                           </a:r>
                           <a:r>
-                            <a:rPr lang="zh-TW" altLang="en-US" dirty="0">
+                            <a:rPr lang="zh-TW" altLang="en-US" sz="2000" dirty="0">
                               <a:latin typeface="微軟正黑體" panose="020B0604030504040204" pitchFamily="34" charset="-120"/>
                               <a:ea typeface="微軟正黑體" panose="020B0604030504040204" pitchFamily="34" charset="-120"/>
                             </a:rPr>
                             <a:t>大</a:t>
                           </a:r>
                           <a:r>
-                            <a:rPr lang="en-US" altLang="zh-TW" dirty="0">
+                            <a:rPr lang="en-US" altLang="zh-TW" sz="2000" dirty="0">
                               <a:latin typeface="微軟正黑體" panose="020B0604030504040204" pitchFamily="34" charset="-120"/>
                               <a:ea typeface="微軟正黑體" panose="020B0604030504040204" pitchFamily="34" charset="-120"/>
                             </a:rPr>
                             <a:t>) </a:t>
                           </a:r>
                           <a:r>
-                            <a:rPr lang="zh-TW" altLang="en-US" dirty="0">
+                            <a:rPr lang="zh-TW" altLang="en-US" sz="2000" dirty="0">
                               <a:latin typeface="微軟正黑體" panose="020B0604030504040204" pitchFamily="34" charset="-120"/>
                               <a:ea typeface="微軟正黑體" panose="020B0604030504040204" pitchFamily="34" charset="-120"/>
                             </a:rPr>
                             <a:t>且 𝑦</a:t>
                           </a:r>
                           <a:r>
-                            <a:rPr lang="en-US" altLang="zh-TW" dirty="0">
+                            <a:rPr lang="en-US" altLang="zh-TW" sz="2000" dirty="0">
                               <a:latin typeface="微軟正黑體" panose="020B0604030504040204" pitchFamily="34" charset="-120"/>
                               <a:ea typeface="微軟正黑體" panose="020B0604030504040204" pitchFamily="34" charset="-120"/>
                             </a:rPr>
                             <a:t> </a:t>
                           </a:r>
                           <a:r>
-                            <a:rPr lang="zh-TW" altLang="en-US" dirty="0">
+                            <a:rPr lang="zh-TW" altLang="en-US" sz="2000" dirty="0">
                               <a:latin typeface="微軟正黑體" panose="020B0604030504040204" pitchFamily="34" charset="-120"/>
                               <a:ea typeface="微軟正黑體" panose="020B0604030504040204" pitchFamily="34" charset="-120"/>
                             </a:rPr>
                             <a:t>是</a:t>
                           </a:r>
                           <a:r>
-                            <a:rPr lang="en-US" altLang="zh-TW" dirty="0">
+                            <a:rPr lang="en-US" altLang="zh-TW" sz="2000" dirty="0">
                               <a:latin typeface="微軟正黑體" panose="020B0604030504040204" pitchFamily="34" charset="-120"/>
                               <a:ea typeface="微軟正黑體" panose="020B0604030504040204" pitchFamily="34" charset="-120"/>
                             </a:rPr>
                             <a:t>B1(</a:t>
                           </a:r>
                           <a:r>
-                            <a:rPr lang="zh-TW" altLang="en-US" dirty="0">
+                            <a:rPr lang="zh-TW" altLang="en-US" sz="2000" dirty="0">
                               <a:latin typeface="微軟正黑體" panose="020B0604030504040204" pitchFamily="34" charset="-120"/>
                               <a:ea typeface="微軟正黑體" panose="020B0604030504040204" pitchFamily="34" charset="-120"/>
                             </a:rPr>
                             <a:t>低</a:t>
                           </a:r>
                           <a:r>
-                            <a:rPr lang="en-US" altLang="zh-TW" dirty="0">
+                            <a:rPr lang="en-US" altLang="zh-TW" sz="2000" dirty="0">
                               <a:latin typeface="微軟正黑體" panose="020B0604030504040204" pitchFamily="34" charset="-120"/>
                               <a:ea typeface="微軟正黑體" panose="020B0604030504040204" pitchFamily="34" charset="-120"/>
                             </a:rPr>
                             <a:t>)</a:t>
                           </a:r>
-                          <a:endParaRPr lang="zh-TW" altLang="en-US" dirty="0">
+                          <a:endParaRPr lang="zh-TW" altLang="en-US" sz="2000" dirty="0">
                             <a:latin typeface="微軟正黑體" panose="020B0604030504040204" pitchFamily="34" charset="-120"/>
                             <a:ea typeface="微軟正黑體" panose="020B0604030504040204" pitchFamily="34" charset="-120"/>
                           </a:endParaRPr>
@@ -9087,7 +10652,7 @@
                         <a:blipFill>
                           <a:blip r:embed="rId2"/>
                           <a:stretch>
-                            <a:fillRect l="-200225" t="-706557" r="-899" b="-224590"/>
+                            <a:fillRect l="-200000" t="-709231" r="-899" b="-226154"/>
                           </a:stretch>
                         </a:blipFill>
                       </a:tcPr>
@@ -9098,7 +10663,7 @@
                       </a:ext>
                     </a:extLst>
                   </a:tr>
-                  <a:tr h="370840">
+                  <a:tr h="396240">
                     <a:tc>
                       <a:txBody>
                         <a:bodyPr/>
@@ -9122,13 +10687,13 @@
                             <a:defRPr/>
                           </a:pPr>
                           <a:r>
-                            <a:rPr lang="en-US" altLang="zh-TW" dirty="0">
+                            <a:rPr lang="en-US" altLang="zh-TW" sz="2000" dirty="0">
                               <a:latin typeface="微軟正黑體" panose="020B0604030504040204" pitchFamily="34" charset="-120"/>
                               <a:ea typeface="微軟正黑體" panose="020B0604030504040204" pitchFamily="34" charset="-120"/>
                             </a:rPr>
                             <a:t>Rule8</a:t>
                           </a:r>
-                          <a:endParaRPr lang="zh-TW" altLang="en-US" dirty="0">
+                          <a:endParaRPr lang="zh-TW" altLang="en-US" sz="2000" dirty="0">
                             <a:latin typeface="微軟正黑體" panose="020B0604030504040204" pitchFamily="34" charset="-120"/>
                             <a:ea typeface="微軟正黑體" panose="020B0604030504040204" pitchFamily="34" charset="-120"/>
                           </a:endParaRPr>
@@ -9143,90 +10708,90 @@
                         <a:p>
                           <a:pPr algn="ctr"/>
                           <a:r>
-                            <a:rPr lang="zh-TW" altLang="en-US" dirty="0">
+                            <a:rPr lang="zh-TW" altLang="en-US" sz="2000" dirty="0">
                               <a:latin typeface="微軟正黑體" panose="020B0604030504040204" pitchFamily="34" charset="-120"/>
                               <a:ea typeface="微軟正黑體" panose="020B0604030504040204" pitchFamily="34" charset="-120"/>
                             </a:rPr>
                             <a:t>如果 𝑥</a:t>
                           </a:r>
                           <a:r>
-                            <a:rPr lang="en-US" altLang="zh-TW" dirty="0">
+                            <a:rPr lang="en-US" altLang="zh-TW" sz="2000" dirty="0">
                               <a:latin typeface="微軟正黑體" panose="020B0604030504040204" pitchFamily="34" charset="-120"/>
                               <a:ea typeface="微軟正黑體" panose="020B0604030504040204" pitchFamily="34" charset="-120"/>
                             </a:rPr>
                             <a:t> </a:t>
                           </a:r>
                           <a:r>
-                            <a:rPr lang="zh-TW" altLang="en-US" dirty="0">
+                            <a:rPr lang="zh-TW" altLang="en-US" sz="2000" dirty="0">
                               <a:latin typeface="微軟正黑體" panose="020B0604030504040204" pitchFamily="34" charset="-120"/>
                               <a:ea typeface="微軟正黑體" panose="020B0604030504040204" pitchFamily="34" charset="-120"/>
                             </a:rPr>
                             <a:t>是 </a:t>
                           </a:r>
                           <a:r>
-                            <a:rPr lang="en-US" altLang="zh-TW" dirty="0">
+                            <a:rPr lang="en-US" altLang="zh-TW" sz="2000" dirty="0">
                               <a:latin typeface="微軟正黑體" panose="020B0604030504040204" pitchFamily="34" charset="-120"/>
                               <a:ea typeface="微軟正黑體" panose="020B0604030504040204" pitchFamily="34" charset="-120"/>
                             </a:rPr>
                             <a:t>A3(</a:t>
                           </a:r>
                           <a:r>
-                            <a:rPr lang="zh-TW" altLang="en-US" dirty="0">
+                            <a:rPr lang="zh-TW" altLang="en-US" sz="2000" dirty="0">
                               <a:latin typeface="微軟正黑體" panose="020B0604030504040204" pitchFamily="34" charset="-120"/>
                               <a:ea typeface="微軟正黑體" panose="020B0604030504040204" pitchFamily="34" charset="-120"/>
                             </a:rPr>
                             <a:t>大</a:t>
                           </a:r>
                           <a:r>
-                            <a:rPr lang="en-US" altLang="zh-TW" dirty="0">
+                            <a:rPr lang="en-US" altLang="zh-TW" sz="2000" dirty="0">
                               <a:latin typeface="微軟正黑體" panose="020B0604030504040204" pitchFamily="34" charset="-120"/>
                               <a:ea typeface="微軟正黑體" panose="020B0604030504040204" pitchFamily="34" charset="-120"/>
                             </a:rPr>
                             <a:t>) </a:t>
                           </a:r>
                           <a:r>
-                            <a:rPr lang="zh-TW" altLang="en-US" dirty="0">
+                            <a:rPr lang="zh-TW" altLang="en-US" sz="2000" dirty="0">
                               <a:latin typeface="微軟正黑體" panose="020B0604030504040204" pitchFamily="34" charset="-120"/>
                               <a:ea typeface="微軟正黑體" panose="020B0604030504040204" pitchFamily="34" charset="-120"/>
                             </a:rPr>
                             <a:t>且 𝑦</a:t>
                           </a:r>
                           <a:r>
-                            <a:rPr lang="en-US" altLang="zh-TW" dirty="0">
+                            <a:rPr lang="en-US" altLang="zh-TW" sz="2000" dirty="0">
                               <a:latin typeface="微軟正黑體" panose="020B0604030504040204" pitchFamily="34" charset="-120"/>
                               <a:ea typeface="微軟正黑體" panose="020B0604030504040204" pitchFamily="34" charset="-120"/>
                             </a:rPr>
                             <a:t> </a:t>
                           </a:r>
                           <a:r>
-                            <a:rPr lang="zh-TW" altLang="en-US" dirty="0">
+                            <a:rPr lang="zh-TW" altLang="en-US" sz="2000" dirty="0">
                               <a:latin typeface="微軟正黑體" panose="020B0604030504040204" pitchFamily="34" charset="-120"/>
                               <a:ea typeface="微軟正黑體" panose="020B0604030504040204" pitchFamily="34" charset="-120"/>
                             </a:rPr>
                             <a:t>是</a:t>
                           </a:r>
                           <a:r>
-                            <a:rPr lang="en-US" altLang="zh-TW" dirty="0">
+                            <a:rPr lang="en-US" altLang="zh-TW" sz="2000" dirty="0">
                               <a:latin typeface="微軟正黑體" panose="020B0604030504040204" pitchFamily="34" charset="-120"/>
                               <a:ea typeface="微軟正黑體" panose="020B0604030504040204" pitchFamily="34" charset="-120"/>
                             </a:rPr>
                             <a:t>B2(</a:t>
                           </a:r>
                           <a:r>
-                            <a:rPr lang="zh-TW" altLang="en-US" dirty="0">
+                            <a:rPr lang="zh-TW" altLang="en-US" sz="2000" dirty="0">
                               <a:latin typeface="微軟正黑體" panose="020B0604030504040204" pitchFamily="34" charset="-120"/>
                               <a:ea typeface="微軟正黑體" panose="020B0604030504040204" pitchFamily="34" charset="-120"/>
                             </a:rPr>
                             <a:t>中</a:t>
                           </a:r>
                           <a:r>
-                            <a:rPr lang="en-US" altLang="zh-TW" dirty="0">
+                            <a:rPr lang="en-US" altLang="zh-TW" sz="2000" dirty="0">
                               <a:latin typeface="微軟正黑體" panose="020B0604030504040204" pitchFamily="34" charset="-120"/>
                               <a:ea typeface="微軟正黑體" panose="020B0604030504040204" pitchFamily="34" charset="-120"/>
                             </a:rPr>
                             <a:t>)</a:t>
                           </a:r>
-                          <a:endParaRPr lang="zh-TW" altLang="en-US" dirty="0">
+                          <a:endParaRPr lang="zh-TW" altLang="en-US" sz="2000" dirty="0">
                             <a:latin typeface="微軟正黑體" panose="020B0604030504040204" pitchFamily="34" charset="-120"/>
                             <a:ea typeface="微軟正黑體" panose="020B0604030504040204" pitchFamily="34" charset="-120"/>
                           </a:endParaRPr>
@@ -9246,7 +10811,7 @@
                         <a:blipFill>
                           <a:blip r:embed="rId2"/>
                           <a:stretch>
-                            <a:fillRect l="-200225" t="-806557" r="-899" b="-124590"/>
+                            <a:fillRect l="-200000" t="-809231" r="-899" b="-126154"/>
                           </a:stretch>
                         </a:blipFill>
                       </a:tcPr>
@@ -9257,7 +10822,7 @@
                       </a:ext>
                     </a:extLst>
                   </a:tr>
-                  <a:tr h="370840">
+                  <a:tr h="396240">
                     <a:tc>
                       <a:txBody>
                         <a:bodyPr/>
@@ -9281,13 +10846,13 @@
                             <a:defRPr/>
                           </a:pPr>
                           <a:r>
-                            <a:rPr lang="en-US" altLang="zh-TW" dirty="0">
+                            <a:rPr lang="en-US" altLang="zh-TW" sz="2000" dirty="0">
                               <a:latin typeface="微軟正黑體" panose="020B0604030504040204" pitchFamily="34" charset="-120"/>
                               <a:ea typeface="微軟正黑體" panose="020B0604030504040204" pitchFamily="34" charset="-120"/>
                             </a:rPr>
                             <a:t>Rule9</a:t>
                           </a:r>
-                          <a:endParaRPr lang="zh-TW" altLang="en-US" dirty="0">
+                          <a:endParaRPr lang="zh-TW" altLang="en-US" sz="2000" dirty="0">
                             <a:latin typeface="微軟正黑體" panose="020B0604030504040204" pitchFamily="34" charset="-120"/>
                             <a:ea typeface="微軟正黑體" panose="020B0604030504040204" pitchFamily="34" charset="-120"/>
                           </a:endParaRPr>
@@ -9302,90 +10867,90 @@
                         <a:p>
                           <a:pPr algn="ctr"/>
                           <a:r>
-                            <a:rPr lang="zh-TW" altLang="en-US" dirty="0">
+                            <a:rPr lang="zh-TW" altLang="en-US" sz="2000" dirty="0">
                               <a:latin typeface="微軟正黑體" panose="020B0604030504040204" pitchFamily="34" charset="-120"/>
                               <a:ea typeface="微軟正黑體" panose="020B0604030504040204" pitchFamily="34" charset="-120"/>
                             </a:rPr>
                             <a:t>如果 𝑥</a:t>
                           </a:r>
                           <a:r>
-                            <a:rPr lang="en-US" altLang="zh-TW" dirty="0">
+                            <a:rPr lang="en-US" altLang="zh-TW" sz="2000" dirty="0">
                               <a:latin typeface="微軟正黑體" panose="020B0604030504040204" pitchFamily="34" charset="-120"/>
                               <a:ea typeface="微軟正黑體" panose="020B0604030504040204" pitchFamily="34" charset="-120"/>
                             </a:rPr>
                             <a:t> </a:t>
                           </a:r>
                           <a:r>
-                            <a:rPr lang="zh-TW" altLang="en-US" dirty="0">
+                            <a:rPr lang="zh-TW" altLang="en-US" sz="2000" dirty="0">
                               <a:latin typeface="微軟正黑體" panose="020B0604030504040204" pitchFamily="34" charset="-120"/>
                               <a:ea typeface="微軟正黑體" panose="020B0604030504040204" pitchFamily="34" charset="-120"/>
                             </a:rPr>
                             <a:t>是 </a:t>
                           </a:r>
                           <a:r>
-                            <a:rPr lang="en-US" altLang="zh-TW" dirty="0">
+                            <a:rPr lang="en-US" altLang="zh-TW" sz="2000" dirty="0">
                               <a:latin typeface="微軟正黑體" panose="020B0604030504040204" pitchFamily="34" charset="-120"/>
                               <a:ea typeface="微軟正黑體" panose="020B0604030504040204" pitchFamily="34" charset="-120"/>
                             </a:rPr>
                             <a:t>A3(</a:t>
                           </a:r>
                           <a:r>
-                            <a:rPr lang="zh-TW" altLang="en-US" dirty="0">
+                            <a:rPr lang="zh-TW" altLang="en-US" sz="2000" dirty="0">
                               <a:latin typeface="微軟正黑體" panose="020B0604030504040204" pitchFamily="34" charset="-120"/>
                               <a:ea typeface="微軟正黑體" panose="020B0604030504040204" pitchFamily="34" charset="-120"/>
                             </a:rPr>
                             <a:t>大</a:t>
                           </a:r>
                           <a:r>
-                            <a:rPr lang="en-US" altLang="zh-TW" dirty="0">
+                            <a:rPr lang="en-US" altLang="zh-TW" sz="2000" dirty="0">
                               <a:latin typeface="微軟正黑體" panose="020B0604030504040204" pitchFamily="34" charset="-120"/>
                               <a:ea typeface="微軟正黑體" panose="020B0604030504040204" pitchFamily="34" charset="-120"/>
                             </a:rPr>
                             <a:t>) </a:t>
                           </a:r>
                           <a:r>
-                            <a:rPr lang="zh-TW" altLang="en-US" dirty="0">
+                            <a:rPr lang="zh-TW" altLang="en-US" sz="2000" dirty="0">
                               <a:latin typeface="微軟正黑體" panose="020B0604030504040204" pitchFamily="34" charset="-120"/>
                               <a:ea typeface="微軟正黑體" panose="020B0604030504040204" pitchFamily="34" charset="-120"/>
                             </a:rPr>
                             <a:t>且 𝑦</a:t>
                           </a:r>
                           <a:r>
-                            <a:rPr lang="en-US" altLang="zh-TW" dirty="0">
+                            <a:rPr lang="en-US" altLang="zh-TW" sz="2000" dirty="0">
                               <a:latin typeface="微軟正黑體" panose="020B0604030504040204" pitchFamily="34" charset="-120"/>
                               <a:ea typeface="微軟正黑體" panose="020B0604030504040204" pitchFamily="34" charset="-120"/>
                             </a:rPr>
                             <a:t> </a:t>
                           </a:r>
                           <a:r>
-                            <a:rPr lang="zh-TW" altLang="en-US" dirty="0">
+                            <a:rPr lang="zh-TW" altLang="en-US" sz="2000" dirty="0">
                               <a:latin typeface="微軟正黑體" panose="020B0604030504040204" pitchFamily="34" charset="-120"/>
                               <a:ea typeface="微軟正黑體" panose="020B0604030504040204" pitchFamily="34" charset="-120"/>
                             </a:rPr>
                             <a:t>是</a:t>
                           </a:r>
                           <a:r>
-                            <a:rPr lang="en-US" altLang="zh-TW" dirty="0">
+                            <a:rPr lang="en-US" altLang="zh-TW" sz="2000" dirty="0">
                               <a:latin typeface="微軟正黑體" panose="020B0604030504040204" pitchFamily="34" charset="-120"/>
                               <a:ea typeface="微軟正黑體" panose="020B0604030504040204" pitchFamily="34" charset="-120"/>
                             </a:rPr>
                             <a:t>B3(</a:t>
                           </a:r>
                           <a:r>
-                            <a:rPr lang="zh-TW" altLang="en-US" dirty="0">
+                            <a:rPr lang="zh-TW" altLang="en-US" sz="2000" dirty="0">
                               <a:latin typeface="微軟正黑體" panose="020B0604030504040204" pitchFamily="34" charset="-120"/>
                               <a:ea typeface="微軟正黑體" panose="020B0604030504040204" pitchFamily="34" charset="-120"/>
                             </a:rPr>
                             <a:t>高</a:t>
                           </a:r>
                           <a:r>
-                            <a:rPr lang="en-US" altLang="zh-TW" dirty="0">
+                            <a:rPr lang="en-US" altLang="zh-TW" sz="2000" dirty="0">
                               <a:latin typeface="微軟正黑體" panose="020B0604030504040204" pitchFamily="34" charset="-120"/>
                               <a:ea typeface="微軟正黑體" panose="020B0604030504040204" pitchFamily="34" charset="-120"/>
                             </a:rPr>
                             <a:t>)</a:t>
                           </a:r>
-                          <a:endParaRPr lang="zh-TW" altLang="en-US" dirty="0">
+                          <a:endParaRPr lang="zh-TW" altLang="en-US" sz="2000" dirty="0">
                             <a:latin typeface="微軟正黑體" panose="020B0604030504040204" pitchFamily="34" charset="-120"/>
                             <a:ea typeface="微軟正黑體" panose="020B0604030504040204" pitchFamily="34" charset="-120"/>
                           </a:endParaRPr>
@@ -9405,7 +10970,7 @@
                         <a:blipFill>
                           <a:blip r:embed="rId2"/>
                           <a:stretch>
-                            <a:fillRect l="-200225" t="-906557" r="-899" b="-24590"/>
+                            <a:fillRect l="-200000" t="-909231" r="-899" b="-26154"/>
                           </a:stretch>
                         </a:blipFill>
                       </a:tcPr>
@@ -9511,8 +11076,8 @@
           </a:p>
         </p:txBody>
       </p:sp>
-      <mc:AlternateContent xmlns:mc="http://schemas.openxmlformats.org/markup-compatibility/2006">
-        <mc:Choice xmlns:a14="http://schemas.microsoft.com/office/drawing/2010/main" Requires="a14">
+      <mc:AlternateContent xmlns:mc="http://schemas.openxmlformats.org/markup-compatibility/2006" xmlns:a14="http://schemas.microsoft.com/office/drawing/2010/main">
+        <mc:Choice Requires="a14">
           <p:sp>
             <p:nvSpPr>
               <p:cNvPr id="3" name="內容版面配置區 2">
@@ -9985,7 +11550,7 @@
             </p:txBody>
           </p:sp>
         </mc:Choice>
-        <mc:Fallback>
+        <mc:Fallback xmlns="">
           <p:sp>
             <p:nvSpPr>
               <p:cNvPr id="3" name="內容版面配置區 2">
@@ -11153,7 +12718,7 @@
                     <a:latin typeface="微軟正黑體" panose="020B0604030504040204" pitchFamily="34" charset="-120"/>
                     <a:ea typeface="微軟正黑體" panose="020B0604030504040204" pitchFamily="34" charset="-120"/>
                   </a:rPr>
-                  <a:t>用梯度下降訓練前件參數（模糊函數）</a:t>
+                  <a:t>用梯度下降訓練前件參數（隸屬函數）</a:t>
                 </a:r>
                 <a:endParaRPr lang="en-US" altLang="zh-TW" dirty="0">
                   <a:latin typeface="微軟正黑體" panose="020B0604030504040204" pitchFamily="34" charset="-120"/>
